--- a/SE4920/Projects/Final/Final_Mazza.pptx
+++ b/SE4920/Projects/Final/Final_Mazza.pptx
@@ -7,8 +7,10 @@
   <p:sldIdLst>
     <p:sldId id="256" r:id="rId2"/>
     <p:sldId id="257" r:id="rId3"/>
-    <p:sldId id="258" r:id="rId4"/>
-    <p:sldId id="259" r:id="rId5"/>
+    <p:sldId id="260" r:id="rId4"/>
+    <p:sldId id="261" r:id="rId5"/>
+    <p:sldId id="258" r:id="rId6"/>
+    <p:sldId id="259" r:id="rId7"/>
   </p:sldIdLst>
   <p:sldSz cx="9144000" cy="6858000" type="screen4x3"/>
   <p:notesSz cx="6858000" cy="9144000"/>
@@ -893,6 +895,1707 @@
 </file>
 
 <file path=ppt/diagrams/colors2.xml><?xml version="1.0" encoding="utf-8"?>
+<dgm:colorsDef xmlns:dgm="http://schemas.openxmlformats.org/drawingml/2006/diagram" xmlns:a="http://schemas.openxmlformats.org/drawingml/2006/main" uniqueId="urn:microsoft.com/office/officeart/2005/8/colors/colorful3">
+  <dgm:title val=""/>
+  <dgm:desc val=""/>
+  <dgm:catLst>
+    <dgm:cat type="colorful" pri="10300"/>
+  </dgm:catLst>
+  <dgm:styleLbl name="node0">
+    <dgm:fillClrLst meth="repeat">
+      <a:schemeClr val="accent2"/>
+    </dgm:fillClrLst>
+    <dgm:linClrLst meth="repeat">
+      <a:schemeClr val="lt1"/>
+    </dgm:linClrLst>
+    <dgm:effectClrLst/>
+    <dgm:txLinClrLst/>
+    <dgm:txFillClrLst/>
+    <dgm:txEffectClrLst/>
+  </dgm:styleLbl>
+  <dgm:styleLbl name="node1">
+    <dgm:fillClrLst>
+      <a:schemeClr val="accent3"/>
+      <a:schemeClr val="accent4"/>
+    </dgm:fillClrLst>
+    <dgm:linClrLst meth="repeat">
+      <a:schemeClr val="lt1"/>
+    </dgm:linClrLst>
+    <dgm:effectClrLst/>
+    <dgm:txLinClrLst/>
+    <dgm:txFillClrLst/>
+    <dgm:txEffectClrLst/>
+  </dgm:styleLbl>
+  <dgm:styleLbl name="alignNode1">
+    <dgm:fillClrLst>
+      <a:schemeClr val="accent3"/>
+      <a:schemeClr val="accent4"/>
+    </dgm:fillClrLst>
+    <dgm:linClrLst>
+      <a:schemeClr val="accent3"/>
+      <a:schemeClr val="accent4"/>
+    </dgm:linClrLst>
+    <dgm:effectClrLst/>
+    <dgm:txLinClrLst/>
+    <dgm:txFillClrLst/>
+    <dgm:txEffectClrLst/>
+  </dgm:styleLbl>
+  <dgm:styleLbl name="lnNode1">
+    <dgm:fillClrLst>
+      <a:schemeClr val="accent3"/>
+      <a:schemeClr val="accent4"/>
+    </dgm:fillClrLst>
+    <dgm:linClrLst meth="repeat">
+      <a:schemeClr val="lt1"/>
+    </dgm:linClrLst>
+    <dgm:effectClrLst/>
+    <dgm:txLinClrLst/>
+    <dgm:txFillClrLst/>
+    <dgm:txEffectClrLst/>
+  </dgm:styleLbl>
+  <dgm:styleLbl name="vennNode1">
+    <dgm:fillClrLst>
+      <a:schemeClr val="accent3">
+        <a:alpha val="50000"/>
+      </a:schemeClr>
+      <a:schemeClr val="accent4">
+        <a:alpha val="50000"/>
+      </a:schemeClr>
+    </dgm:fillClrLst>
+    <dgm:linClrLst meth="repeat">
+      <a:schemeClr val="lt1"/>
+    </dgm:linClrLst>
+    <dgm:effectClrLst/>
+    <dgm:txLinClrLst/>
+    <dgm:txFillClrLst/>
+    <dgm:txEffectClrLst/>
+  </dgm:styleLbl>
+  <dgm:styleLbl name="node2">
+    <dgm:fillClrLst>
+      <a:schemeClr val="accent4"/>
+    </dgm:fillClrLst>
+    <dgm:linClrLst meth="repeat">
+      <a:schemeClr val="lt1"/>
+    </dgm:linClrLst>
+    <dgm:effectClrLst/>
+    <dgm:txLinClrLst/>
+    <dgm:txFillClrLst/>
+    <dgm:txEffectClrLst/>
+  </dgm:styleLbl>
+  <dgm:styleLbl name="node3">
+    <dgm:fillClrLst>
+      <a:schemeClr val="accent5"/>
+    </dgm:fillClrLst>
+    <dgm:linClrLst meth="repeat">
+      <a:schemeClr val="lt1"/>
+    </dgm:linClrLst>
+    <dgm:effectClrLst/>
+    <dgm:txLinClrLst/>
+    <dgm:txFillClrLst/>
+    <dgm:txEffectClrLst/>
+  </dgm:styleLbl>
+  <dgm:styleLbl name="node4">
+    <dgm:fillClrLst>
+      <a:schemeClr val="accent6"/>
+    </dgm:fillClrLst>
+    <dgm:linClrLst meth="repeat">
+      <a:schemeClr val="lt1"/>
+    </dgm:linClrLst>
+    <dgm:effectClrLst/>
+    <dgm:txLinClrLst/>
+    <dgm:txFillClrLst/>
+    <dgm:txEffectClrLst/>
+  </dgm:styleLbl>
+  <dgm:styleLbl name="fgImgPlace1">
+    <dgm:fillClrLst>
+      <a:schemeClr val="accent3">
+        <a:tint val="50000"/>
+      </a:schemeClr>
+      <a:schemeClr val="accent4">
+        <a:tint val="50000"/>
+      </a:schemeClr>
+    </dgm:fillClrLst>
+    <dgm:linClrLst meth="repeat">
+      <a:schemeClr val="lt1"/>
+    </dgm:linClrLst>
+    <dgm:effectClrLst/>
+    <dgm:txLinClrLst/>
+    <dgm:txFillClrLst meth="repeat">
+      <a:schemeClr val="lt1"/>
+    </dgm:txFillClrLst>
+    <dgm:txEffectClrLst/>
+  </dgm:styleLbl>
+  <dgm:styleLbl name="alignImgPlace1">
+    <dgm:fillClrLst>
+      <a:schemeClr val="accent3">
+        <a:tint val="50000"/>
+      </a:schemeClr>
+      <a:schemeClr val="accent4">
+        <a:tint val="20000"/>
+      </a:schemeClr>
+    </dgm:fillClrLst>
+    <dgm:linClrLst meth="repeat">
+      <a:schemeClr val="lt1"/>
+    </dgm:linClrLst>
+    <dgm:effectClrLst/>
+    <dgm:txLinClrLst/>
+    <dgm:txFillClrLst meth="repeat">
+      <a:schemeClr val="lt1"/>
+    </dgm:txFillClrLst>
+    <dgm:txEffectClrLst/>
+  </dgm:styleLbl>
+  <dgm:styleLbl name="bgImgPlace1">
+    <dgm:fillClrLst>
+      <a:schemeClr val="accent3">
+        <a:tint val="50000"/>
+      </a:schemeClr>
+      <a:schemeClr val="accent4">
+        <a:tint val="20000"/>
+      </a:schemeClr>
+    </dgm:fillClrLst>
+    <dgm:linClrLst meth="repeat">
+      <a:schemeClr val="lt1"/>
+    </dgm:linClrLst>
+    <dgm:effectClrLst/>
+    <dgm:txLinClrLst/>
+    <dgm:txFillClrLst meth="repeat">
+      <a:schemeClr val="lt1"/>
+    </dgm:txFillClrLst>
+    <dgm:txEffectClrLst/>
+  </dgm:styleLbl>
+  <dgm:styleLbl name="sibTrans2D1">
+    <dgm:fillClrLst>
+      <a:schemeClr val="accent3"/>
+      <a:schemeClr val="accent4"/>
+    </dgm:fillClrLst>
+    <dgm:linClrLst meth="repeat">
+      <a:schemeClr val="lt1"/>
+    </dgm:linClrLst>
+    <dgm:effectClrLst/>
+    <dgm:txLinClrLst/>
+    <dgm:txFillClrLst/>
+    <dgm:txEffectClrLst/>
+  </dgm:styleLbl>
+  <dgm:styleLbl name="fgSibTrans2D1">
+    <dgm:fillClrLst>
+      <a:schemeClr val="accent3"/>
+      <a:schemeClr val="accent4"/>
+    </dgm:fillClrLst>
+    <dgm:linClrLst meth="repeat">
+      <a:schemeClr val="lt1"/>
+    </dgm:linClrLst>
+    <dgm:effectClrLst/>
+    <dgm:txLinClrLst/>
+    <dgm:txFillClrLst meth="repeat">
+      <a:schemeClr val="lt1"/>
+    </dgm:txFillClrLst>
+    <dgm:txEffectClrLst/>
+  </dgm:styleLbl>
+  <dgm:styleLbl name="bgSibTrans2D1">
+    <dgm:fillClrLst>
+      <a:schemeClr val="accent3"/>
+      <a:schemeClr val="accent4"/>
+    </dgm:fillClrLst>
+    <dgm:linClrLst meth="repeat">
+      <a:schemeClr val="lt1"/>
+    </dgm:linClrLst>
+    <dgm:effectClrLst/>
+    <dgm:txLinClrLst/>
+    <dgm:txFillClrLst meth="repeat">
+      <a:schemeClr val="lt1"/>
+    </dgm:txFillClrLst>
+    <dgm:txEffectClrLst/>
+  </dgm:styleLbl>
+  <dgm:styleLbl name="sibTrans1D1">
+    <dgm:fillClrLst/>
+    <dgm:linClrLst>
+      <a:schemeClr val="accent3"/>
+      <a:schemeClr val="accent4"/>
+    </dgm:linClrLst>
+    <dgm:effectClrLst/>
+    <dgm:txLinClrLst/>
+    <dgm:txFillClrLst meth="repeat">
+      <a:schemeClr val="tx1"/>
+    </dgm:txFillClrLst>
+    <dgm:txEffectClrLst/>
+  </dgm:styleLbl>
+  <dgm:styleLbl name="callout">
+    <dgm:fillClrLst meth="repeat">
+      <a:schemeClr val="accent3"/>
+    </dgm:fillClrLst>
+    <dgm:linClrLst meth="repeat">
+      <a:schemeClr val="accent3">
+        <a:tint val="50000"/>
+      </a:schemeClr>
+    </dgm:linClrLst>
+    <dgm:effectClrLst/>
+    <dgm:txLinClrLst/>
+    <dgm:txFillClrLst meth="repeat">
+      <a:schemeClr val="tx1"/>
+    </dgm:txFillClrLst>
+    <dgm:txEffectClrLst/>
+  </dgm:styleLbl>
+  <dgm:styleLbl name="asst0">
+    <dgm:fillClrLst meth="repeat">
+      <a:schemeClr val="accent3"/>
+    </dgm:fillClrLst>
+    <dgm:linClrLst meth="repeat">
+      <a:schemeClr val="lt1">
+        <a:shade val="80000"/>
+      </a:schemeClr>
+    </dgm:linClrLst>
+    <dgm:effectClrLst/>
+    <dgm:txLinClrLst/>
+    <dgm:txFillClrLst/>
+    <dgm:txEffectClrLst/>
+  </dgm:styleLbl>
+  <dgm:styleLbl name="asst1">
+    <dgm:fillClrLst meth="repeat">
+      <a:schemeClr val="accent4"/>
+    </dgm:fillClrLst>
+    <dgm:linClrLst meth="repeat">
+      <a:schemeClr val="lt1">
+        <a:shade val="80000"/>
+      </a:schemeClr>
+    </dgm:linClrLst>
+    <dgm:effectClrLst/>
+    <dgm:txLinClrLst/>
+    <dgm:txFillClrLst/>
+    <dgm:txEffectClrLst/>
+  </dgm:styleLbl>
+  <dgm:styleLbl name="asst2">
+    <dgm:fillClrLst>
+      <a:schemeClr val="accent5"/>
+    </dgm:fillClrLst>
+    <dgm:linClrLst meth="repeat">
+      <a:schemeClr val="lt1"/>
+    </dgm:linClrLst>
+    <dgm:effectClrLst/>
+    <dgm:txLinClrLst/>
+    <dgm:txFillClrLst/>
+    <dgm:txEffectClrLst/>
+  </dgm:styleLbl>
+  <dgm:styleLbl name="asst3">
+    <dgm:fillClrLst>
+      <a:schemeClr val="accent6"/>
+    </dgm:fillClrLst>
+    <dgm:linClrLst meth="repeat">
+      <a:schemeClr val="lt1"/>
+    </dgm:linClrLst>
+    <dgm:effectClrLst/>
+    <dgm:txLinClrLst/>
+    <dgm:txFillClrLst/>
+    <dgm:txEffectClrLst/>
+  </dgm:styleLbl>
+  <dgm:styleLbl name="asst4">
+    <dgm:fillClrLst>
+      <a:schemeClr val="accent1"/>
+    </dgm:fillClrLst>
+    <dgm:linClrLst meth="repeat">
+      <a:schemeClr val="lt1"/>
+    </dgm:linClrLst>
+    <dgm:effectClrLst/>
+    <dgm:txLinClrLst/>
+    <dgm:txFillClrLst/>
+    <dgm:txEffectClrLst/>
+  </dgm:styleLbl>
+  <dgm:styleLbl name="parChTrans2D1">
+    <dgm:fillClrLst meth="repeat">
+      <a:schemeClr val="accent2"/>
+    </dgm:fillClrLst>
+    <dgm:linClrLst meth="repeat">
+      <a:schemeClr val="lt1"/>
+    </dgm:linClrLst>
+    <dgm:effectClrLst/>
+    <dgm:txLinClrLst/>
+    <dgm:txFillClrLst meth="repeat">
+      <a:schemeClr val="lt1"/>
+    </dgm:txFillClrLst>
+    <dgm:txEffectClrLst/>
+  </dgm:styleLbl>
+  <dgm:styleLbl name="parChTrans2D2">
+    <dgm:fillClrLst meth="repeat">
+      <a:schemeClr val="accent3"/>
+    </dgm:fillClrLst>
+    <dgm:linClrLst meth="repeat">
+      <a:schemeClr val="lt1"/>
+    </dgm:linClrLst>
+    <dgm:effectClrLst/>
+    <dgm:txLinClrLst/>
+    <dgm:txFillClrLst/>
+    <dgm:txEffectClrLst/>
+  </dgm:styleLbl>
+  <dgm:styleLbl name="parChTrans2D3">
+    <dgm:fillClrLst meth="repeat">
+      <a:schemeClr val="accent4"/>
+    </dgm:fillClrLst>
+    <dgm:linClrLst meth="repeat">
+      <a:schemeClr val="lt1"/>
+    </dgm:linClrLst>
+    <dgm:effectClrLst/>
+    <dgm:txLinClrLst/>
+    <dgm:txFillClrLst/>
+    <dgm:txEffectClrLst/>
+  </dgm:styleLbl>
+  <dgm:styleLbl name="parChTrans2D4">
+    <dgm:fillClrLst meth="repeat">
+      <a:schemeClr val="accent5"/>
+    </dgm:fillClrLst>
+    <dgm:linClrLst meth="repeat">
+      <a:schemeClr val="lt1"/>
+    </dgm:linClrLst>
+    <dgm:effectClrLst/>
+    <dgm:txLinClrLst/>
+    <dgm:txFillClrLst meth="repeat">
+      <a:schemeClr val="lt1"/>
+    </dgm:txFillClrLst>
+    <dgm:txEffectClrLst/>
+  </dgm:styleLbl>
+  <dgm:styleLbl name="parChTrans1D1">
+    <dgm:fillClrLst meth="repeat">
+      <a:schemeClr val="accent3"/>
+    </dgm:fillClrLst>
+    <dgm:linClrLst meth="repeat">
+      <a:schemeClr val="accent3"/>
+    </dgm:linClrLst>
+    <dgm:effectClrLst/>
+    <dgm:txLinClrLst/>
+    <dgm:txFillClrLst meth="repeat">
+      <a:schemeClr val="tx1"/>
+    </dgm:txFillClrLst>
+    <dgm:txEffectClrLst/>
+  </dgm:styleLbl>
+  <dgm:styleLbl name="parChTrans1D2">
+    <dgm:fillClrLst meth="repeat">
+      <a:schemeClr val="accent2">
+        <a:tint val="90000"/>
+      </a:schemeClr>
+    </dgm:fillClrLst>
+    <dgm:linClrLst meth="repeat">
+      <a:schemeClr val="accent4"/>
+    </dgm:linClrLst>
+    <dgm:effectClrLst/>
+    <dgm:txLinClrLst/>
+    <dgm:txFillClrLst meth="repeat">
+      <a:schemeClr val="tx1"/>
+    </dgm:txFillClrLst>
+    <dgm:txEffectClrLst/>
+  </dgm:styleLbl>
+  <dgm:styleLbl name="parChTrans1D3">
+    <dgm:fillClrLst meth="repeat">
+      <a:schemeClr val="accent2">
+        <a:tint val="70000"/>
+      </a:schemeClr>
+    </dgm:fillClrLst>
+    <dgm:linClrLst meth="repeat">
+      <a:schemeClr val="accent5"/>
+    </dgm:linClrLst>
+    <dgm:effectClrLst/>
+    <dgm:txLinClrLst/>
+    <dgm:txFillClrLst meth="repeat">
+      <a:schemeClr val="tx1"/>
+    </dgm:txFillClrLst>
+    <dgm:txEffectClrLst/>
+  </dgm:styleLbl>
+  <dgm:styleLbl name="parChTrans1D4">
+    <dgm:fillClrLst meth="repeat">
+      <a:schemeClr val="accent6">
+        <a:tint val="50000"/>
+      </a:schemeClr>
+    </dgm:fillClrLst>
+    <dgm:linClrLst meth="repeat">
+      <a:schemeClr val="accent6"/>
+    </dgm:linClrLst>
+    <dgm:effectClrLst/>
+    <dgm:txLinClrLst/>
+    <dgm:txFillClrLst meth="repeat">
+      <a:schemeClr val="tx1"/>
+    </dgm:txFillClrLst>
+    <dgm:txEffectClrLst/>
+  </dgm:styleLbl>
+  <dgm:styleLbl name="fgAcc1">
+    <dgm:fillClrLst meth="repeat">
+      <a:schemeClr val="lt1">
+        <a:alpha val="90000"/>
+      </a:schemeClr>
+    </dgm:fillClrLst>
+    <dgm:linClrLst>
+      <a:schemeClr val="accent3"/>
+      <a:schemeClr val="accent4"/>
+    </dgm:linClrLst>
+    <dgm:effectClrLst/>
+    <dgm:txLinClrLst/>
+    <dgm:txFillClrLst meth="repeat">
+      <a:schemeClr val="dk1"/>
+    </dgm:txFillClrLst>
+    <dgm:txEffectClrLst/>
+  </dgm:styleLbl>
+  <dgm:styleLbl name="conFgAcc1">
+    <dgm:fillClrLst meth="repeat">
+      <a:schemeClr val="lt1">
+        <a:alpha val="90000"/>
+      </a:schemeClr>
+    </dgm:fillClrLst>
+    <dgm:linClrLst>
+      <a:schemeClr val="accent3"/>
+      <a:schemeClr val="accent4"/>
+    </dgm:linClrLst>
+    <dgm:effectClrLst/>
+    <dgm:txLinClrLst/>
+    <dgm:txFillClrLst meth="repeat">
+      <a:schemeClr val="dk1"/>
+    </dgm:txFillClrLst>
+    <dgm:txEffectClrLst/>
+  </dgm:styleLbl>
+  <dgm:styleLbl name="alignAcc1">
+    <dgm:fillClrLst meth="repeat">
+      <a:schemeClr val="lt1">
+        <a:alpha val="90000"/>
+      </a:schemeClr>
+    </dgm:fillClrLst>
+    <dgm:linClrLst>
+      <a:schemeClr val="accent3"/>
+      <a:schemeClr val="accent4"/>
+    </dgm:linClrLst>
+    <dgm:effectClrLst/>
+    <dgm:txLinClrLst/>
+    <dgm:txFillClrLst meth="repeat">
+      <a:schemeClr val="dk1"/>
+    </dgm:txFillClrLst>
+    <dgm:txEffectClrLst/>
+  </dgm:styleLbl>
+  <dgm:styleLbl name="trAlignAcc1">
+    <dgm:fillClrLst meth="repeat">
+      <a:schemeClr val="lt1">
+        <a:alpha val="40000"/>
+      </a:schemeClr>
+    </dgm:fillClrLst>
+    <dgm:linClrLst meth="repeat">
+      <a:schemeClr val="accent2"/>
+    </dgm:linClrLst>
+    <dgm:effectClrLst/>
+    <dgm:txLinClrLst/>
+    <dgm:txFillClrLst meth="repeat">
+      <a:schemeClr val="dk1"/>
+    </dgm:txFillClrLst>
+    <dgm:txEffectClrLst/>
+  </dgm:styleLbl>
+  <dgm:styleLbl name="bgAcc1">
+    <dgm:fillClrLst meth="repeat">
+      <a:schemeClr val="lt1">
+        <a:alpha val="90000"/>
+      </a:schemeClr>
+    </dgm:fillClrLst>
+    <dgm:linClrLst>
+      <a:schemeClr val="accent3"/>
+      <a:schemeClr val="accent4"/>
+    </dgm:linClrLst>
+    <dgm:effectClrLst/>
+    <dgm:txLinClrLst/>
+    <dgm:txFillClrLst meth="repeat">
+      <a:schemeClr val="dk1"/>
+    </dgm:txFillClrLst>
+    <dgm:txEffectClrLst/>
+  </dgm:styleLbl>
+  <dgm:styleLbl name="solidFgAcc1">
+    <dgm:fillClrLst meth="repeat">
+      <a:schemeClr val="lt1"/>
+    </dgm:fillClrLst>
+    <dgm:linClrLst>
+      <a:schemeClr val="accent3"/>
+      <a:schemeClr val="accent4"/>
+    </dgm:linClrLst>
+    <dgm:effectClrLst/>
+    <dgm:txLinClrLst/>
+    <dgm:txFillClrLst meth="repeat">
+      <a:schemeClr val="dk1"/>
+    </dgm:txFillClrLst>
+    <dgm:txEffectClrLst/>
+  </dgm:styleLbl>
+  <dgm:styleLbl name="solidAlignAcc1">
+    <dgm:fillClrLst meth="repeat">
+      <a:schemeClr val="lt1"/>
+    </dgm:fillClrLst>
+    <dgm:linClrLst>
+      <a:schemeClr val="accent3"/>
+      <a:schemeClr val="accent4"/>
+    </dgm:linClrLst>
+    <dgm:effectClrLst/>
+    <dgm:txLinClrLst/>
+    <dgm:txFillClrLst meth="repeat">
+      <a:schemeClr val="dk1"/>
+    </dgm:txFillClrLst>
+    <dgm:txEffectClrLst/>
+  </dgm:styleLbl>
+  <dgm:styleLbl name="solidBgAcc1">
+    <dgm:fillClrLst meth="repeat">
+      <a:schemeClr val="lt1"/>
+    </dgm:fillClrLst>
+    <dgm:linClrLst>
+      <a:schemeClr val="accent3"/>
+      <a:schemeClr val="accent4"/>
+    </dgm:linClrLst>
+    <dgm:effectClrLst/>
+    <dgm:txLinClrLst/>
+    <dgm:txFillClrLst meth="repeat">
+      <a:schemeClr val="dk1"/>
+    </dgm:txFillClrLst>
+    <dgm:txEffectClrLst/>
+  </dgm:styleLbl>
+  <dgm:styleLbl name="fgAccFollowNode1">
+    <dgm:fillClrLst>
+      <a:schemeClr val="accent3">
+        <a:tint val="40000"/>
+        <a:alpha val="90000"/>
+      </a:schemeClr>
+      <a:schemeClr val="accent4">
+        <a:tint val="40000"/>
+        <a:alpha val="90000"/>
+      </a:schemeClr>
+    </dgm:fillClrLst>
+    <dgm:linClrLst>
+      <a:schemeClr val="accent3">
+        <a:tint val="40000"/>
+        <a:alpha val="90000"/>
+      </a:schemeClr>
+      <a:schemeClr val="accent4">
+        <a:tint val="40000"/>
+        <a:alpha val="90000"/>
+      </a:schemeClr>
+    </dgm:linClrLst>
+    <dgm:effectClrLst/>
+    <dgm:txLinClrLst/>
+    <dgm:txFillClrLst meth="repeat">
+      <a:schemeClr val="dk1"/>
+    </dgm:txFillClrLst>
+    <dgm:txEffectClrLst/>
+  </dgm:styleLbl>
+  <dgm:styleLbl name="alignAccFollowNode1">
+    <dgm:fillClrLst>
+      <a:schemeClr val="accent3">
+        <a:tint val="40000"/>
+        <a:alpha val="90000"/>
+      </a:schemeClr>
+      <a:schemeClr val="accent4">
+        <a:tint val="40000"/>
+        <a:alpha val="90000"/>
+      </a:schemeClr>
+    </dgm:fillClrLst>
+    <dgm:linClrLst>
+      <a:schemeClr val="accent3">
+        <a:tint val="40000"/>
+        <a:alpha val="90000"/>
+      </a:schemeClr>
+      <a:schemeClr val="accent4">
+        <a:tint val="40000"/>
+        <a:alpha val="90000"/>
+      </a:schemeClr>
+    </dgm:linClrLst>
+    <dgm:effectClrLst/>
+    <dgm:txLinClrLst/>
+    <dgm:txFillClrLst meth="repeat">
+      <a:schemeClr val="dk1"/>
+    </dgm:txFillClrLst>
+    <dgm:txEffectClrLst/>
+  </dgm:styleLbl>
+  <dgm:styleLbl name="bgAccFollowNode1">
+    <dgm:fillClrLst>
+      <a:schemeClr val="accent3">
+        <a:tint val="40000"/>
+        <a:alpha val="90000"/>
+      </a:schemeClr>
+      <a:schemeClr val="accent4">
+        <a:tint val="40000"/>
+        <a:alpha val="90000"/>
+      </a:schemeClr>
+    </dgm:fillClrLst>
+    <dgm:linClrLst>
+      <a:schemeClr val="accent3">
+        <a:tint val="40000"/>
+        <a:alpha val="90000"/>
+      </a:schemeClr>
+      <a:schemeClr val="accent4">
+        <a:tint val="40000"/>
+        <a:alpha val="90000"/>
+      </a:schemeClr>
+    </dgm:linClrLst>
+    <dgm:effectClrLst/>
+    <dgm:txLinClrLst/>
+    <dgm:txFillClrLst meth="repeat">
+      <a:schemeClr val="dk1"/>
+    </dgm:txFillClrLst>
+    <dgm:txEffectClrLst/>
+  </dgm:styleLbl>
+  <dgm:styleLbl name="fgAcc0">
+    <dgm:fillClrLst meth="repeat">
+      <a:schemeClr val="lt1">
+        <a:alpha val="90000"/>
+      </a:schemeClr>
+    </dgm:fillClrLst>
+    <dgm:linClrLst>
+      <a:schemeClr val="accent2"/>
+    </dgm:linClrLst>
+    <dgm:effectClrLst/>
+    <dgm:txLinClrLst/>
+    <dgm:txFillClrLst meth="repeat">
+      <a:schemeClr val="dk1"/>
+    </dgm:txFillClrLst>
+    <dgm:txEffectClrLst/>
+  </dgm:styleLbl>
+  <dgm:styleLbl name="fgAcc2">
+    <dgm:fillClrLst meth="repeat">
+      <a:schemeClr val="lt1">
+        <a:alpha val="90000"/>
+      </a:schemeClr>
+    </dgm:fillClrLst>
+    <dgm:linClrLst>
+      <a:schemeClr val="accent4"/>
+    </dgm:linClrLst>
+    <dgm:effectClrLst/>
+    <dgm:txLinClrLst/>
+    <dgm:txFillClrLst meth="repeat">
+      <a:schemeClr val="dk1"/>
+    </dgm:txFillClrLst>
+    <dgm:txEffectClrLst/>
+  </dgm:styleLbl>
+  <dgm:styleLbl name="fgAcc3">
+    <dgm:fillClrLst meth="repeat">
+      <a:schemeClr val="lt1">
+        <a:alpha val="90000"/>
+      </a:schemeClr>
+    </dgm:fillClrLst>
+    <dgm:linClrLst>
+      <a:schemeClr val="accent5"/>
+    </dgm:linClrLst>
+    <dgm:effectClrLst/>
+    <dgm:txLinClrLst/>
+    <dgm:txFillClrLst meth="repeat">
+      <a:schemeClr val="dk1"/>
+    </dgm:txFillClrLst>
+    <dgm:txEffectClrLst/>
+  </dgm:styleLbl>
+  <dgm:styleLbl name="fgAcc4">
+    <dgm:fillClrLst meth="repeat">
+      <a:schemeClr val="lt1">
+        <a:alpha val="90000"/>
+      </a:schemeClr>
+    </dgm:fillClrLst>
+    <dgm:linClrLst>
+      <a:schemeClr val="accent6"/>
+    </dgm:linClrLst>
+    <dgm:effectClrLst/>
+    <dgm:txLinClrLst/>
+    <dgm:txFillClrLst meth="repeat">
+      <a:schemeClr val="dk1"/>
+    </dgm:txFillClrLst>
+    <dgm:txEffectClrLst/>
+  </dgm:styleLbl>
+  <dgm:styleLbl name="bgShp">
+    <dgm:fillClrLst meth="repeat">
+      <a:schemeClr val="accent3">
+        <a:tint val="40000"/>
+      </a:schemeClr>
+    </dgm:fillClrLst>
+    <dgm:linClrLst meth="repeat">
+      <a:schemeClr val="dk1"/>
+    </dgm:linClrLst>
+    <dgm:effectClrLst/>
+    <dgm:txLinClrLst/>
+    <dgm:txFillClrLst meth="repeat">
+      <a:schemeClr val="dk1"/>
+    </dgm:txFillClrLst>
+    <dgm:txEffectClrLst/>
+  </dgm:styleLbl>
+  <dgm:styleLbl name="dkBgShp">
+    <dgm:fillClrLst meth="repeat">
+      <a:schemeClr val="accent3">
+        <a:shade val="90000"/>
+      </a:schemeClr>
+    </dgm:fillClrLst>
+    <dgm:linClrLst meth="repeat">
+      <a:schemeClr val="dk1"/>
+    </dgm:linClrLst>
+    <dgm:effectClrLst/>
+    <dgm:txLinClrLst/>
+    <dgm:txFillClrLst meth="repeat">
+      <a:schemeClr val="lt1"/>
+    </dgm:txFillClrLst>
+    <dgm:txEffectClrLst/>
+  </dgm:styleLbl>
+  <dgm:styleLbl name="trBgShp">
+    <dgm:fillClrLst meth="repeat">
+      <a:schemeClr val="accent2">
+        <a:tint val="50000"/>
+        <a:alpha val="40000"/>
+      </a:schemeClr>
+    </dgm:fillClrLst>
+    <dgm:linClrLst meth="repeat">
+      <a:schemeClr val="accent3"/>
+    </dgm:linClrLst>
+    <dgm:effectClrLst/>
+    <dgm:txLinClrLst/>
+    <dgm:txFillClrLst meth="repeat">
+      <a:schemeClr val="lt1"/>
+    </dgm:txFillClrLst>
+    <dgm:txEffectClrLst/>
+  </dgm:styleLbl>
+  <dgm:styleLbl name="fgShp">
+    <dgm:fillClrLst meth="repeat">
+      <a:schemeClr val="accent3">
+        <a:tint val="40000"/>
+      </a:schemeClr>
+    </dgm:fillClrLst>
+    <dgm:linClrLst meth="repeat">
+      <a:schemeClr val="lt1"/>
+    </dgm:linClrLst>
+    <dgm:effectClrLst/>
+    <dgm:txLinClrLst/>
+    <dgm:txFillClrLst meth="repeat">
+      <a:schemeClr val="dk1"/>
+    </dgm:txFillClrLst>
+    <dgm:txEffectClrLst/>
+  </dgm:styleLbl>
+  <dgm:styleLbl name="revTx">
+    <dgm:fillClrLst meth="repeat">
+      <a:schemeClr val="lt1">
+        <a:alpha val="0"/>
+      </a:schemeClr>
+    </dgm:fillClrLst>
+    <dgm:linClrLst meth="repeat">
+      <a:schemeClr val="dk1">
+        <a:alpha val="0"/>
+      </a:schemeClr>
+    </dgm:linClrLst>
+    <dgm:effectClrLst/>
+    <dgm:txLinClrLst/>
+    <dgm:txFillClrLst meth="repeat">
+      <a:schemeClr val="tx1"/>
+    </dgm:txFillClrLst>
+    <dgm:txEffectClrLst/>
+  </dgm:styleLbl>
+</dgm:colorsDef>
+</file>
+
+<file path=ppt/diagrams/colors3.xml><?xml version="1.0" encoding="utf-8"?>
+<dgm:colorsDef xmlns:dgm="http://schemas.openxmlformats.org/drawingml/2006/diagram" xmlns:a="http://schemas.openxmlformats.org/drawingml/2006/main" uniqueId="urn:microsoft.com/office/officeart/2005/8/colors/colorful1">
+  <dgm:title val=""/>
+  <dgm:desc val=""/>
+  <dgm:catLst>
+    <dgm:cat type="colorful" pri="10100"/>
+  </dgm:catLst>
+  <dgm:styleLbl name="node0">
+    <dgm:fillClrLst meth="repeat">
+      <a:schemeClr val="accent1"/>
+    </dgm:fillClrLst>
+    <dgm:linClrLst meth="repeat">
+      <a:schemeClr val="lt1"/>
+    </dgm:linClrLst>
+    <dgm:effectClrLst/>
+    <dgm:txLinClrLst/>
+    <dgm:txFillClrLst/>
+    <dgm:txEffectClrLst/>
+  </dgm:styleLbl>
+  <dgm:styleLbl name="node1">
+    <dgm:fillClrLst meth="repeat">
+      <a:schemeClr val="accent2"/>
+      <a:schemeClr val="accent3"/>
+      <a:schemeClr val="accent4"/>
+      <a:schemeClr val="accent5"/>
+      <a:schemeClr val="accent6"/>
+    </dgm:fillClrLst>
+    <dgm:linClrLst meth="repeat">
+      <a:schemeClr val="lt1"/>
+    </dgm:linClrLst>
+    <dgm:effectClrLst/>
+    <dgm:txLinClrLst/>
+    <dgm:txFillClrLst/>
+    <dgm:txEffectClrLst/>
+  </dgm:styleLbl>
+  <dgm:styleLbl name="alignNode1">
+    <dgm:fillClrLst meth="repeat">
+      <a:schemeClr val="accent2"/>
+      <a:schemeClr val="accent3"/>
+      <a:schemeClr val="accent4"/>
+      <a:schemeClr val="accent5"/>
+      <a:schemeClr val="accent6"/>
+    </dgm:fillClrLst>
+    <dgm:linClrLst meth="repeat">
+      <a:schemeClr val="accent2"/>
+      <a:schemeClr val="accent3"/>
+      <a:schemeClr val="accent4"/>
+      <a:schemeClr val="accent5"/>
+      <a:schemeClr val="accent6"/>
+    </dgm:linClrLst>
+    <dgm:effectClrLst/>
+    <dgm:txLinClrLst/>
+    <dgm:txFillClrLst/>
+    <dgm:txEffectClrLst/>
+  </dgm:styleLbl>
+  <dgm:styleLbl name="lnNode1">
+    <dgm:fillClrLst meth="repeat">
+      <a:schemeClr val="accent2"/>
+      <a:schemeClr val="accent3"/>
+      <a:schemeClr val="accent4"/>
+      <a:schemeClr val="accent5"/>
+      <a:schemeClr val="accent6"/>
+    </dgm:fillClrLst>
+    <dgm:linClrLst meth="repeat">
+      <a:schemeClr val="lt1"/>
+    </dgm:linClrLst>
+    <dgm:effectClrLst/>
+    <dgm:txLinClrLst/>
+    <dgm:txFillClrLst/>
+    <dgm:txEffectClrLst/>
+  </dgm:styleLbl>
+  <dgm:styleLbl name="vennNode1">
+    <dgm:fillClrLst meth="repeat">
+      <a:schemeClr val="accent2">
+        <a:alpha val="50000"/>
+      </a:schemeClr>
+      <a:schemeClr val="accent3">
+        <a:alpha val="50000"/>
+      </a:schemeClr>
+      <a:schemeClr val="accent4">
+        <a:alpha val="50000"/>
+      </a:schemeClr>
+      <a:schemeClr val="accent5">
+        <a:alpha val="50000"/>
+      </a:schemeClr>
+      <a:schemeClr val="accent6">
+        <a:alpha val="50000"/>
+      </a:schemeClr>
+    </dgm:fillClrLst>
+    <dgm:linClrLst meth="repeat">
+      <a:schemeClr val="lt1"/>
+    </dgm:linClrLst>
+    <dgm:effectClrLst/>
+    <dgm:txLinClrLst/>
+    <dgm:txFillClrLst/>
+    <dgm:txEffectClrLst/>
+  </dgm:styleLbl>
+  <dgm:styleLbl name="node2">
+    <dgm:fillClrLst>
+      <a:schemeClr val="accent2"/>
+    </dgm:fillClrLst>
+    <dgm:linClrLst meth="repeat">
+      <a:schemeClr val="lt1"/>
+    </dgm:linClrLst>
+    <dgm:effectClrLst/>
+    <dgm:txLinClrLst/>
+    <dgm:txFillClrLst/>
+    <dgm:txEffectClrLst/>
+  </dgm:styleLbl>
+  <dgm:styleLbl name="node3">
+    <dgm:fillClrLst>
+      <a:schemeClr val="accent3"/>
+    </dgm:fillClrLst>
+    <dgm:linClrLst meth="repeat">
+      <a:schemeClr val="lt1"/>
+    </dgm:linClrLst>
+    <dgm:effectClrLst/>
+    <dgm:txLinClrLst/>
+    <dgm:txFillClrLst/>
+    <dgm:txEffectClrLst/>
+  </dgm:styleLbl>
+  <dgm:styleLbl name="node4">
+    <dgm:fillClrLst>
+      <a:schemeClr val="accent4"/>
+    </dgm:fillClrLst>
+    <dgm:linClrLst meth="repeat">
+      <a:schemeClr val="lt1"/>
+    </dgm:linClrLst>
+    <dgm:effectClrLst/>
+    <dgm:txLinClrLst/>
+    <dgm:txFillClrLst/>
+    <dgm:txEffectClrLst/>
+  </dgm:styleLbl>
+  <dgm:styleLbl name="fgImgPlace1">
+    <dgm:fillClrLst meth="repeat">
+      <a:schemeClr val="accent2">
+        <a:tint val="50000"/>
+      </a:schemeClr>
+      <a:schemeClr val="accent3">
+        <a:tint val="50000"/>
+      </a:schemeClr>
+      <a:schemeClr val="accent4">
+        <a:tint val="50000"/>
+      </a:schemeClr>
+      <a:schemeClr val="accent5">
+        <a:tint val="50000"/>
+      </a:schemeClr>
+      <a:schemeClr val="accent6">
+        <a:tint val="50000"/>
+      </a:schemeClr>
+    </dgm:fillClrLst>
+    <dgm:linClrLst meth="repeat">
+      <a:schemeClr val="lt1"/>
+    </dgm:linClrLst>
+    <dgm:effectClrLst/>
+    <dgm:txLinClrLst/>
+    <dgm:txFillClrLst meth="repeat">
+      <a:schemeClr val="lt1"/>
+    </dgm:txFillClrLst>
+    <dgm:txEffectClrLst/>
+  </dgm:styleLbl>
+  <dgm:styleLbl name="alignImgPlace1">
+    <dgm:fillClrLst>
+      <a:schemeClr val="accent1">
+        <a:tint val="50000"/>
+      </a:schemeClr>
+      <a:schemeClr val="accent2">
+        <a:tint val="20000"/>
+      </a:schemeClr>
+    </dgm:fillClrLst>
+    <dgm:linClrLst meth="repeat">
+      <a:schemeClr val="lt1"/>
+    </dgm:linClrLst>
+    <dgm:effectClrLst/>
+    <dgm:txLinClrLst/>
+    <dgm:txFillClrLst meth="repeat">
+      <a:schemeClr val="lt1"/>
+    </dgm:txFillClrLst>
+    <dgm:txEffectClrLst/>
+  </dgm:styleLbl>
+  <dgm:styleLbl name="bgImgPlace1">
+    <dgm:fillClrLst>
+      <a:schemeClr val="accent1">
+        <a:tint val="50000"/>
+      </a:schemeClr>
+      <a:schemeClr val="accent2">
+        <a:tint val="20000"/>
+      </a:schemeClr>
+    </dgm:fillClrLst>
+    <dgm:linClrLst meth="repeat">
+      <a:schemeClr val="lt1"/>
+    </dgm:linClrLst>
+    <dgm:effectClrLst/>
+    <dgm:txLinClrLst/>
+    <dgm:txFillClrLst meth="repeat">
+      <a:schemeClr val="lt1"/>
+    </dgm:txFillClrLst>
+    <dgm:txEffectClrLst/>
+  </dgm:styleLbl>
+  <dgm:styleLbl name="sibTrans2D1">
+    <dgm:fillClrLst meth="repeat">
+      <a:schemeClr val="accent2"/>
+      <a:schemeClr val="accent3"/>
+      <a:schemeClr val="accent4"/>
+      <a:schemeClr val="accent5"/>
+      <a:schemeClr val="accent6"/>
+    </dgm:fillClrLst>
+    <dgm:linClrLst meth="cycle">
+      <a:schemeClr val="lt1"/>
+    </dgm:linClrLst>
+    <dgm:effectClrLst/>
+    <dgm:txLinClrLst/>
+    <dgm:txFillClrLst/>
+    <dgm:txEffectClrLst/>
+  </dgm:styleLbl>
+  <dgm:styleLbl name="fgSibTrans2D1">
+    <dgm:fillClrLst meth="repeat">
+      <a:schemeClr val="accent2"/>
+      <a:schemeClr val="accent3"/>
+      <a:schemeClr val="accent4"/>
+      <a:schemeClr val="accent5"/>
+      <a:schemeClr val="accent6"/>
+    </dgm:fillClrLst>
+    <dgm:linClrLst meth="cycle">
+      <a:schemeClr val="lt1"/>
+    </dgm:linClrLst>
+    <dgm:effectClrLst/>
+    <dgm:txLinClrLst/>
+    <dgm:txFillClrLst meth="repeat">
+      <a:schemeClr val="lt1"/>
+    </dgm:txFillClrLst>
+    <dgm:txEffectClrLst/>
+  </dgm:styleLbl>
+  <dgm:styleLbl name="bgSibTrans2D1">
+    <dgm:fillClrLst meth="repeat">
+      <a:schemeClr val="accent2"/>
+      <a:schemeClr val="accent3"/>
+      <a:schemeClr val="accent4"/>
+      <a:schemeClr val="accent5"/>
+      <a:schemeClr val="accent6"/>
+    </dgm:fillClrLst>
+    <dgm:linClrLst meth="cycle">
+      <a:schemeClr val="lt1"/>
+    </dgm:linClrLst>
+    <dgm:effectClrLst/>
+    <dgm:txLinClrLst/>
+    <dgm:txFillClrLst meth="repeat">
+      <a:schemeClr val="lt1"/>
+    </dgm:txFillClrLst>
+    <dgm:txEffectClrLst/>
+  </dgm:styleLbl>
+  <dgm:styleLbl name="sibTrans1D1">
+    <dgm:fillClrLst meth="repeat">
+      <a:schemeClr val="accent2"/>
+      <a:schemeClr val="accent3"/>
+      <a:schemeClr val="accent4"/>
+      <a:schemeClr val="accent5"/>
+      <a:schemeClr val="accent6"/>
+    </dgm:fillClrLst>
+    <dgm:linClrLst meth="repeat">
+      <a:schemeClr val="accent2"/>
+      <a:schemeClr val="accent3"/>
+      <a:schemeClr val="accent4"/>
+      <a:schemeClr val="accent5"/>
+      <a:schemeClr val="accent6"/>
+    </dgm:linClrLst>
+    <dgm:effectClrLst/>
+    <dgm:txLinClrLst/>
+    <dgm:txFillClrLst meth="repeat">
+      <a:schemeClr val="tx1"/>
+    </dgm:txFillClrLst>
+    <dgm:txEffectClrLst/>
+  </dgm:styleLbl>
+  <dgm:styleLbl name="callout">
+    <dgm:fillClrLst meth="repeat">
+      <a:schemeClr val="accent2"/>
+    </dgm:fillClrLst>
+    <dgm:linClrLst meth="repeat">
+      <a:schemeClr val="accent2">
+        <a:tint val="50000"/>
+      </a:schemeClr>
+    </dgm:linClrLst>
+    <dgm:effectClrLst/>
+    <dgm:txLinClrLst/>
+    <dgm:txFillClrLst meth="repeat">
+      <a:schemeClr val="tx1"/>
+    </dgm:txFillClrLst>
+    <dgm:txEffectClrLst/>
+  </dgm:styleLbl>
+  <dgm:styleLbl name="asst0">
+    <dgm:fillClrLst meth="repeat">
+      <a:schemeClr val="accent1"/>
+    </dgm:fillClrLst>
+    <dgm:linClrLst meth="repeat">
+      <a:schemeClr val="lt1"/>
+    </dgm:linClrLst>
+    <dgm:effectClrLst/>
+    <dgm:txLinClrLst/>
+    <dgm:txFillClrLst/>
+    <dgm:txEffectClrLst/>
+  </dgm:styleLbl>
+  <dgm:styleLbl name="asst1">
+    <dgm:fillClrLst meth="repeat">
+      <a:schemeClr val="accent2"/>
+    </dgm:fillClrLst>
+    <dgm:linClrLst meth="repeat">
+      <a:schemeClr val="lt1"/>
+    </dgm:linClrLst>
+    <dgm:effectClrLst/>
+    <dgm:txLinClrLst/>
+    <dgm:txFillClrLst/>
+    <dgm:txEffectClrLst/>
+  </dgm:styleLbl>
+  <dgm:styleLbl name="asst2">
+    <dgm:fillClrLst>
+      <a:schemeClr val="accent3"/>
+    </dgm:fillClrLst>
+    <dgm:linClrLst meth="repeat">
+      <a:schemeClr val="lt1"/>
+    </dgm:linClrLst>
+    <dgm:effectClrLst/>
+    <dgm:txLinClrLst/>
+    <dgm:txFillClrLst/>
+    <dgm:txEffectClrLst/>
+  </dgm:styleLbl>
+  <dgm:styleLbl name="asst3">
+    <dgm:fillClrLst>
+      <a:schemeClr val="accent4"/>
+    </dgm:fillClrLst>
+    <dgm:linClrLst meth="repeat">
+      <a:schemeClr val="lt1"/>
+    </dgm:linClrLst>
+    <dgm:effectClrLst/>
+    <dgm:txLinClrLst/>
+    <dgm:txFillClrLst/>
+    <dgm:txEffectClrLst/>
+  </dgm:styleLbl>
+  <dgm:styleLbl name="asst4">
+    <dgm:fillClrLst>
+      <a:schemeClr val="accent5"/>
+    </dgm:fillClrLst>
+    <dgm:linClrLst meth="repeat">
+      <a:schemeClr val="lt1"/>
+    </dgm:linClrLst>
+    <dgm:effectClrLst/>
+    <dgm:txLinClrLst/>
+    <dgm:txFillClrLst/>
+    <dgm:txEffectClrLst/>
+  </dgm:styleLbl>
+  <dgm:styleLbl name="parChTrans2D1">
+    <dgm:fillClrLst meth="repeat">
+      <a:schemeClr val="accent2"/>
+    </dgm:fillClrLst>
+    <dgm:linClrLst meth="repeat">
+      <a:schemeClr val="lt1"/>
+    </dgm:linClrLst>
+    <dgm:effectClrLst/>
+    <dgm:txLinClrLst/>
+    <dgm:txFillClrLst meth="repeat">
+      <a:schemeClr val="lt1"/>
+    </dgm:txFillClrLst>
+    <dgm:txEffectClrLst/>
+  </dgm:styleLbl>
+  <dgm:styleLbl name="parChTrans2D2">
+    <dgm:fillClrLst meth="repeat">
+      <a:schemeClr val="accent3"/>
+    </dgm:fillClrLst>
+    <dgm:linClrLst meth="repeat">
+      <a:schemeClr val="lt1"/>
+    </dgm:linClrLst>
+    <dgm:effectClrLst/>
+    <dgm:txLinClrLst/>
+    <dgm:txFillClrLst/>
+    <dgm:txEffectClrLst/>
+  </dgm:styleLbl>
+  <dgm:styleLbl name="parChTrans2D3">
+    <dgm:fillClrLst meth="repeat">
+      <a:schemeClr val="accent4"/>
+    </dgm:fillClrLst>
+    <dgm:linClrLst meth="repeat">
+      <a:schemeClr val="lt1"/>
+    </dgm:linClrLst>
+    <dgm:effectClrLst/>
+    <dgm:txLinClrLst/>
+    <dgm:txFillClrLst/>
+    <dgm:txEffectClrLst/>
+  </dgm:styleLbl>
+  <dgm:styleLbl name="parChTrans2D4">
+    <dgm:fillClrLst meth="repeat">
+      <a:schemeClr val="accent5"/>
+    </dgm:fillClrLst>
+    <dgm:linClrLst meth="repeat">
+      <a:schemeClr val="lt1"/>
+    </dgm:linClrLst>
+    <dgm:effectClrLst/>
+    <dgm:txLinClrLst/>
+    <dgm:txFillClrLst meth="repeat">
+      <a:schemeClr val="lt1"/>
+    </dgm:txFillClrLst>
+    <dgm:txEffectClrLst/>
+  </dgm:styleLbl>
+  <dgm:styleLbl name="parChTrans1D1">
+    <dgm:fillClrLst meth="repeat">
+      <a:schemeClr val="accent2"/>
+    </dgm:fillClrLst>
+    <dgm:linClrLst meth="repeat">
+      <a:schemeClr val="accent1"/>
+    </dgm:linClrLst>
+    <dgm:effectClrLst/>
+    <dgm:txLinClrLst/>
+    <dgm:txFillClrLst meth="repeat">
+      <a:schemeClr val="tx1"/>
+    </dgm:txFillClrLst>
+    <dgm:txEffectClrLst/>
+  </dgm:styleLbl>
+  <dgm:styleLbl name="parChTrans1D2">
+    <dgm:fillClrLst meth="repeat">
+      <a:schemeClr val="accent3">
+        <a:tint val="90000"/>
+      </a:schemeClr>
+    </dgm:fillClrLst>
+    <dgm:linClrLst meth="repeat">
+      <a:schemeClr val="accent2"/>
+    </dgm:linClrLst>
+    <dgm:effectClrLst/>
+    <dgm:txLinClrLst/>
+    <dgm:txFillClrLst meth="repeat">
+      <a:schemeClr val="tx1"/>
+    </dgm:txFillClrLst>
+    <dgm:txEffectClrLst/>
+  </dgm:styleLbl>
+  <dgm:styleLbl name="parChTrans1D3">
+    <dgm:fillClrLst meth="repeat">
+      <a:schemeClr val="accent4">
+        <a:tint val="70000"/>
+      </a:schemeClr>
+    </dgm:fillClrLst>
+    <dgm:linClrLst meth="repeat">
+      <a:schemeClr val="accent3"/>
+    </dgm:linClrLst>
+    <dgm:effectClrLst/>
+    <dgm:txLinClrLst/>
+    <dgm:txFillClrLst meth="repeat">
+      <a:schemeClr val="tx1"/>
+    </dgm:txFillClrLst>
+    <dgm:txEffectClrLst/>
+  </dgm:styleLbl>
+  <dgm:styleLbl name="parChTrans1D4">
+    <dgm:fillClrLst meth="repeat">
+      <a:schemeClr val="accent5">
+        <a:tint val="50000"/>
+      </a:schemeClr>
+    </dgm:fillClrLst>
+    <dgm:linClrLst meth="repeat">
+      <a:schemeClr val="accent4"/>
+    </dgm:linClrLst>
+    <dgm:effectClrLst/>
+    <dgm:txLinClrLst/>
+    <dgm:txFillClrLst meth="repeat">
+      <a:schemeClr val="tx1"/>
+    </dgm:txFillClrLst>
+    <dgm:txEffectClrLst/>
+  </dgm:styleLbl>
+  <dgm:styleLbl name="fgAcc1">
+    <dgm:fillClrLst meth="repeat">
+      <a:schemeClr val="lt1">
+        <a:alpha val="90000"/>
+      </a:schemeClr>
+    </dgm:fillClrLst>
+    <dgm:linClrLst meth="repeat">
+      <a:schemeClr val="accent2"/>
+      <a:schemeClr val="accent3"/>
+      <a:schemeClr val="accent4"/>
+      <a:schemeClr val="accent5"/>
+      <a:schemeClr val="accent6"/>
+    </dgm:linClrLst>
+    <dgm:effectClrLst/>
+    <dgm:txLinClrLst/>
+    <dgm:txFillClrLst meth="repeat">
+      <a:schemeClr val="dk1"/>
+    </dgm:txFillClrLst>
+    <dgm:txEffectClrLst/>
+  </dgm:styleLbl>
+  <dgm:styleLbl name="conFgAcc1">
+    <dgm:fillClrLst meth="repeat">
+      <a:schemeClr val="lt1">
+        <a:alpha val="90000"/>
+      </a:schemeClr>
+    </dgm:fillClrLst>
+    <dgm:linClrLst meth="repeat">
+      <a:schemeClr val="accent2"/>
+      <a:schemeClr val="accent3"/>
+      <a:schemeClr val="accent4"/>
+      <a:schemeClr val="accent5"/>
+      <a:schemeClr val="accent6"/>
+    </dgm:linClrLst>
+    <dgm:effectClrLst/>
+    <dgm:txLinClrLst/>
+    <dgm:txFillClrLst meth="repeat">
+      <a:schemeClr val="dk1"/>
+    </dgm:txFillClrLst>
+    <dgm:txEffectClrLst/>
+  </dgm:styleLbl>
+  <dgm:styleLbl name="alignAcc1">
+    <dgm:fillClrLst meth="repeat">
+      <a:schemeClr val="lt1">
+        <a:alpha val="90000"/>
+      </a:schemeClr>
+    </dgm:fillClrLst>
+    <dgm:linClrLst meth="repeat">
+      <a:schemeClr val="accent2"/>
+      <a:schemeClr val="accent3"/>
+      <a:schemeClr val="accent4"/>
+      <a:schemeClr val="accent5"/>
+      <a:schemeClr val="accent6"/>
+    </dgm:linClrLst>
+    <dgm:effectClrLst/>
+    <dgm:txLinClrLst/>
+    <dgm:txFillClrLst meth="repeat">
+      <a:schemeClr val="dk1"/>
+    </dgm:txFillClrLst>
+    <dgm:txEffectClrLst/>
+  </dgm:styleLbl>
+  <dgm:styleLbl name="trAlignAcc1">
+    <dgm:fillClrLst meth="repeat">
+      <a:schemeClr val="lt1">
+        <a:alpha val="40000"/>
+      </a:schemeClr>
+    </dgm:fillClrLst>
+    <dgm:linClrLst meth="repeat">
+      <a:schemeClr val="accent1"/>
+    </dgm:linClrLst>
+    <dgm:effectClrLst/>
+    <dgm:txLinClrLst/>
+    <dgm:txFillClrLst meth="repeat">
+      <a:schemeClr val="dk1"/>
+    </dgm:txFillClrLst>
+    <dgm:txEffectClrLst/>
+  </dgm:styleLbl>
+  <dgm:styleLbl name="bgAcc1">
+    <dgm:fillClrLst meth="repeat">
+      <a:schemeClr val="lt1">
+        <a:alpha val="90000"/>
+      </a:schemeClr>
+    </dgm:fillClrLst>
+    <dgm:linClrLst meth="repeat">
+      <a:schemeClr val="accent2"/>
+      <a:schemeClr val="accent3"/>
+      <a:schemeClr val="accent4"/>
+      <a:schemeClr val="accent5"/>
+      <a:schemeClr val="accent6"/>
+    </dgm:linClrLst>
+    <dgm:effectClrLst/>
+    <dgm:txLinClrLst/>
+    <dgm:txFillClrLst meth="repeat">
+      <a:schemeClr val="dk1"/>
+    </dgm:txFillClrLst>
+    <dgm:txEffectClrLst/>
+  </dgm:styleLbl>
+  <dgm:styleLbl name="solidFgAcc1">
+    <dgm:fillClrLst meth="repeat">
+      <a:schemeClr val="lt1"/>
+    </dgm:fillClrLst>
+    <dgm:linClrLst meth="repeat">
+      <a:schemeClr val="accent2"/>
+      <a:schemeClr val="accent3"/>
+      <a:schemeClr val="accent4"/>
+      <a:schemeClr val="accent5"/>
+      <a:schemeClr val="accent6"/>
+    </dgm:linClrLst>
+    <dgm:effectClrLst/>
+    <dgm:txLinClrLst/>
+    <dgm:txFillClrLst meth="repeat">
+      <a:schemeClr val="dk1"/>
+    </dgm:txFillClrLst>
+    <dgm:txEffectClrLst/>
+  </dgm:styleLbl>
+  <dgm:styleLbl name="solidAlignAcc1">
+    <dgm:fillClrLst meth="repeat">
+      <a:schemeClr val="lt1"/>
+    </dgm:fillClrLst>
+    <dgm:linClrLst meth="repeat">
+      <a:schemeClr val="accent2"/>
+      <a:schemeClr val="accent3"/>
+      <a:schemeClr val="accent4"/>
+      <a:schemeClr val="accent5"/>
+      <a:schemeClr val="accent6"/>
+    </dgm:linClrLst>
+    <dgm:effectClrLst/>
+    <dgm:txLinClrLst/>
+    <dgm:txFillClrLst meth="repeat">
+      <a:schemeClr val="dk1"/>
+    </dgm:txFillClrLst>
+    <dgm:txEffectClrLst/>
+  </dgm:styleLbl>
+  <dgm:styleLbl name="solidBgAcc1">
+    <dgm:fillClrLst meth="repeat">
+      <a:schemeClr val="lt1"/>
+    </dgm:fillClrLst>
+    <dgm:linClrLst meth="repeat">
+      <a:schemeClr val="accent2"/>
+      <a:schemeClr val="accent3"/>
+      <a:schemeClr val="accent4"/>
+      <a:schemeClr val="accent5"/>
+      <a:schemeClr val="accent6"/>
+    </dgm:linClrLst>
+    <dgm:effectClrLst/>
+    <dgm:txLinClrLst/>
+    <dgm:txFillClrLst meth="repeat">
+      <a:schemeClr val="dk1"/>
+    </dgm:txFillClrLst>
+    <dgm:txEffectClrLst/>
+  </dgm:styleLbl>
+  <dgm:styleLbl name="fgAccFollowNode1">
+    <dgm:fillClrLst meth="repeat">
+      <a:schemeClr val="accent2">
+        <a:tint val="40000"/>
+        <a:alpha val="90000"/>
+      </a:schemeClr>
+      <a:schemeClr val="accent3">
+        <a:tint val="40000"/>
+        <a:alpha val="90000"/>
+      </a:schemeClr>
+      <a:schemeClr val="accent4">
+        <a:tint val="40000"/>
+        <a:alpha val="90000"/>
+      </a:schemeClr>
+      <a:schemeClr val="accent5">
+        <a:tint val="40000"/>
+        <a:alpha val="90000"/>
+      </a:schemeClr>
+      <a:schemeClr val="accent6">
+        <a:tint val="40000"/>
+        <a:alpha val="90000"/>
+      </a:schemeClr>
+    </dgm:fillClrLst>
+    <dgm:linClrLst meth="repeat">
+      <a:schemeClr val="accent2">
+        <a:tint val="40000"/>
+        <a:alpha val="90000"/>
+      </a:schemeClr>
+      <a:schemeClr val="accent3">
+        <a:tint val="40000"/>
+        <a:alpha val="90000"/>
+      </a:schemeClr>
+      <a:schemeClr val="accent4">
+        <a:tint val="40000"/>
+        <a:alpha val="90000"/>
+      </a:schemeClr>
+      <a:schemeClr val="accent5">
+        <a:tint val="40000"/>
+        <a:alpha val="90000"/>
+      </a:schemeClr>
+      <a:schemeClr val="accent6">
+        <a:tint val="40000"/>
+        <a:alpha val="90000"/>
+      </a:schemeClr>
+    </dgm:linClrLst>
+    <dgm:effectClrLst/>
+    <dgm:txLinClrLst/>
+    <dgm:txFillClrLst meth="repeat">
+      <a:schemeClr val="dk1"/>
+    </dgm:txFillClrLst>
+    <dgm:txEffectClrLst/>
+  </dgm:styleLbl>
+  <dgm:styleLbl name="alignAccFollowNode1">
+    <dgm:fillClrLst meth="repeat">
+      <a:schemeClr val="accent2">
+        <a:tint val="40000"/>
+        <a:alpha val="90000"/>
+      </a:schemeClr>
+      <a:schemeClr val="accent3">
+        <a:tint val="40000"/>
+        <a:alpha val="90000"/>
+      </a:schemeClr>
+      <a:schemeClr val="accent4">
+        <a:tint val="40000"/>
+        <a:alpha val="90000"/>
+      </a:schemeClr>
+      <a:schemeClr val="accent5">
+        <a:tint val="40000"/>
+        <a:alpha val="90000"/>
+      </a:schemeClr>
+      <a:schemeClr val="accent6">
+        <a:tint val="40000"/>
+        <a:alpha val="90000"/>
+      </a:schemeClr>
+    </dgm:fillClrLst>
+    <dgm:linClrLst meth="repeat">
+      <a:schemeClr val="accent2">
+        <a:tint val="40000"/>
+        <a:alpha val="90000"/>
+      </a:schemeClr>
+      <a:schemeClr val="accent3">
+        <a:tint val="40000"/>
+        <a:alpha val="90000"/>
+      </a:schemeClr>
+      <a:schemeClr val="accent4">
+        <a:tint val="40000"/>
+        <a:alpha val="90000"/>
+      </a:schemeClr>
+      <a:schemeClr val="accent5">
+        <a:tint val="40000"/>
+        <a:alpha val="90000"/>
+      </a:schemeClr>
+      <a:schemeClr val="accent6">
+        <a:tint val="40000"/>
+        <a:alpha val="90000"/>
+      </a:schemeClr>
+    </dgm:linClrLst>
+    <dgm:effectClrLst/>
+    <dgm:txLinClrLst/>
+    <dgm:txFillClrLst meth="repeat">
+      <a:schemeClr val="dk1"/>
+    </dgm:txFillClrLst>
+    <dgm:txEffectClrLst/>
+  </dgm:styleLbl>
+  <dgm:styleLbl name="bgAccFollowNode1">
+    <dgm:fillClrLst meth="repeat">
+      <a:schemeClr val="accent2">
+        <a:tint val="40000"/>
+        <a:alpha val="90000"/>
+      </a:schemeClr>
+      <a:schemeClr val="accent3">
+        <a:tint val="40000"/>
+        <a:alpha val="90000"/>
+      </a:schemeClr>
+      <a:schemeClr val="accent4">
+        <a:tint val="40000"/>
+        <a:alpha val="90000"/>
+      </a:schemeClr>
+      <a:schemeClr val="accent5">
+        <a:tint val="40000"/>
+        <a:alpha val="90000"/>
+      </a:schemeClr>
+      <a:schemeClr val="accent6">
+        <a:tint val="40000"/>
+        <a:alpha val="90000"/>
+      </a:schemeClr>
+    </dgm:fillClrLst>
+    <dgm:linClrLst meth="repeat">
+      <a:schemeClr val="accent2">
+        <a:tint val="40000"/>
+        <a:alpha val="90000"/>
+      </a:schemeClr>
+      <a:schemeClr val="accent3">
+        <a:tint val="40000"/>
+        <a:alpha val="90000"/>
+      </a:schemeClr>
+      <a:schemeClr val="accent4">
+        <a:tint val="40000"/>
+        <a:alpha val="90000"/>
+      </a:schemeClr>
+      <a:schemeClr val="accent5">
+        <a:tint val="40000"/>
+        <a:alpha val="90000"/>
+      </a:schemeClr>
+      <a:schemeClr val="accent6">
+        <a:tint val="40000"/>
+        <a:alpha val="90000"/>
+      </a:schemeClr>
+    </dgm:linClrLst>
+    <dgm:effectClrLst/>
+    <dgm:txLinClrLst/>
+    <dgm:txFillClrLst meth="repeat">
+      <a:schemeClr val="dk1"/>
+    </dgm:txFillClrLst>
+    <dgm:txEffectClrLst/>
+  </dgm:styleLbl>
+  <dgm:styleLbl name="fgAcc0">
+    <dgm:fillClrLst meth="repeat">
+      <a:schemeClr val="lt1">
+        <a:alpha val="90000"/>
+      </a:schemeClr>
+    </dgm:fillClrLst>
+    <dgm:linClrLst>
+      <a:schemeClr val="accent1"/>
+    </dgm:linClrLst>
+    <dgm:effectClrLst/>
+    <dgm:txLinClrLst/>
+    <dgm:txFillClrLst meth="repeat">
+      <a:schemeClr val="dk1"/>
+    </dgm:txFillClrLst>
+    <dgm:txEffectClrLst/>
+  </dgm:styleLbl>
+  <dgm:styleLbl name="fgAcc2">
+    <dgm:fillClrLst meth="repeat">
+      <a:schemeClr val="lt1">
+        <a:alpha val="90000"/>
+      </a:schemeClr>
+    </dgm:fillClrLst>
+    <dgm:linClrLst>
+      <a:schemeClr val="accent2"/>
+    </dgm:linClrLst>
+    <dgm:effectClrLst/>
+    <dgm:txLinClrLst/>
+    <dgm:txFillClrLst meth="repeat">
+      <a:schemeClr val="dk1"/>
+    </dgm:txFillClrLst>
+    <dgm:txEffectClrLst/>
+  </dgm:styleLbl>
+  <dgm:styleLbl name="fgAcc3">
+    <dgm:fillClrLst meth="repeat">
+      <a:schemeClr val="lt1">
+        <a:alpha val="90000"/>
+      </a:schemeClr>
+    </dgm:fillClrLst>
+    <dgm:linClrLst>
+      <a:schemeClr val="accent3"/>
+    </dgm:linClrLst>
+    <dgm:effectClrLst/>
+    <dgm:txLinClrLst/>
+    <dgm:txFillClrLst meth="repeat">
+      <a:schemeClr val="dk1"/>
+    </dgm:txFillClrLst>
+    <dgm:txEffectClrLst/>
+  </dgm:styleLbl>
+  <dgm:styleLbl name="fgAcc4">
+    <dgm:fillClrLst meth="repeat">
+      <a:schemeClr val="lt1">
+        <a:alpha val="90000"/>
+      </a:schemeClr>
+    </dgm:fillClrLst>
+    <dgm:linClrLst>
+      <a:schemeClr val="accent4"/>
+    </dgm:linClrLst>
+    <dgm:effectClrLst/>
+    <dgm:txLinClrLst/>
+    <dgm:txFillClrLst meth="repeat">
+      <a:schemeClr val="dk1"/>
+    </dgm:txFillClrLst>
+    <dgm:txEffectClrLst/>
+  </dgm:styleLbl>
+  <dgm:styleLbl name="bgShp">
+    <dgm:fillClrLst meth="repeat">
+      <a:schemeClr val="accent2">
+        <a:tint val="40000"/>
+      </a:schemeClr>
+    </dgm:fillClrLst>
+    <dgm:linClrLst meth="repeat">
+      <a:schemeClr val="dk1"/>
+    </dgm:linClrLst>
+    <dgm:effectClrLst/>
+    <dgm:txLinClrLst/>
+    <dgm:txFillClrLst meth="repeat">
+      <a:schemeClr val="dk1"/>
+    </dgm:txFillClrLst>
+    <dgm:txEffectClrLst/>
+  </dgm:styleLbl>
+  <dgm:styleLbl name="dkBgShp">
+    <dgm:fillClrLst meth="repeat">
+      <a:schemeClr val="accent2">
+        <a:shade val="90000"/>
+      </a:schemeClr>
+    </dgm:fillClrLst>
+    <dgm:linClrLst meth="repeat">
+      <a:schemeClr val="dk1"/>
+    </dgm:linClrLst>
+    <dgm:effectClrLst/>
+    <dgm:txLinClrLst/>
+    <dgm:txFillClrLst meth="repeat">
+      <a:schemeClr val="lt1"/>
+    </dgm:txFillClrLst>
+    <dgm:txEffectClrLst/>
+  </dgm:styleLbl>
+  <dgm:styleLbl name="trBgShp">
+    <dgm:fillClrLst meth="repeat">
+      <a:schemeClr val="accent1">
+        <a:tint val="50000"/>
+        <a:alpha val="40000"/>
+      </a:schemeClr>
+    </dgm:fillClrLst>
+    <dgm:linClrLst meth="repeat">
+      <a:schemeClr val="accent2"/>
+    </dgm:linClrLst>
+    <dgm:effectClrLst/>
+    <dgm:txLinClrLst/>
+    <dgm:txFillClrLst meth="repeat">
+      <a:schemeClr val="lt1"/>
+    </dgm:txFillClrLst>
+    <dgm:txEffectClrLst/>
+  </dgm:styleLbl>
+  <dgm:styleLbl name="fgShp">
+    <dgm:fillClrLst meth="repeat">
+      <a:schemeClr val="accent2">
+        <a:tint val="40000"/>
+      </a:schemeClr>
+    </dgm:fillClrLst>
+    <dgm:linClrLst meth="repeat">
+      <a:schemeClr val="lt1"/>
+    </dgm:linClrLst>
+    <dgm:effectClrLst/>
+    <dgm:txLinClrLst/>
+    <dgm:txFillClrLst meth="repeat">
+      <a:schemeClr val="dk1"/>
+    </dgm:txFillClrLst>
+    <dgm:txEffectClrLst/>
+  </dgm:styleLbl>
+  <dgm:styleLbl name="revTx">
+    <dgm:fillClrLst meth="repeat">
+      <a:schemeClr val="lt1">
+        <a:alpha val="0"/>
+      </a:schemeClr>
+    </dgm:fillClrLst>
+    <dgm:linClrLst meth="repeat">
+      <a:schemeClr val="dk1">
+        <a:alpha val="0"/>
+      </a:schemeClr>
+    </dgm:linClrLst>
+    <dgm:effectClrLst/>
+    <dgm:txLinClrLst/>
+    <dgm:txFillClrLst meth="repeat">
+      <a:schemeClr val="tx1"/>
+    </dgm:txFillClrLst>
+    <dgm:txEffectClrLst/>
+  </dgm:styleLbl>
+</dgm:colorsDef>
+</file>
+
+<file path=ppt/diagrams/colors4.xml><?xml version="1.0" encoding="utf-8"?>
 <dgm:colorsDef xmlns:dgm="http://schemas.openxmlformats.org/drawingml/2006/diagram" xmlns:a="http://schemas.openxmlformats.org/drawingml/2006/main" uniqueId="urn:microsoft.com/office/officeart/2005/8/colors/colorful2">
   <dgm:title val=""/>
   <dgm:desc val=""/>
@@ -1674,7 +3377,7 @@
 </dgm:colorsDef>
 </file>
 
-<file path=ppt/diagrams/colors3.xml><?xml version="1.0" encoding="utf-8"?>
+<file path=ppt/diagrams/colors5.xml><?xml version="1.0" encoding="utf-8"?>
 <dgm:colorsDef xmlns:dgm="http://schemas.openxmlformats.org/drawingml/2006/diagram" xmlns:a="http://schemas.openxmlformats.org/drawingml/2006/main" uniqueId="urn:microsoft.com/office/officeart/2005/8/colors/colorful4">
   <dgm:title val=""/>
   <dgm:desc val=""/>
@@ -3373,6 +5076,525 @@
 <file path=ppt/diagrams/data2.xml><?xml version="1.0" encoding="utf-8"?>
 <dgm:dataModel xmlns:dgm="http://schemas.openxmlformats.org/drawingml/2006/diagram" xmlns:a="http://schemas.openxmlformats.org/drawingml/2006/main">
   <dgm:ptLst>
+    <dgm:pt modelId="{640AFB22-0D46-3E4C-A415-83C4AA63482E}" type="doc">
+      <dgm:prSet loTypeId="urn:microsoft.com/office/officeart/2005/8/layout/default" loCatId="" qsTypeId="urn:microsoft.com/office/officeart/2005/8/quickstyle/simple4" qsCatId="simple" csTypeId="urn:microsoft.com/office/officeart/2005/8/colors/colorful3" csCatId="colorful"/>
+      <dgm:spPr/>
+      <dgm:t>
+        <a:bodyPr/>
+        <a:lstStyle/>
+        <a:p>
+          <a:endParaRPr lang="en-US"/>
+        </a:p>
+      </dgm:t>
+    </dgm:pt>
+    <dgm:pt modelId="{1DC1AB60-3AA3-3347-A9D4-351B1F427524}">
+      <dgm:prSet/>
+      <dgm:spPr/>
+      <dgm:t>
+        <a:bodyPr/>
+        <a:lstStyle/>
+        <a:p>
+          <a:pPr rtl="0"/>
+          <a:r>
+            <a:rPr lang="en-US" smtClean="0"/>
+            <a:t>I hoped to learn by what magic the device decoded the complex harmonics of the input and represented it as a highly accurate discrete pitch.</a:t>
+          </a:r>
+          <a:endParaRPr lang="en-US"/>
+        </a:p>
+      </dgm:t>
+    </dgm:pt>
+    <dgm:pt modelId="{D86095C3-B1B0-3048-A5EE-27F3FB50EAF9}" type="parTrans" cxnId="{0BFF01C0-0506-9D42-AB07-F65BC2F4E1D8}">
+      <dgm:prSet/>
+      <dgm:spPr/>
+      <dgm:t>
+        <a:bodyPr/>
+        <a:lstStyle/>
+        <a:p>
+          <a:endParaRPr lang="en-US"/>
+        </a:p>
+      </dgm:t>
+    </dgm:pt>
+    <dgm:pt modelId="{6BE8DE7A-459B-2A4C-9491-484F2BC4D995}" type="sibTrans" cxnId="{0BFF01C0-0506-9D42-AB07-F65BC2F4E1D8}">
+      <dgm:prSet/>
+      <dgm:spPr/>
+      <dgm:t>
+        <a:bodyPr/>
+        <a:lstStyle/>
+        <a:p>
+          <a:endParaRPr lang="en-US"/>
+        </a:p>
+      </dgm:t>
+    </dgm:pt>
+    <dgm:pt modelId="{B2C1774F-D227-234C-BEFA-0A02F9D446E8}" type="pres">
+      <dgm:prSet presAssocID="{640AFB22-0D46-3E4C-A415-83C4AA63482E}" presName="diagram" presStyleCnt="0">
+        <dgm:presLayoutVars>
+          <dgm:dir/>
+          <dgm:resizeHandles val="exact"/>
+        </dgm:presLayoutVars>
+      </dgm:prSet>
+      <dgm:spPr/>
+    </dgm:pt>
+    <dgm:pt modelId="{5D6D150A-DBCF-134A-AAD1-B45AD2D3E21D}" type="pres">
+      <dgm:prSet presAssocID="{1DC1AB60-3AA3-3347-A9D4-351B1F427524}" presName="node" presStyleLbl="node1" presStyleIdx="0" presStyleCnt="1">
+        <dgm:presLayoutVars>
+          <dgm:bulletEnabled val="1"/>
+        </dgm:presLayoutVars>
+      </dgm:prSet>
+      <dgm:spPr/>
+    </dgm:pt>
+  </dgm:ptLst>
+  <dgm:cxnLst>
+    <dgm:cxn modelId="{C80D8A78-9D7A-184E-B872-22E1B1A7332A}" type="presOf" srcId="{1DC1AB60-3AA3-3347-A9D4-351B1F427524}" destId="{5D6D150A-DBCF-134A-AAD1-B45AD2D3E21D}" srcOrd="0" destOrd="0" presId="urn:microsoft.com/office/officeart/2005/8/layout/default"/>
+    <dgm:cxn modelId="{0BFF01C0-0506-9D42-AB07-F65BC2F4E1D8}" srcId="{640AFB22-0D46-3E4C-A415-83C4AA63482E}" destId="{1DC1AB60-3AA3-3347-A9D4-351B1F427524}" srcOrd="0" destOrd="0" parTransId="{D86095C3-B1B0-3048-A5EE-27F3FB50EAF9}" sibTransId="{6BE8DE7A-459B-2A4C-9491-484F2BC4D995}"/>
+    <dgm:cxn modelId="{1A976BA7-762D-EC4F-9C36-BA026EC46EDA}" type="presOf" srcId="{640AFB22-0D46-3E4C-A415-83C4AA63482E}" destId="{B2C1774F-D227-234C-BEFA-0A02F9D446E8}" srcOrd="0" destOrd="0" presId="urn:microsoft.com/office/officeart/2005/8/layout/default"/>
+    <dgm:cxn modelId="{0CEFEEE6-1050-6743-9D6B-11F2F55E23DC}" type="presParOf" srcId="{B2C1774F-D227-234C-BEFA-0A02F9D446E8}" destId="{5D6D150A-DBCF-134A-AAD1-B45AD2D3E21D}" srcOrd="0" destOrd="0" presId="urn:microsoft.com/office/officeart/2005/8/layout/default"/>
+  </dgm:cxnLst>
+  <dgm:bg/>
+  <dgm:whole/>
+  <dgm:extLst>
+    <a:ext uri="http://schemas.microsoft.com/office/drawing/2008/diagram">
+      <dsp:dataModelExt xmlns:dsp="http://schemas.microsoft.com/office/drawing/2008/diagram" relId="rId6" minVer="http://schemas.openxmlformats.org/drawingml/2006/diagram"/>
+    </a:ext>
+  </dgm:extLst>
+</dgm:dataModel>
+</file>
+
+<file path=ppt/diagrams/data3.xml><?xml version="1.0" encoding="utf-8"?>
+<dgm:dataModel xmlns:dgm="http://schemas.openxmlformats.org/drawingml/2006/diagram" xmlns:a="http://schemas.openxmlformats.org/drawingml/2006/main">
+  <dgm:ptLst>
+    <dgm:pt modelId="{7534B07C-279B-D143-8009-BAE327EDE132}" type="doc">
+      <dgm:prSet loTypeId="urn:microsoft.com/office/officeart/2005/8/layout/list1" loCatId="" qsTypeId="urn:microsoft.com/office/officeart/2005/8/quickstyle/simple4" qsCatId="simple" csTypeId="urn:microsoft.com/office/officeart/2005/8/colors/colorful1" csCatId="colorful"/>
+      <dgm:spPr/>
+      <dgm:t>
+        <a:bodyPr/>
+        <a:lstStyle/>
+        <a:p>
+          <a:endParaRPr lang="en-US"/>
+        </a:p>
+      </dgm:t>
+    </dgm:pt>
+    <dgm:pt modelId="{A13BF577-FDC0-CC4E-9B2B-935084342A15}">
+      <dgm:prSet/>
+      <dgm:spPr/>
+      <dgm:t>
+        <a:bodyPr/>
+        <a:lstStyle/>
+        <a:p>
+          <a:pPr rtl="0"/>
+          <a:r>
+            <a:rPr lang="en-US" smtClean="0"/>
+            <a:t>What do I wish I’d known before I started that I know now?  </a:t>
+          </a:r>
+          <a:endParaRPr lang="en-US"/>
+        </a:p>
+      </dgm:t>
+    </dgm:pt>
+    <dgm:pt modelId="{73EA7ECB-F43B-6143-88C1-6F7C8361FD2E}" type="parTrans" cxnId="{9B4D2217-910B-624F-8179-13FEAB1A4BFE}">
+      <dgm:prSet/>
+      <dgm:spPr/>
+      <dgm:t>
+        <a:bodyPr/>
+        <a:lstStyle/>
+        <a:p>
+          <a:endParaRPr lang="en-US"/>
+        </a:p>
+      </dgm:t>
+    </dgm:pt>
+    <dgm:pt modelId="{413C138C-B881-744B-9475-9BE5A72EED7B}" type="sibTrans" cxnId="{9B4D2217-910B-624F-8179-13FEAB1A4BFE}">
+      <dgm:prSet/>
+      <dgm:spPr/>
+      <dgm:t>
+        <a:bodyPr/>
+        <a:lstStyle/>
+        <a:p>
+          <a:endParaRPr lang="en-US"/>
+        </a:p>
+      </dgm:t>
+    </dgm:pt>
+    <dgm:pt modelId="{6D65B398-9E59-9545-871E-F19811B31FFE}">
+      <dgm:prSet/>
+      <dgm:spPr/>
+      <dgm:t>
+        <a:bodyPr/>
+        <a:lstStyle/>
+        <a:p>
+          <a:pPr rtl="0"/>
+          <a:r>
+            <a:rPr lang="en-US" smtClean="0"/>
+            <a:t>I wish I knew that I would not learn anything about my initial primary question.</a:t>
+          </a:r>
+          <a:endParaRPr lang="en-US"/>
+        </a:p>
+      </dgm:t>
+    </dgm:pt>
+    <dgm:pt modelId="{7E37E06F-ED98-8145-B959-F1F4BE167180}" type="parTrans" cxnId="{29062481-53C8-4B44-A2CF-4F5C11621CFE}">
+      <dgm:prSet/>
+      <dgm:spPr/>
+      <dgm:t>
+        <a:bodyPr/>
+        <a:lstStyle/>
+        <a:p>
+          <a:endParaRPr lang="en-US"/>
+        </a:p>
+      </dgm:t>
+    </dgm:pt>
+    <dgm:pt modelId="{ED0804B0-D476-C146-9D59-EA378010CCE6}" type="sibTrans" cxnId="{29062481-53C8-4B44-A2CF-4F5C11621CFE}">
+      <dgm:prSet/>
+      <dgm:spPr/>
+      <dgm:t>
+        <a:bodyPr/>
+        <a:lstStyle/>
+        <a:p>
+          <a:endParaRPr lang="en-US"/>
+        </a:p>
+      </dgm:t>
+    </dgm:pt>
+    <dgm:pt modelId="{4F602E08-6344-6B41-8A97-C311ECFC1550}">
+      <dgm:prSet/>
+      <dgm:spPr/>
+      <dgm:t>
+        <a:bodyPr/>
+        <a:lstStyle/>
+        <a:p>
+          <a:pPr rtl="0"/>
+          <a:r>
+            <a:rPr lang="en-US" smtClean="0"/>
+            <a:t>What did I do wrong?</a:t>
+          </a:r>
+          <a:endParaRPr lang="en-US"/>
+        </a:p>
+      </dgm:t>
+    </dgm:pt>
+    <dgm:pt modelId="{E4822788-8592-A841-808C-1DA7FAE7ABE4}" type="parTrans" cxnId="{42AD938E-F7C6-714D-9AE1-F129B8575E51}">
+      <dgm:prSet/>
+      <dgm:spPr/>
+      <dgm:t>
+        <a:bodyPr/>
+        <a:lstStyle/>
+        <a:p>
+          <a:endParaRPr lang="en-US"/>
+        </a:p>
+      </dgm:t>
+    </dgm:pt>
+    <dgm:pt modelId="{166F74FF-F604-AD4B-B0CD-ED8589361C10}" type="sibTrans" cxnId="{42AD938E-F7C6-714D-9AE1-F129B8575E51}">
+      <dgm:prSet/>
+      <dgm:spPr/>
+      <dgm:t>
+        <a:bodyPr/>
+        <a:lstStyle/>
+        <a:p>
+          <a:endParaRPr lang="en-US"/>
+        </a:p>
+      </dgm:t>
+    </dgm:pt>
+    <dgm:pt modelId="{F2288623-7795-DE44-B470-1A86E4A95B3E}">
+      <dgm:prSet/>
+      <dgm:spPr/>
+      <dgm:t>
+        <a:bodyPr/>
+        <a:lstStyle/>
+        <a:p>
+          <a:pPr rtl="0"/>
+          <a:r>
+            <a:rPr lang="en-US" smtClean="0"/>
+            <a:t>I disassembled the analog meter too quickly and it fell apart into pieces.</a:t>
+          </a:r>
+          <a:endParaRPr lang="en-US"/>
+        </a:p>
+      </dgm:t>
+    </dgm:pt>
+    <dgm:pt modelId="{8C5BA2F9-B5E1-4A47-8971-B25361140096}" type="parTrans" cxnId="{8B4727F7-74C7-1B4F-A235-C1C5374BCE3A}">
+      <dgm:prSet/>
+      <dgm:spPr/>
+      <dgm:t>
+        <a:bodyPr/>
+        <a:lstStyle/>
+        <a:p>
+          <a:endParaRPr lang="en-US"/>
+        </a:p>
+      </dgm:t>
+    </dgm:pt>
+    <dgm:pt modelId="{D9505607-E16A-1442-B405-B40C8AF66E02}" type="sibTrans" cxnId="{8B4727F7-74C7-1B4F-A235-C1C5374BCE3A}">
+      <dgm:prSet/>
+      <dgm:spPr/>
+      <dgm:t>
+        <a:bodyPr/>
+        <a:lstStyle/>
+        <a:p>
+          <a:endParaRPr lang="en-US"/>
+        </a:p>
+      </dgm:t>
+    </dgm:pt>
+    <dgm:pt modelId="{DAB28A9E-2CF1-D344-8547-C73827FAC4B3}">
+      <dgm:prSet/>
+      <dgm:spPr/>
+      <dgm:t>
+        <a:bodyPr/>
+        <a:lstStyle/>
+        <a:p>
+          <a:pPr rtl="0"/>
+          <a:r>
+            <a:rPr lang="en-US" smtClean="0"/>
+            <a:t>I failed to make registration marks on the flexible connector to the LCD.</a:t>
+          </a:r>
+          <a:endParaRPr lang="en-US"/>
+        </a:p>
+      </dgm:t>
+    </dgm:pt>
+    <dgm:pt modelId="{F339DB95-61FB-D149-9D03-5A1668601E36}" type="parTrans" cxnId="{443B9F03-76F6-FB40-BA55-E3B455E51FF1}">
+      <dgm:prSet/>
+      <dgm:spPr/>
+      <dgm:t>
+        <a:bodyPr/>
+        <a:lstStyle/>
+        <a:p>
+          <a:endParaRPr lang="en-US"/>
+        </a:p>
+      </dgm:t>
+    </dgm:pt>
+    <dgm:pt modelId="{15141633-929A-7141-B9EF-040B0DC3C9A4}" type="sibTrans" cxnId="{443B9F03-76F6-FB40-BA55-E3B455E51FF1}">
+      <dgm:prSet/>
+      <dgm:spPr/>
+      <dgm:t>
+        <a:bodyPr/>
+        <a:lstStyle/>
+        <a:p>
+          <a:endParaRPr lang="en-US"/>
+        </a:p>
+      </dgm:t>
+    </dgm:pt>
+    <dgm:pt modelId="{FF5E537A-7393-3D48-A517-5B7DD73DC6A3}">
+      <dgm:prSet/>
+      <dgm:spPr/>
+      <dgm:t>
+        <a:bodyPr/>
+        <a:lstStyle/>
+        <a:p>
+          <a:pPr rtl="0"/>
+          <a:r>
+            <a:rPr lang="en-US" smtClean="0"/>
+            <a:t>If I did this again, what would I do differently?</a:t>
+          </a:r>
+          <a:endParaRPr lang="en-US"/>
+        </a:p>
+      </dgm:t>
+    </dgm:pt>
+    <dgm:pt modelId="{A6D01ED5-6382-9C4F-A85D-BAE9C081B2CC}" type="parTrans" cxnId="{E6E8AC98-59C0-9342-BE73-53D321F6FF46}">
+      <dgm:prSet/>
+      <dgm:spPr/>
+      <dgm:t>
+        <a:bodyPr/>
+        <a:lstStyle/>
+        <a:p>
+          <a:endParaRPr lang="en-US"/>
+        </a:p>
+      </dgm:t>
+    </dgm:pt>
+    <dgm:pt modelId="{41EECD2E-9E68-9642-95F5-7C9E228B8D99}" type="sibTrans" cxnId="{E6E8AC98-59C0-9342-BE73-53D321F6FF46}">
+      <dgm:prSet/>
+      <dgm:spPr/>
+      <dgm:t>
+        <a:bodyPr/>
+        <a:lstStyle/>
+        <a:p>
+          <a:endParaRPr lang="en-US"/>
+        </a:p>
+      </dgm:t>
+    </dgm:pt>
+    <dgm:pt modelId="{1936F309-B4EC-A045-91F6-CA7EE937AD03}">
+      <dgm:prSet/>
+      <dgm:spPr/>
+      <dgm:t>
+        <a:bodyPr/>
+        <a:lstStyle/>
+        <a:p>
+          <a:pPr rtl="0"/>
+          <a:r>
+            <a:rPr lang="en-US" smtClean="0"/>
+            <a:t>I would adjust my expectations for the outcome of the disassembly.</a:t>
+          </a:r>
+          <a:endParaRPr lang="en-US"/>
+        </a:p>
+      </dgm:t>
+    </dgm:pt>
+    <dgm:pt modelId="{1344FE74-E163-CF4A-B298-929792C7A3D7}" type="parTrans" cxnId="{05EF1365-9AAA-0447-AAB1-6AD2046FD6BD}">
+      <dgm:prSet/>
+      <dgm:spPr/>
+      <dgm:t>
+        <a:bodyPr/>
+        <a:lstStyle/>
+        <a:p>
+          <a:endParaRPr lang="en-US"/>
+        </a:p>
+      </dgm:t>
+    </dgm:pt>
+    <dgm:pt modelId="{55ECDA5B-C2A1-014A-A75B-C074E4533317}" type="sibTrans" cxnId="{05EF1365-9AAA-0447-AAB1-6AD2046FD6BD}">
+      <dgm:prSet/>
+      <dgm:spPr/>
+      <dgm:t>
+        <a:bodyPr/>
+        <a:lstStyle/>
+        <a:p>
+          <a:endParaRPr lang="en-US"/>
+        </a:p>
+      </dgm:t>
+    </dgm:pt>
+    <dgm:pt modelId="{AF2C34D6-01B0-AA4C-9BA0-D7555C261979}" type="pres">
+      <dgm:prSet presAssocID="{7534B07C-279B-D143-8009-BAE327EDE132}" presName="linear" presStyleCnt="0">
+        <dgm:presLayoutVars>
+          <dgm:dir/>
+          <dgm:animLvl val="lvl"/>
+          <dgm:resizeHandles val="exact"/>
+        </dgm:presLayoutVars>
+      </dgm:prSet>
+      <dgm:spPr/>
+    </dgm:pt>
+    <dgm:pt modelId="{185F76A0-603B-504C-8B1B-81E48EE274C9}" type="pres">
+      <dgm:prSet presAssocID="{A13BF577-FDC0-CC4E-9B2B-935084342A15}" presName="parentLin" presStyleCnt="0"/>
+      <dgm:spPr/>
+    </dgm:pt>
+    <dgm:pt modelId="{CF0AE773-10AE-3D46-9630-ACC25CB37534}" type="pres">
+      <dgm:prSet presAssocID="{A13BF577-FDC0-CC4E-9B2B-935084342A15}" presName="parentLeftMargin" presStyleLbl="node1" presStyleIdx="0" presStyleCnt="3"/>
+      <dgm:spPr/>
+    </dgm:pt>
+    <dgm:pt modelId="{F927D4AD-F9E6-444D-90E2-7C63284F48E3}" type="pres">
+      <dgm:prSet presAssocID="{A13BF577-FDC0-CC4E-9B2B-935084342A15}" presName="parentText" presStyleLbl="node1" presStyleIdx="0" presStyleCnt="3">
+        <dgm:presLayoutVars>
+          <dgm:chMax val="0"/>
+          <dgm:bulletEnabled val="1"/>
+        </dgm:presLayoutVars>
+      </dgm:prSet>
+      <dgm:spPr/>
+    </dgm:pt>
+    <dgm:pt modelId="{1AEDBEE2-878C-A048-A8E3-4E3CE9E896C1}" type="pres">
+      <dgm:prSet presAssocID="{A13BF577-FDC0-CC4E-9B2B-935084342A15}" presName="negativeSpace" presStyleCnt="0"/>
+      <dgm:spPr/>
+    </dgm:pt>
+    <dgm:pt modelId="{2CDA6CAC-BEAA-FF49-9B0E-5C19FDEE844B}" type="pres">
+      <dgm:prSet presAssocID="{A13BF577-FDC0-CC4E-9B2B-935084342A15}" presName="childText" presStyleLbl="conFgAcc1" presStyleIdx="0" presStyleCnt="3">
+        <dgm:presLayoutVars>
+          <dgm:bulletEnabled val="1"/>
+        </dgm:presLayoutVars>
+      </dgm:prSet>
+      <dgm:spPr/>
+    </dgm:pt>
+    <dgm:pt modelId="{A0B442B6-C033-E441-8572-0BA34007EB98}" type="pres">
+      <dgm:prSet presAssocID="{413C138C-B881-744B-9475-9BE5A72EED7B}" presName="spaceBetweenRectangles" presStyleCnt="0"/>
+      <dgm:spPr/>
+    </dgm:pt>
+    <dgm:pt modelId="{B1BDC3D0-687F-254B-94B8-2308F9BF8B35}" type="pres">
+      <dgm:prSet presAssocID="{4F602E08-6344-6B41-8A97-C311ECFC1550}" presName="parentLin" presStyleCnt="0"/>
+      <dgm:spPr/>
+    </dgm:pt>
+    <dgm:pt modelId="{6134E520-45CB-A14F-A87F-B4AB284AE0A9}" type="pres">
+      <dgm:prSet presAssocID="{4F602E08-6344-6B41-8A97-C311ECFC1550}" presName="parentLeftMargin" presStyleLbl="node1" presStyleIdx="0" presStyleCnt="3"/>
+      <dgm:spPr/>
+    </dgm:pt>
+    <dgm:pt modelId="{54E0EA01-B17F-F846-BD0C-0CE10BB4D5A9}" type="pres">
+      <dgm:prSet presAssocID="{4F602E08-6344-6B41-8A97-C311ECFC1550}" presName="parentText" presStyleLbl="node1" presStyleIdx="1" presStyleCnt="3">
+        <dgm:presLayoutVars>
+          <dgm:chMax val="0"/>
+          <dgm:bulletEnabled val="1"/>
+        </dgm:presLayoutVars>
+      </dgm:prSet>
+      <dgm:spPr/>
+    </dgm:pt>
+    <dgm:pt modelId="{16F7DABD-1331-D442-B678-414743FB81C0}" type="pres">
+      <dgm:prSet presAssocID="{4F602E08-6344-6B41-8A97-C311ECFC1550}" presName="negativeSpace" presStyleCnt="0"/>
+      <dgm:spPr/>
+    </dgm:pt>
+    <dgm:pt modelId="{255CB392-C789-FD4A-85D3-C53345A03DEF}" type="pres">
+      <dgm:prSet presAssocID="{4F602E08-6344-6B41-8A97-C311ECFC1550}" presName="childText" presStyleLbl="conFgAcc1" presStyleIdx="1" presStyleCnt="3">
+        <dgm:presLayoutVars>
+          <dgm:bulletEnabled val="1"/>
+        </dgm:presLayoutVars>
+      </dgm:prSet>
+      <dgm:spPr/>
+    </dgm:pt>
+    <dgm:pt modelId="{E88D1A71-1D7B-F641-B53F-85F9AD70BFF8}" type="pres">
+      <dgm:prSet presAssocID="{166F74FF-F604-AD4B-B0CD-ED8589361C10}" presName="spaceBetweenRectangles" presStyleCnt="0"/>
+      <dgm:spPr/>
+    </dgm:pt>
+    <dgm:pt modelId="{DE01A8F3-419B-5C46-9CD6-4C0880245C02}" type="pres">
+      <dgm:prSet presAssocID="{FF5E537A-7393-3D48-A517-5B7DD73DC6A3}" presName="parentLin" presStyleCnt="0"/>
+      <dgm:spPr/>
+    </dgm:pt>
+    <dgm:pt modelId="{46100F7E-4B99-AA4B-9251-CBFBF2DECD35}" type="pres">
+      <dgm:prSet presAssocID="{FF5E537A-7393-3D48-A517-5B7DD73DC6A3}" presName="parentLeftMargin" presStyleLbl="node1" presStyleIdx="1" presStyleCnt="3"/>
+      <dgm:spPr/>
+    </dgm:pt>
+    <dgm:pt modelId="{3BE24057-5464-3E4A-84E2-39A97485A242}" type="pres">
+      <dgm:prSet presAssocID="{FF5E537A-7393-3D48-A517-5B7DD73DC6A3}" presName="parentText" presStyleLbl="node1" presStyleIdx="2" presStyleCnt="3">
+        <dgm:presLayoutVars>
+          <dgm:chMax val="0"/>
+          <dgm:bulletEnabled val="1"/>
+        </dgm:presLayoutVars>
+      </dgm:prSet>
+      <dgm:spPr/>
+    </dgm:pt>
+    <dgm:pt modelId="{82A78CB6-CDD6-0E40-A9A8-093CEE8BCCCA}" type="pres">
+      <dgm:prSet presAssocID="{FF5E537A-7393-3D48-A517-5B7DD73DC6A3}" presName="negativeSpace" presStyleCnt="0"/>
+      <dgm:spPr/>
+    </dgm:pt>
+    <dgm:pt modelId="{CE855217-2DF9-E147-8F60-7B020ADBDED3}" type="pres">
+      <dgm:prSet presAssocID="{FF5E537A-7393-3D48-A517-5B7DD73DC6A3}" presName="childText" presStyleLbl="conFgAcc1" presStyleIdx="2" presStyleCnt="3">
+        <dgm:presLayoutVars>
+          <dgm:bulletEnabled val="1"/>
+        </dgm:presLayoutVars>
+      </dgm:prSet>
+      <dgm:spPr/>
+    </dgm:pt>
+  </dgm:ptLst>
+  <dgm:cxnLst>
+    <dgm:cxn modelId="{8C0FC369-6C8E-3C46-8C29-7328349260AB}" type="presOf" srcId="{7534B07C-279B-D143-8009-BAE327EDE132}" destId="{AF2C34D6-01B0-AA4C-9BA0-D7555C261979}" srcOrd="0" destOrd="0" presId="urn:microsoft.com/office/officeart/2005/8/layout/list1"/>
+    <dgm:cxn modelId="{4F7161C4-E759-A24C-A3F8-9DC700354FDC}" type="presOf" srcId="{DAB28A9E-2CF1-D344-8547-C73827FAC4B3}" destId="{255CB392-C789-FD4A-85D3-C53345A03DEF}" srcOrd="0" destOrd="1" presId="urn:microsoft.com/office/officeart/2005/8/layout/list1"/>
+    <dgm:cxn modelId="{A496563E-6918-3A49-8571-8AE4E59F723D}" type="presOf" srcId="{A13BF577-FDC0-CC4E-9B2B-935084342A15}" destId="{CF0AE773-10AE-3D46-9630-ACC25CB37534}" srcOrd="0" destOrd="0" presId="urn:microsoft.com/office/officeart/2005/8/layout/list1"/>
+    <dgm:cxn modelId="{9FD1457B-6689-874F-94CB-8D76490D00C3}" type="presOf" srcId="{F2288623-7795-DE44-B470-1A86E4A95B3E}" destId="{255CB392-C789-FD4A-85D3-C53345A03DEF}" srcOrd="0" destOrd="0" presId="urn:microsoft.com/office/officeart/2005/8/layout/list1"/>
+    <dgm:cxn modelId="{38D1DB8F-F2B0-BD47-A834-E5BAE5639312}" type="presOf" srcId="{FF5E537A-7393-3D48-A517-5B7DD73DC6A3}" destId="{46100F7E-4B99-AA4B-9251-CBFBF2DECD35}" srcOrd="0" destOrd="0" presId="urn:microsoft.com/office/officeart/2005/8/layout/list1"/>
+    <dgm:cxn modelId="{05EF1365-9AAA-0447-AAB1-6AD2046FD6BD}" srcId="{FF5E537A-7393-3D48-A517-5B7DD73DC6A3}" destId="{1936F309-B4EC-A045-91F6-CA7EE937AD03}" srcOrd="0" destOrd="0" parTransId="{1344FE74-E163-CF4A-B298-929792C7A3D7}" sibTransId="{55ECDA5B-C2A1-014A-A75B-C074E4533317}"/>
+    <dgm:cxn modelId="{90B121E0-F869-6F49-B64D-655BC75CBE20}" type="presOf" srcId="{A13BF577-FDC0-CC4E-9B2B-935084342A15}" destId="{F927D4AD-F9E6-444D-90E2-7C63284F48E3}" srcOrd="1" destOrd="0" presId="urn:microsoft.com/office/officeart/2005/8/layout/list1"/>
+    <dgm:cxn modelId="{D3070867-C6A0-B346-94AB-7E3F56AB99DA}" type="presOf" srcId="{4F602E08-6344-6B41-8A97-C311ECFC1550}" destId="{6134E520-45CB-A14F-A87F-B4AB284AE0A9}" srcOrd="0" destOrd="0" presId="urn:microsoft.com/office/officeart/2005/8/layout/list1"/>
+    <dgm:cxn modelId="{5DE03EEC-0AFE-FE4D-B5FD-661F3EAA79F3}" type="presOf" srcId="{FF5E537A-7393-3D48-A517-5B7DD73DC6A3}" destId="{3BE24057-5464-3E4A-84E2-39A97485A242}" srcOrd="1" destOrd="0" presId="urn:microsoft.com/office/officeart/2005/8/layout/list1"/>
+    <dgm:cxn modelId="{E2F9B029-B647-784B-835E-41D239B0CD7D}" type="presOf" srcId="{1936F309-B4EC-A045-91F6-CA7EE937AD03}" destId="{CE855217-2DF9-E147-8F60-7B020ADBDED3}" srcOrd="0" destOrd="0" presId="urn:microsoft.com/office/officeart/2005/8/layout/list1"/>
+    <dgm:cxn modelId="{443B9F03-76F6-FB40-BA55-E3B455E51FF1}" srcId="{4F602E08-6344-6B41-8A97-C311ECFC1550}" destId="{DAB28A9E-2CF1-D344-8547-C73827FAC4B3}" srcOrd="1" destOrd="0" parTransId="{F339DB95-61FB-D149-9D03-5A1668601E36}" sibTransId="{15141633-929A-7141-B9EF-040B0DC3C9A4}"/>
+    <dgm:cxn modelId="{A25B50F2-2850-784F-993A-D46983B422EC}" type="presOf" srcId="{6D65B398-9E59-9545-871E-F19811B31FFE}" destId="{2CDA6CAC-BEAA-FF49-9B0E-5C19FDEE844B}" srcOrd="0" destOrd="0" presId="urn:microsoft.com/office/officeart/2005/8/layout/list1"/>
+    <dgm:cxn modelId="{E6E8AC98-59C0-9342-BE73-53D321F6FF46}" srcId="{7534B07C-279B-D143-8009-BAE327EDE132}" destId="{FF5E537A-7393-3D48-A517-5B7DD73DC6A3}" srcOrd="2" destOrd="0" parTransId="{A6D01ED5-6382-9C4F-A85D-BAE9C081B2CC}" sibTransId="{41EECD2E-9E68-9642-95F5-7C9E228B8D99}"/>
+    <dgm:cxn modelId="{9B4D2217-910B-624F-8179-13FEAB1A4BFE}" srcId="{7534B07C-279B-D143-8009-BAE327EDE132}" destId="{A13BF577-FDC0-CC4E-9B2B-935084342A15}" srcOrd="0" destOrd="0" parTransId="{73EA7ECB-F43B-6143-88C1-6F7C8361FD2E}" sibTransId="{413C138C-B881-744B-9475-9BE5A72EED7B}"/>
+    <dgm:cxn modelId="{42AD938E-F7C6-714D-9AE1-F129B8575E51}" srcId="{7534B07C-279B-D143-8009-BAE327EDE132}" destId="{4F602E08-6344-6B41-8A97-C311ECFC1550}" srcOrd="1" destOrd="0" parTransId="{E4822788-8592-A841-808C-1DA7FAE7ABE4}" sibTransId="{166F74FF-F604-AD4B-B0CD-ED8589361C10}"/>
+    <dgm:cxn modelId="{8B4727F7-74C7-1B4F-A235-C1C5374BCE3A}" srcId="{4F602E08-6344-6B41-8A97-C311ECFC1550}" destId="{F2288623-7795-DE44-B470-1A86E4A95B3E}" srcOrd="0" destOrd="0" parTransId="{8C5BA2F9-B5E1-4A47-8971-B25361140096}" sibTransId="{D9505607-E16A-1442-B405-B40C8AF66E02}"/>
+    <dgm:cxn modelId="{29062481-53C8-4B44-A2CF-4F5C11621CFE}" srcId="{A13BF577-FDC0-CC4E-9B2B-935084342A15}" destId="{6D65B398-9E59-9545-871E-F19811B31FFE}" srcOrd="0" destOrd="0" parTransId="{7E37E06F-ED98-8145-B959-F1F4BE167180}" sibTransId="{ED0804B0-D476-C146-9D59-EA378010CCE6}"/>
+    <dgm:cxn modelId="{9AFBE354-93D3-C649-BEF1-A02C8D345AC6}" type="presOf" srcId="{4F602E08-6344-6B41-8A97-C311ECFC1550}" destId="{54E0EA01-B17F-F846-BD0C-0CE10BB4D5A9}" srcOrd="1" destOrd="0" presId="urn:microsoft.com/office/officeart/2005/8/layout/list1"/>
+    <dgm:cxn modelId="{49293D95-C71B-4941-A7B9-712EF10FE01C}" type="presParOf" srcId="{AF2C34D6-01B0-AA4C-9BA0-D7555C261979}" destId="{185F76A0-603B-504C-8B1B-81E48EE274C9}" srcOrd="0" destOrd="0" presId="urn:microsoft.com/office/officeart/2005/8/layout/list1"/>
+    <dgm:cxn modelId="{9A34AB43-0421-F949-8AE2-DD4AF77EA18C}" type="presParOf" srcId="{185F76A0-603B-504C-8B1B-81E48EE274C9}" destId="{CF0AE773-10AE-3D46-9630-ACC25CB37534}" srcOrd="0" destOrd="0" presId="urn:microsoft.com/office/officeart/2005/8/layout/list1"/>
+    <dgm:cxn modelId="{19D43AA1-D7C3-9341-A46A-A806A7C34FDC}" type="presParOf" srcId="{185F76A0-603B-504C-8B1B-81E48EE274C9}" destId="{F927D4AD-F9E6-444D-90E2-7C63284F48E3}" srcOrd="1" destOrd="0" presId="urn:microsoft.com/office/officeart/2005/8/layout/list1"/>
+    <dgm:cxn modelId="{EE219F3E-7FF3-7C46-B904-CFE05AE47976}" type="presParOf" srcId="{AF2C34D6-01B0-AA4C-9BA0-D7555C261979}" destId="{1AEDBEE2-878C-A048-A8E3-4E3CE9E896C1}" srcOrd="1" destOrd="0" presId="urn:microsoft.com/office/officeart/2005/8/layout/list1"/>
+    <dgm:cxn modelId="{13B2BBBA-A8AB-404F-A8DE-02BE4C358BC9}" type="presParOf" srcId="{AF2C34D6-01B0-AA4C-9BA0-D7555C261979}" destId="{2CDA6CAC-BEAA-FF49-9B0E-5C19FDEE844B}" srcOrd="2" destOrd="0" presId="urn:microsoft.com/office/officeart/2005/8/layout/list1"/>
+    <dgm:cxn modelId="{23F81695-754A-944D-8983-D5BBE4B28682}" type="presParOf" srcId="{AF2C34D6-01B0-AA4C-9BA0-D7555C261979}" destId="{A0B442B6-C033-E441-8572-0BA34007EB98}" srcOrd="3" destOrd="0" presId="urn:microsoft.com/office/officeart/2005/8/layout/list1"/>
+    <dgm:cxn modelId="{CC9A01F4-B15F-5247-9D1C-12DEE887CB84}" type="presParOf" srcId="{AF2C34D6-01B0-AA4C-9BA0-D7555C261979}" destId="{B1BDC3D0-687F-254B-94B8-2308F9BF8B35}" srcOrd="4" destOrd="0" presId="urn:microsoft.com/office/officeart/2005/8/layout/list1"/>
+    <dgm:cxn modelId="{95766553-9A7D-7A4C-8836-B194E35E3FC9}" type="presParOf" srcId="{B1BDC3D0-687F-254B-94B8-2308F9BF8B35}" destId="{6134E520-45CB-A14F-A87F-B4AB284AE0A9}" srcOrd="0" destOrd="0" presId="urn:microsoft.com/office/officeart/2005/8/layout/list1"/>
+    <dgm:cxn modelId="{C9AA5B44-16BD-C246-B268-245A47C7128D}" type="presParOf" srcId="{B1BDC3D0-687F-254B-94B8-2308F9BF8B35}" destId="{54E0EA01-B17F-F846-BD0C-0CE10BB4D5A9}" srcOrd="1" destOrd="0" presId="urn:microsoft.com/office/officeart/2005/8/layout/list1"/>
+    <dgm:cxn modelId="{AF521501-B46C-6B44-983E-01019D6F1CF0}" type="presParOf" srcId="{AF2C34D6-01B0-AA4C-9BA0-D7555C261979}" destId="{16F7DABD-1331-D442-B678-414743FB81C0}" srcOrd="5" destOrd="0" presId="urn:microsoft.com/office/officeart/2005/8/layout/list1"/>
+    <dgm:cxn modelId="{D7538DA4-ED14-B749-B5DB-1AEF0FF793FD}" type="presParOf" srcId="{AF2C34D6-01B0-AA4C-9BA0-D7555C261979}" destId="{255CB392-C789-FD4A-85D3-C53345A03DEF}" srcOrd="6" destOrd="0" presId="urn:microsoft.com/office/officeart/2005/8/layout/list1"/>
+    <dgm:cxn modelId="{E17D3751-ABCB-6744-81D0-E60A8A6C1F1B}" type="presParOf" srcId="{AF2C34D6-01B0-AA4C-9BA0-D7555C261979}" destId="{E88D1A71-1D7B-F641-B53F-85F9AD70BFF8}" srcOrd="7" destOrd="0" presId="urn:microsoft.com/office/officeart/2005/8/layout/list1"/>
+    <dgm:cxn modelId="{255A9816-878F-1840-8E69-D33B0731221C}" type="presParOf" srcId="{AF2C34D6-01B0-AA4C-9BA0-D7555C261979}" destId="{DE01A8F3-419B-5C46-9CD6-4C0880245C02}" srcOrd="8" destOrd="0" presId="urn:microsoft.com/office/officeart/2005/8/layout/list1"/>
+    <dgm:cxn modelId="{F818353C-A9BB-7E42-B643-3374EFDDE925}" type="presParOf" srcId="{DE01A8F3-419B-5C46-9CD6-4C0880245C02}" destId="{46100F7E-4B99-AA4B-9251-CBFBF2DECD35}" srcOrd="0" destOrd="0" presId="urn:microsoft.com/office/officeart/2005/8/layout/list1"/>
+    <dgm:cxn modelId="{8C7E0796-F687-DF42-9944-7CA0A83A7A92}" type="presParOf" srcId="{DE01A8F3-419B-5C46-9CD6-4C0880245C02}" destId="{3BE24057-5464-3E4A-84E2-39A97485A242}" srcOrd="1" destOrd="0" presId="urn:microsoft.com/office/officeart/2005/8/layout/list1"/>
+    <dgm:cxn modelId="{54165924-9507-6142-BA71-F673F1383D59}" type="presParOf" srcId="{AF2C34D6-01B0-AA4C-9BA0-D7555C261979}" destId="{82A78CB6-CDD6-0E40-A9A8-093CEE8BCCCA}" srcOrd="9" destOrd="0" presId="urn:microsoft.com/office/officeart/2005/8/layout/list1"/>
+    <dgm:cxn modelId="{70B89180-A398-A04D-904E-0B672A5EBFA1}" type="presParOf" srcId="{AF2C34D6-01B0-AA4C-9BA0-D7555C261979}" destId="{CE855217-2DF9-E147-8F60-7B020ADBDED3}" srcOrd="10" destOrd="0" presId="urn:microsoft.com/office/officeart/2005/8/layout/list1"/>
+  </dgm:cxnLst>
+  <dgm:bg/>
+  <dgm:whole/>
+  <dgm:extLst>
+    <a:ext uri="http://schemas.microsoft.com/office/drawing/2008/diagram">
+      <dsp:dataModelExt xmlns:dsp="http://schemas.microsoft.com/office/drawing/2008/diagram" relId="rId6" minVer="http://schemas.openxmlformats.org/drawingml/2006/diagram"/>
+    </a:ext>
+  </dgm:extLst>
+</dgm:dataModel>
+</file>
+
+<file path=ppt/diagrams/data4.xml><?xml version="1.0" encoding="utf-8"?>
+<dgm:dataModel xmlns:dgm="http://schemas.openxmlformats.org/drawingml/2006/diagram" xmlns:a="http://schemas.openxmlformats.org/drawingml/2006/main">
+  <dgm:ptLst>
     <dgm:pt modelId="{B6919772-529D-B647-8F5A-76CA0140B529}" type="doc">
       <dgm:prSet loTypeId="urn:microsoft.com/office/officeart/2008/layout/LinedList" loCatId="" qsTypeId="urn:microsoft.com/office/officeart/2005/8/quickstyle/simple4" qsCatId="simple" csTypeId="urn:microsoft.com/office/officeart/2005/8/colors/colorful2" csCatId="colorful"/>
       <dgm:spPr/>
@@ -3683,7 +5905,7 @@
 </dgm:dataModel>
 </file>
 
-<file path=ppt/diagrams/data3.xml><?xml version="1.0" encoding="utf-8"?>
+<file path=ppt/diagrams/data5.xml><?xml version="1.0" encoding="utf-8"?>
 <dgm:dataModel xmlns:dgm="http://schemas.openxmlformats.org/drawingml/2006/diagram" xmlns:a="http://schemas.openxmlformats.org/drawingml/2006/main">
   <dgm:ptLst>
     <dgm:pt modelId="{41485A85-A2C7-6D43-84D0-BB4D933018E9}" type="doc">
@@ -5003,6 +7225,672 @@
       <dsp:cNvGrpSpPr/>
     </dsp:nvGrpSpPr>
     <dsp:grpSpPr/>
+    <dsp:sp modelId="{5D6D150A-DBCF-134A-AAD1-B45AD2D3E21D}">
+      <dsp:nvSpPr>
+        <dsp:cNvPr id="0" name=""/>
+        <dsp:cNvSpPr/>
+      </dsp:nvSpPr>
+      <dsp:spPr>
+        <a:xfrm>
+          <a:off x="441200" y="109"/>
+          <a:ext cx="6585198" cy="3951118"/>
+        </a:xfrm>
+        <a:prstGeom prst="rect">
+          <a:avLst/>
+        </a:prstGeom>
+        <a:gradFill rotWithShape="0">
+          <a:gsLst>
+            <a:gs pos="0">
+              <a:schemeClr val="accent3">
+                <a:hueOff val="0"/>
+                <a:satOff val="0"/>
+                <a:lumOff val="0"/>
+                <a:alphaOff val="0"/>
+                <a:tint val="100000"/>
+                <a:shade val="100000"/>
+                <a:satMod val="100000"/>
+                <a:lumMod val="90000"/>
+              </a:schemeClr>
+            </a:gs>
+            <a:gs pos="100000">
+              <a:schemeClr val="accent3">
+                <a:hueOff val="0"/>
+                <a:satOff val="0"/>
+                <a:lumOff val="0"/>
+                <a:alphaOff val="0"/>
+                <a:tint val="95000"/>
+                <a:shade val="100000"/>
+                <a:satMod val="110000"/>
+                <a:lumMod val="105000"/>
+              </a:schemeClr>
+            </a:gs>
+          </a:gsLst>
+          <a:path path="circle">
+            <a:fillToRect l="40000" t="100000" r="40000" b="100000"/>
+          </a:path>
+        </a:gradFill>
+        <a:ln>
+          <a:noFill/>
+        </a:ln>
+        <a:effectLst>
+          <a:outerShdw blurRad="50800" dist="12700" dir="5400000" rotWithShape="0">
+            <a:srgbClr val="000000">
+              <a:alpha val="37000"/>
+            </a:srgbClr>
+          </a:outerShdw>
+        </a:effectLst>
+      </dsp:spPr>
+      <dsp:style>
+        <a:lnRef idx="0">
+          <a:scrgbClr r="0" g="0" b="0"/>
+        </a:lnRef>
+        <a:fillRef idx="3">
+          <a:scrgbClr r="0" g="0" b="0"/>
+        </a:fillRef>
+        <a:effectRef idx="2">
+          <a:scrgbClr r="0" g="0" b="0"/>
+        </a:effectRef>
+        <a:fontRef idx="minor">
+          <a:schemeClr val="lt1"/>
+        </a:fontRef>
+      </dsp:style>
+      <dsp:txBody>
+        <a:bodyPr spcFirstLastPara="0" vert="horz" wrap="square" lIns="163830" tIns="163830" rIns="163830" bIns="163830" numCol="1" spcCol="1270" anchor="ctr" anchorCtr="0">
+          <a:noAutofit/>
+        </a:bodyPr>
+        <a:lstStyle/>
+        <a:p>
+          <a:pPr lvl="0" algn="ctr" defTabSz="1911350" rtl="0">
+            <a:lnSpc>
+              <a:spcPct val="90000"/>
+            </a:lnSpc>
+            <a:spcBef>
+              <a:spcPct val="0"/>
+            </a:spcBef>
+            <a:spcAft>
+              <a:spcPct val="35000"/>
+            </a:spcAft>
+          </a:pPr>
+          <a:r>
+            <a:rPr lang="en-US" sz="4300" kern="1200" smtClean="0"/>
+            <a:t>I hoped to learn by what magic the device decoded the complex harmonics of the input and represented it as a highly accurate discrete pitch.</a:t>
+          </a:r>
+          <a:endParaRPr lang="en-US" sz="4300" kern="1200"/>
+        </a:p>
+      </dsp:txBody>
+      <dsp:txXfrm>
+        <a:off x="441200" y="109"/>
+        <a:ext cx="6585198" cy="3951118"/>
+      </dsp:txXfrm>
+    </dsp:sp>
+  </dsp:spTree>
+</dsp:drawing>
+</file>
+
+<file path=ppt/diagrams/drawing3.xml><?xml version="1.0" encoding="utf-8"?>
+<dsp:drawing xmlns:dgm="http://schemas.openxmlformats.org/drawingml/2006/diagram" xmlns:dsp="http://schemas.microsoft.com/office/drawing/2008/diagram" xmlns:a="http://schemas.openxmlformats.org/drawingml/2006/main">
+  <dsp:spTree>
+    <dsp:nvGrpSpPr>
+      <dsp:cNvPr id="0" name=""/>
+      <dsp:cNvGrpSpPr/>
+    </dsp:nvGrpSpPr>
+    <dsp:grpSpPr/>
+    <dsp:sp modelId="{2CDA6CAC-BEAA-FF49-9B0E-5C19FDEE844B}">
+      <dsp:nvSpPr>
+        <dsp:cNvPr id="0" name=""/>
+        <dsp:cNvSpPr/>
+      </dsp:nvSpPr>
+      <dsp:spPr>
+        <a:xfrm>
+          <a:off x="0" y="793473"/>
+          <a:ext cx="7467600" cy="595350"/>
+        </a:xfrm>
+        <a:prstGeom prst="rect">
+          <a:avLst/>
+        </a:prstGeom>
+        <a:solidFill>
+          <a:schemeClr val="lt1">
+            <a:alpha val="90000"/>
+            <a:hueOff val="0"/>
+            <a:satOff val="0"/>
+            <a:lumOff val="0"/>
+            <a:alphaOff val="0"/>
+          </a:schemeClr>
+        </a:solidFill>
+        <a:ln w="9525" cap="flat" cmpd="sng" algn="ctr">
+          <a:solidFill>
+            <a:schemeClr val="accent2">
+              <a:hueOff val="0"/>
+              <a:satOff val="0"/>
+              <a:lumOff val="0"/>
+              <a:alphaOff val="0"/>
+            </a:schemeClr>
+          </a:solidFill>
+          <a:prstDash val="solid"/>
+        </a:ln>
+        <a:effectLst/>
+      </dsp:spPr>
+      <dsp:style>
+        <a:lnRef idx="1">
+          <a:scrgbClr r="0" g="0" b="0"/>
+        </a:lnRef>
+        <a:fillRef idx="1">
+          <a:scrgbClr r="0" g="0" b="0"/>
+        </a:fillRef>
+        <a:effectRef idx="0">
+          <a:scrgbClr r="0" g="0" b="0"/>
+        </a:effectRef>
+        <a:fontRef idx="minor"/>
+      </dsp:style>
+      <dsp:txBody>
+        <a:bodyPr spcFirstLastPara="0" vert="horz" wrap="square" lIns="579569" tIns="291592" rIns="579569" bIns="99568" numCol="1" spcCol="1270" anchor="t" anchorCtr="0">
+          <a:noAutofit/>
+        </a:bodyPr>
+        <a:lstStyle/>
+        <a:p>
+          <a:pPr marL="114300" lvl="1" indent="-114300" algn="l" defTabSz="622300" rtl="0">
+            <a:lnSpc>
+              <a:spcPct val="90000"/>
+            </a:lnSpc>
+            <a:spcBef>
+              <a:spcPct val="0"/>
+            </a:spcBef>
+            <a:spcAft>
+              <a:spcPct val="15000"/>
+            </a:spcAft>
+            <a:buChar char="••"/>
+          </a:pPr>
+          <a:r>
+            <a:rPr lang="en-US" sz="1400" kern="1200" smtClean="0"/>
+            <a:t>I wish I knew that I would not learn anything about my initial primary question.</a:t>
+          </a:r>
+          <a:endParaRPr lang="en-US" sz="1400" kern="1200"/>
+        </a:p>
+      </dsp:txBody>
+      <dsp:txXfrm>
+        <a:off x="0" y="793473"/>
+        <a:ext cx="7467600" cy="595350"/>
+      </dsp:txXfrm>
+    </dsp:sp>
+    <dsp:sp modelId="{F927D4AD-F9E6-444D-90E2-7C63284F48E3}">
+      <dsp:nvSpPr>
+        <dsp:cNvPr id="0" name=""/>
+        <dsp:cNvSpPr/>
+      </dsp:nvSpPr>
+      <dsp:spPr>
+        <a:xfrm>
+          <a:off x="373380" y="586833"/>
+          <a:ext cx="5227320" cy="413280"/>
+        </a:xfrm>
+        <a:prstGeom prst="roundRect">
+          <a:avLst/>
+        </a:prstGeom>
+        <a:gradFill rotWithShape="0">
+          <a:gsLst>
+            <a:gs pos="0">
+              <a:schemeClr val="accent2">
+                <a:hueOff val="0"/>
+                <a:satOff val="0"/>
+                <a:lumOff val="0"/>
+                <a:alphaOff val="0"/>
+                <a:tint val="100000"/>
+                <a:shade val="100000"/>
+                <a:satMod val="100000"/>
+                <a:lumMod val="90000"/>
+              </a:schemeClr>
+            </a:gs>
+            <a:gs pos="100000">
+              <a:schemeClr val="accent2">
+                <a:hueOff val="0"/>
+                <a:satOff val="0"/>
+                <a:lumOff val="0"/>
+                <a:alphaOff val="0"/>
+                <a:tint val="95000"/>
+                <a:shade val="100000"/>
+                <a:satMod val="110000"/>
+                <a:lumMod val="105000"/>
+              </a:schemeClr>
+            </a:gs>
+          </a:gsLst>
+          <a:path path="circle">
+            <a:fillToRect l="40000" t="100000" r="40000" b="100000"/>
+          </a:path>
+        </a:gradFill>
+        <a:ln>
+          <a:noFill/>
+        </a:ln>
+        <a:effectLst>
+          <a:outerShdw blurRad="50800" dist="12700" dir="5400000" rotWithShape="0">
+            <a:srgbClr val="000000">
+              <a:alpha val="37000"/>
+            </a:srgbClr>
+          </a:outerShdw>
+        </a:effectLst>
+      </dsp:spPr>
+      <dsp:style>
+        <a:lnRef idx="0">
+          <a:scrgbClr r="0" g="0" b="0"/>
+        </a:lnRef>
+        <a:fillRef idx="3">
+          <a:scrgbClr r="0" g="0" b="0"/>
+        </a:fillRef>
+        <a:effectRef idx="2">
+          <a:scrgbClr r="0" g="0" b="0"/>
+        </a:effectRef>
+        <a:fontRef idx="minor">
+          <a:schemeClr val="lt1"/>
+        </a:fontRef>
+      </dsp:style>
+      <dsp:txBody>
+        <a:bodyPr spcFirstLastPara="0" vert="horz" wrap="square" lIns="197580" tIns="0" rIns="197580" bIns="0" numCol="1" spcCol="1270" anchor="ctr" anchorCtr="0">
+          <a:noAutofit/>
+        </a:bodyPr>
+        <a:lstStyle/>
+        <a:p>
+          <a:pPr lvl="0" algn="l" defTabSz="622300" rtl="0">
+            <a:lnSpc>
+              <a:spcPct val="90000"/>
+            </a:lnSpc>
+            <a:spcBef>
+              <a:spcPct val="0"/>
+            </a:spcBef>
+            <a:spcAft>
+              <a:spcPct val="35000"/>
+            </a:spcAft>
+          </a:pPr>
+          <a:r>
+            <a:rPr lang="en-US" sz="1400" kern="1200" smtClean="0"/>
+            <a:t>What do I wish I’d known before I started that I know now?  </a:t>
+          </a:r>
+          <a:endParaRPr lang="en-US" sz="1400" kern="1200"/>
+        </a:p>
+      </dsp:txBody>
+      <dsp:txXfrm>
+        <a:off x="393555" y="607008"/>
+        <a:ext cx="5186970" cy="372930"/>
+      </dsp:txXfrm>
+    </dsp:sp>
+    <dsp:sp modelId="{255CB392-C789-FD4A-85D3-C53345A03DEF}">
+      <dsp:nvSpPr>
+        <dsp:cNvPr id="0" name=""/>
+        <dsp:cNvSpPr/>
+      </dsp:nvSpPr>
+      <dsp:spPr>
+        <a:xfrm>
+          <a:off x="0" y="1671063"/>
+          <a:ext cx="7467600" cy="815850"/>
+        </a:xfrm>
+        <a:prstGeom prst="rect">
+          <a:avLst/>
+        </a:prstGeom>
+        <a:solidFill>
+          <a:schemeClr val="lt1">
+            <a:alpha val="90000"/>
+            <a:hueOff val="0"/>
+            <a:satOff val="0"/>
+            <a:lumOff val="0"/>
+            <a:alphaOff val="0"/>
+          </a:schemeClr>
+        </a:solidFill>
+        <a:ln w="9525" cap="flat" cmpd="sng" algn="ctr">
+          <a:solidFill>
+            <a:schemeClr val="accent3">
+              <a:hueOff val="0"/>
+              <a:satOff val="0"/>
+              <a:lumOff val="0"/>
+              <a:alphaOff val="0"/>
+            </a:schemeClr>
+          </a:solidFill>
+          <a:prstDash val="solid"/>
+        </a:ln>
+        <a:effectLst/>
+      </dsp:spPr>
+      <dsp:style>
+        <a:lnRef idx="1">
+          <a:scrgbClr r="0" g="0" b="0"/>
+        </a:lnRef>
+        <a:fillRef idx="1">
+          <a:scrgbClr r="0" g="0" b="0"/>
+        </a:fillRef>
+        <a:effectRef idx="0">
+          <a:scrgbClr r="0" g="0" b="0"/>
+        </a:effectRef>
+        <a:fontRef idx="minor"/>
+      </dsp:style>
+      <dsp:txBody>
+        <a:bodyPr spcFirstLastPara="0" vert="horz" wrap="square" lIns="579569" tIns="291592" rIns="579569" bIns="99568" numCol="1" spcCol="1270" anchor="t" anchorCtr="0">
+          <a:noAutofit/>
+        </a:bodyPr>
+        <a:lstStyle/>
+        <a:p>
+          <a:pPr marL="114300" lvl="1" indent="-114300" algn="l" defTabSz="622300" rtl="0">
+            <a:lnSpc>
+              <a:spcPct val="90000"/>
+            </a:lnSpc>
+            <a:spcBef>
+              <a:spcPct val="0"/>
+            </a:spcBef>
+            <a:spcAft>
+              <a:spcPct val="15000"/>
+            </a:spcAft>
+            <a:buChar char="••"/>
+          </a:pPr>
+          <a:r>
+            <a:rPr lang="en-US" sz="1400" kern="1200" smtClean="0"/>
+            <a:t>I disassembled the analog meter too quickly and it fell apart into pieces.</a:t>
+          </a:r>
+          <a:endParaRPr lang="en-US" sz="1400" kern="1200"/>
+        </a:p>
+        <a:p>
+          <a:pPr marL="114300" lvl="1" indent="-114300" algn="l" defTabSz="622300" rtl="0">
+            <a:lnSpc>
+              <a:spcPct val="90000"/>
+            </a:lnSpc>
+            <a:spcBef>
+              <a:spcPct val="0"/>
+            </a:spcBef>
+            <a:spcAft>
+              <a:spcPct val="15000"/>
+            </a:spcAft>
+            <a:buChar char="••"/>
+          </a:pPr>
+          <a:r>
+            <a:rPr lang="en-US" sz="1400" kern="1200" smtClean="0"/>
+            <a:t>I failed to make registration marks on the flexible connector to the LCD.</a:t>
+          </a:r>
+          <a:endParaRPr lang="en-US" sz="1400" kern="1200"/>
+        </a:p>
+      </dsp:txBody>
+      <dsp:txXfrm>
+        <a:off x="0" y="1671063"/>
+        <a:ext cx="7467600" cy="815850"/>
+      </dsp:txXfrm>
+    </dsp:sp>
+    <dsp:sp modelId="{54E0EA01-B17F-F846-BD0C-0CE10BB4D5A9}">
+      <dsp:nvSpPr>
+        <dsp:cNvPr id="0" name=""/>
+        <dsp:cNvSpPr/>
+      </dsp:nvSpPr>
+      <dsp:spPr>
+        <a:xfrm>
+          <a:off x="373380" y="1464423"/>
+          <a:ext cx="5227320" cy="413280"/>
+        </a:xfrm>
+        <a:prstGeom prst="roundRect">
+          <a:avLst/>
+        </a:prstGeom>
+        <a:gradFill rotWithShape="0">
+          <a:gsLst>
+            <a:gs pos="0">
+              <a:schemeClr val="accent3">
+                <a:hueOff val="0"/>
+                <a:satOff val="0"/>
+                <a:lumOff val="0"/>
+                <a:alphaOff val="0"/>
+                <a:tint val="100000"/>
+                <a:shade val="100000"/>
+                <a:satMod val="100000"/>
+                <a:lumMod val="90000"/>
+              </a:schemeClr>
+            </a:gs>
+            <a:gs pos="100000">
+              <a:schemeClr val="accent3">
+                <a:hueOff val="0"/>
+                <a:satOff val="0"/>
+                <a:lumOff val="0"/>
+                <a:alphaOff val="0"/>
+                <a:tint val="95000"/>
+                <a:shade val="100000"/>
+                <a:satMod val="110000"/>
+                <a:lumMod val="105000"/>
+              </a:schemeClr>
+            </a:gs>
+          </a:gsLst>
+          <a:path path="circle">
+            <a:fillToRect l="40000" t="100000" r="40000" b="100000"/>
+          </a:path>
+        </a:gradFill>
+        <a:ln>
+          <a:noFill/>
+        </a:ln>
+        <a:effectLst>
+          <a:outerShdw blurRad="50800" dist="12700" dir="5400000" rotWithShape="0">
+            <a:srgbClr val="000000">
+              <a:alpha val="37000"/>
+            </a:srgbClr>
+          </a:outerShdw>
+        </a:effectLst>
+      </dsp:spPr>
+      <dsp:style>
+        <a:lnRef idx="0">
+          <a:scrgbClr r="0" g="0" b="0"/>
+        </a:lnRef>
+        <a:fillRef idx="3">
+          <a:scrgbClr r="0" g="0" b="0"/>
+        </a:fillRef>
+        <a:effectRef idx="2">
+          <a:scrgbClr r="0" g="0" b="0"/>
+        </a:effectRef>
+        <a:fontRef idx="minor">
+          <a:schemeClr val="lt1"/>
+        </a:fontRef>
+      </dsp:style>
+      <dsp:txBody>
+        <a:bodyPr spcFirstLastPara="0" vert="horz" wrap="square" lIns="197580" tIns="0" rIns="197580" bIns="0" numCol="1" spcCol="1270" anchor="ctr" anchorCtr="0">
+          <a:noAutofit/>
+        </a:bodyPr>
+        <a:lstStyle/>
+        <a:p>
+          <a:pPr lvl="0" algn="l" defTabSz="622300" rtl="0">
+            <a:lnSpc>
+              <a:spcPct val="90000"/>
+            </a:lnSpc>
+            <a:spcBef>
+              <a:spcPct val="0"/>
+            </a:spcBef>
+            <a:spcAft>
+              <a:spcPct val="35000"/>
+            </a:spcAft>
+          </a:pPr>
+          <a:r>
+            <a:rPr lang="en-US" sz="1400" kern="1200" smtClean="0"/>
+            <a:t>What did I do wrong?</a:t>
+          </a:r>
+          <a:endParaRPr lang="en-US" sz="1400" kern="1200"/>
+        </a:p>
+      </dsp:txBody>
+      <dsp:txXfrm>
+        <a:off x="393555" y="1484598"/>
+        <a:ext cx="5186970" cy="372930"/>
+      </dsp:txXfrm>
+    </dsp:sp>
+    <dsp:sp modelId="{CE855217-2DF9-E147-8F60-7B020ADBDED3}">
+      <dsp:nvSpPr>
+        <dsp:cNvPr id="0" name=""/>
+        <dsp:cNvSpPr/>
+      </dsp:nvSpPr>
+      <dsp:spPr>
+        <a:xfrm>
+          <a:off x="0" y="2769153"/>
+          <a:ext cx="7467600" cy="595350"/>
+        </a:xfrm>
+        <a:prstGeom prst="rect">
+          <a:avLst/>
+        </a:prstGeom>
+        <a:solidFill>
+          <a:schemeClr val="lt1">
+            <a:alpha val="90000"/>
+            <a:hueOff val="0"/>
+            <a:satOff val="0"/>
+            <a:lumOff val="0"/>
+            <a:alphaOff val="0"/>
+          </a:schemeClr>
+        </a:solidFill>
+        <a:ln w="9525" cap="flat" cmpd="sng" algn="ctr">
+          <a:solidFill>
+            <a:schemeClr val="accent4">
+              <a:hueOff val="0"/>
+              <a:satOff val="0"/>
+              <a:lumOff val="0"/>
+              <a:alphaOff val="0"/>
+            </a:schemeClr>
+          </a:solidFill>
+          <a:prstDash val="solid"/>
+        </a:ln>
+        <a:effectLst/>
+      </dsp:spPr>
+      <dsp:style>
+        <a:lnRef idx="1">
+          <a:scrgbClr r="0" g="0" b="0"/>
+        </a:lnRef>
+        <a:fillRef idx="1">
+          <a:scrgbClr r="0" g="0" b="0"/>
+        </a:fillRef>
+        <a:effectRef idx="0">
+          <a:scrgbClr r="0" g="0" b="0"/>
+        </a:effectRef>
+        <a:fontRef idx="minor"/>
+      </dsp:style>
+      <dsp:txBody>
+        <a:bodyPr spcFirstLastPara="0" vert="horz" wrap="square" lIns="579569" tIns="291592" rIns="579569" bIns="99568" numCol="1" spcCol="1270" anchor="t" anchorCtr="0">
+          <a:noAutofit/>
+        </a:bodyPr>
+        <a:lstStyle/>
+        <a:p>
+          <a:pPr marL="114300" lvl="1" indent="-114300" algn="l" defTabSz="622300" rtl="0">
+            <a:lnSpc>
+              <a:spcPct val="90000"/>
+            </a:lnSpc>
+            <a:spcBef>
+              <a:spcPct val="0"/>
+            </a:spcBef>
+            <a:spcAft>
+              <a:spcPct val="15000"/>
+            </a:spcAft>
+            <a:buChar char="••"/>
+          </a:pPr>
+          <a:r>
+            <a:rPr lang="en-US" sz="1400" kern="1200" smtClean="0"/>
+            <a:t>I would adjust my expectations for the outcome of the disassembly.</a:t>
+          </a:r>
+          <a:endParaRPr lang="en-US" sz="1400" kern="1200"/>
+        </a:p>
+      </dsp:txBody>
+      <dsp:txXfrm>
+        <a:off x="0" y="2769153"/>
+        <a:ext cx="7467600" cy="595350"/>
+      </dsp:txXfrm>
+    </dsp:sp>
+    <dsp:sp modelId="{3BE24057-5464-3E4A-84E2-39A97485A242}">
+      <dsp:nvSpPr>
+        <dsp:cNvPr id="0" name=""/>
+        <dsp:cNvSpPr/>
+      </dsp:nvSpPr>
+      <dsp:spPr>
+        <a:xfrm>
+          <a:off x="373380" y="2562513"/>
+          <a:ext cx="5227320" cy="413280"/>
+        </a:xfrm>
+        <a:prstGeom prst="roundRect">
+          <a:avLst/>
+        </a:prstGeom>
+        <a:gradFill rotWithShape="0">
+          <a:gsLst>
+            <a:gs pos="0">
+              <a:schemeClr val="accent4">
+                <a:hueOff val="0"/>
+                <a:satOff val="0"/>
+                <a:lumOff val="0"/>
+                <a:alphaOff val="0"/>
+                <a:tint val="100000"/>
+                <a:shade val="100000"/>
+                <a:satMod val="100000"/>
+                <a:lumMod val="90000"/>
+              </a:schemeClr>
+            </a:gs>
+            <a:gs pos="100000">
+              <a:schemeClr val="accent4">
+                <a:hueOff val="0"/>
+                <a:satOff val="0"/>
+                <a:lumOff val="0"/>
+                <a:alphaOff val="0"/>
+                <a:tint val="95000"/>
+                <a:shade val="100000"/>
+                <a:satMod val="110000"/>
+                <a:lumMod val="105000"/>
+              </a:schemeClr>
+            </a:gs>
+          </a:gsLst>
+          <a:path path="circle">
+            <a:fillToRect l="40000" t="100000" r="40000" b="100000"/>
+          </a:path>
+        </a:gradFill>
+        <a:ln>
+          <a:noFill/>
+        </a:ln>
+        <a:effectLst>
+          <a:outerShdw blurRad="50800" dist="12700" dir="5400000" rotWithShape="0">
+            <a:srgbClr val="000000">
+              <a:alpha val="37000"/>
+            </a:srgbClr>
+          </a:outerShdw>
+        </a:effectLst>
+      </dsp:spPr>
+      <dsp:style>
+        <a:lnRef idx="0">
+          <a:scrgbClr r="0" g="0" b="0"/>
+        </a:lnRef>
+        <a:fillRef idx="3">
+          <a:scrgbClr r="0" g="0" b="0"/>
+        </a:fillRef>
+        <a:effectRef idx="2">
+          <a:scrgbClr r="0" g="0" b="0"/>
+        </a:effectRef>
+        <a:fontRef idx="minor">
+          <a:schemeClr val="lt1"/>
+        </a:fontRef>
+      </dsp:style>
+      <dsp:txBody>
+        <a:bodyPr spcFirstLastPara="0" vert="horz" wrap="square" lIns="197580" tIns="0" rIns="197580" bIns="0" numCol="1" spcCol="1270" anchor="ctr" anchorCtr="0">
+          <a:noAutofit/>
+        </a:bodyPr>
+        <a:lstStyle/>
+        <a:p>
+          <a:pPr lvl="0" algn="l" defTabSz="622300" rtl="0">
+            <a:lnSpc>
+              <a:spcPct val="90000"/>
+            </a:lnSpc>
+            <a:spcBef>
+              <a:spcPct val="0"/>
+            </a:spcBef>
+            <a:spcAft>
+              <a:spcPct val="35000"/>
+            </a:spcAft>
+          </a:pPr>
+          <a:r>
+            <a:rPr lang="en-US" sz="1400" kern="1200" smtClean="0"/>
+            <a:t>If I did this again, what would I do differently?</a:t>
+          </a:r>
+          <a:endParaRPr lang="en-US" sz="1400" kern="1200"/>
+        </a:p>
+      </dsp:txBody>
+      <dsp:txXfrm>
+        <a:off x="393555" y="2582688"/>
+        <a:ext cx="5186970" cy="372930"/>
+      </dsp:txXfrm>
+    </dsp:sp>
+  </dsp:spTree>
+</dsp:drawing>
+</file>
+
+<file path=ppt/diagrams/drawing4.xml><?xml version="1.0" encoding="utf-8"?>
+<dsp:drawing xmlns:dgm="http://schemas.openxmlformats.org/drawingml/2006/diagram" xmlns:dsp="http://schemas.microsoft.com/office/drawing/2008/diagram" xmlns:a="http://schemas.openxmlformats.org/drawingml/2006/main">
+  <dsp:spTree>
+    <dsp:nvGrpSpPr>
+      <dsp:cNvPr id="0" name=""/>
+      <dsp:cNvGrpSpPr/>
+    </dsp:nvGrpSpPr>
+    <dsp:grpSpPr/>
     <dsp:sp modelId="{2C1DFEFC-9BBD-9D49-8B09-B5C04AA2A0C3}">
       <dsp:nvSpPr>
         <dsp:cNvPr id="0" name=""/>
@@ -5559,7 +8447,7 @@
 </dsp:drawing>
 </file>
 
-<file path=ppt/diagrams/drawing3.xml><?xml version="1.0" encoding="utf-8"?>
+<file path=ppt/diagrams/drawing5.xml><?xml version="1.0" encoding="utf-8"?>
 <dsp:drawing xmlns:dgm="http://schemas.openxmlformats.org/drawingml/2006/diagram" xmlns:dsp="http://schemas.microsoft.com/office/drawing/2008/diagram" xmlns:a="http://schemas.openxmlformats.org/drawingml/2006/main">
   <dsp:spTree>
     <dsp:nvGrpSpPr>
@@ -6192,6 +9080,378 @@
 </file>
 
 <file path=ppt/diagrams/layout2.xml><?xml version="1.0" encoding="utf-8"?>
+<dgm:layoutDef xmlns:dgm="http://schemas.openxmlformats.org/drawingml/2006/diagram" xmlns:a="http://schemas.openxmlformats.org/drawingml/2006/main" uniqueId="urn:microsoft.com/office/officeart/2005/8/layout/default">
+  <dgm:title val=""/>
+  <dgm:desc val=""/>
+  <dgm:catLst>
+    <dgm:cat type="list" pri="400"/>
+  </dgm:catLst>
+  <dgm:sampData>
+    <dgm:dataModel>
+      <dgm:ptLst>
+        <dgm:pt modelId="0" type="doc"/>
+        <dgm:pt modelId="1">
+          <dgm:prSet phldr="1"/>
+        </dgm:pt>
+        <dgm:pt modelId="2">
+          <dgm:prSet phldr="1"/>
+        </dgm:pt>
+        <dgm:pt modelId="3">
+          <dgm:prSet phldr="1"/>
+        </dgm:pt>
+        <dgm:pt modelId="4">
+          <dgm:prSet phldr="1"/>
+        </dgm:pt>
+        <dgm:pt modelId="5">
+          <dgm:prSet phldr="1"/>
+        </dgm:pt>
+      </dgm:ptLst>
+      <dgm:cxnLst>
+        <dgm:cxn modelId="6" srcId="0" destId="1" srcOrd="0" destOrd="0"/>
+        <dgm:cxn modelId="7" srcId="0" destId="2" srcOrd="1" destOrd="0"/>
+        <dgm:cxn modelId="8" srcId="0" destId="3" srcOrd="2" destOrd="0"/>
+        <dgm:cxn modelId="9" srcId="0" destId="4" srcOrd="3" destOrd="0"/>
+        <dgm:cxn modelId="10" srcId="0" destId="5" srcOrd="4" destOrd="0"/>
+      </dgm:cxnLst>
+      <dgm:bg/>
+      <dgm:whole/>
+    </dgm:dataModel>
+  </dgm:sampData>
+  <dgm:styleData>
+    <dgm:dataModel>
+      <dgm:ptLst>
+        <dgm:pt modelId="0" type="doc"/>
+        <dgm:pt modelId="1"/>
+        <dgm:pt modelId="2"/>
+      </dgm:ptLst>
+      <dgm:cxnLst>
+        <dgm:cxn modelId="3" srcId="0" destId="1" srcOrd="0" destOrd="0"/>
+        <dgm:cxn modelId="4" srcId="0" destId="2" srcOrd="1" destOrd="0"/>
+      </dgm:cxnLst>
+      <dgm:bg/>
+      <dgm:whole/>
+    </dgm:dataModel>
+  </dgm:styleData>
+  <dgm:clrData>
+    <dgm:dataModel>
+      <dgm:ptLst>
+        <dgm:pt modelId="0" type="doc"/>
+        <dgm:pt modelId="1"/>
+        <dgm:pt modelId="2"/>
+        <dgm:pt modelId="3"/>
+        <dgm:pt modelId="4"/>
+        <dgm:pt modelId="5"/>
+        <dgm:pt modelId="6"/>
+      </dgm:ptLst>
+      <dgm:cxnLst>
+        <dgm:cxn modelId="7" srcId="0" destId="1" srcOrd="0" destOrd="0"/>
+        <dgm:cxn modelId="8" srcId="0" destId="2" srcOrd="1" destOrd="0"/>
+        <dgm:cxn modelId="9" srcId="0" destId="3" srcOrd="2" destOrd="0"/>
+        <dgm:cxn modelId="10" srcId="0" destId="4" srcOrd="3" destOrd="0"/>
+        <dgm:cxn modelId="11" srcId="0" destId="5" srcOrd="4" destOrd="0"/>
+        <dgm:cxn modelId="12" srcId="0" destId="6" srcOrd="5" destOrd="0"/>
+      </dgm:cxnLst>
+      <dgm:bg/>
+      <dgm:whole/>
+    </dgm:dataModel>
+  </dgm:clrData>
+  <dgm:layoutNode name="diagram">
+    <dgm:varLst>
+      <dgm:dir/>
+      <dgm:resizeHandles val="exact"/>
+    </dgm:varLst>
+    <dgm:choose name="Name0">
+      <dgm:if name="Name1" func="var" arg="dir" op="equ" val="norm">
+        <dgm:alg type="snake">
+          <dgm:param type="grDir" val="tL"/>
+          <dgm:param type="flowDir" val="row"/>
+          <dgm:param type="contDir" val="sameDir"/>
+          <dgm:param type="off" val="ctr"/>
+        </dgm:alg>
+      </dgm:if>
+      <dgm:else name="Name2">
+        <dgm:alg type="snake">
+          <dgm:param type="grDir" val="tR"/>
+          <dgm:param type="flowDir" val="row"/>
+          <dgm:param type="contDir" val="sameDir"/>
+          <dgm:param type="off" val="ctr"/>
+        </dgm:alg>
+      </dgm:else>
+    </dgm:choose>
+    <dgm:shape xmlns:r="http://schemas.openxmlformats.org/officeDocument/2006/relationships" r:blip="">
+      <dgm:adjLst/>
+    </dgm:shape>
+    <dgm:presOf/>
+    <dgm:constrLst>
+      <dgm:constr type="w" for="ch" forName="node" refType="w"/>
+      <dgm:constr type="h" for="ch" forName="node" refType="w" refFor="ch" refForName="node" fact="0.6"/>
+      <dgm:constr type="w" for="ch" forName="sibTrans" refType="w" refFor="ch" refForName="node" fact="0.1"/>
+      <dgm:constr type="sp" refType="w" refFor="ch" refForName="sibTrans"/>
+      <dgm:constr type="primFontSz" for="ch" forName="node" op="equ" val="65"/>
+    </dgm:constrLst>
+    <dgm:ruleLst/>
+    <dgm:forEach name="Name3" axis="ch" ptType="node">
+      <dgm:layoutNode name="node">
+        <dgm:varLst>
+          <dgm:bulletEnabled val="1"/>
+        </dgm:varLst>
+        <dgm:alg type="tx"/>
+        <dgm:shape xmlns:r="http://schemas.openxmlformats.org/officeDocument/2006/relationships" type="rect" r:blip="">
+          <dgm:adjLst/>
+        </dgm:shape>
+        <dgm:presOf axis="desOrSelf" ptType="node"/>
+        <dgm:constrLst>
+          <dgm:constr type="lMarg" refType="primFontSz" fact="0.3"/>
+          <dgm:constr type="rMarg" refType="primFontSz" fact="0.3"/>
+          <dgm:constr type="tMarg" refType="primFontSz" fact="0.3"/>
+          <dgm:constr type="bMarg" refType="primFontSz" fact="0.3"/>
+        </dgm:constrLst>
+        <dgm:ruleLst>
+          <dgm:rule type="primFontSz" val="5" fact="NaN" max="NaN"/>
+        </dgm:ruleLst>
+      </dgm:layoutNode>
+      <dgm:forEach name="Name4" axis="followSib" ptType="sibTrans" cnt="1">
+        <dgm:layoutNode name="sibTrans">
+          <dgm:alg type="sp"/>
+          <dgm:shape xmlns:r="http://schemas.openxmlformats.org/officeDocument/2006/relationships" r:blip="">
+            <dgm:adjLst/>
+          </dgm:shape>
+          <dgm:presOf/>
+          <dgm:constrLst/>
+          <dgm:ruleLst/>
+        </dgm:layoutNode>
+      </dgm:forEach>
+    </dgm:forEach>
+  </dgm:layoutNode>
+</dgm:layoutDef>
+</file>
+
+<file path=ppt/diagrams/layout3.xml><?xml version="1.0" encoding="utf-8"?>
+<dgm:layoutDef xmlns:dgm="http://schemas.openxmlformats.org/drawingml/2006/diagram" xmlns:a="http://schemas.openxmlformats.org/drawingml/2006/main" uniqueId="urn:microsoft.com/office/officeart/2005/8/layout/list1">
+  <dgm:title val=""/>
+  <dgm:desc val=""/>
+  <dgm:catLst>
+    <dgm:cat type="list" pri="4000"/>
+  </dgm:catLst>
+  <dgm:sampData>
+    <dgm:dataModel>
+      <dgm:ptLst>
+        <dgm:pt modelId="0" type="doc"/>
+        <dgm:pt modelId="1">
+          <dgm:prSet phldr="1"/>
+        </dgm:pt>
+        <dgm:pt modelId="2">
+          <dgm:prSet phldr="1"/>
+        </dgm:pt>
+        <dgm:pt modelId="3">
+          <dgm:prSet phldr="1"/>
+        </dgm:pt>
+      </dgm:ptLst>
+      <dgm:cxnLst>
+        <dgm:cxn modelId="4" srcId="0" destId="1" srcOrd="0" destOrd="0"/>
+        <dgm:cxn modelId="5" srcId="0" destId="2" srcOrd="1" destOrd="0"/>
+        <dgm:cxn modelId="6" srcId="0" destId="3" srcOrd="2" destOrd="0"/>
+      </dgm:cxnLst>
+      <dgm:bg/>
+      <dgm:whole/>
+    </dgm:dataModel>
+  </dgm:sampData>
+  <dgm:styleData>
+    <dgm:dataModel>
+      <dgm:ptLst>
+        <dgm:pt modelId="0" type="doc"/>
+        <dgm:pt modelId="1"/>
+        <dgm:pt modelId="2"/>
+      </dgm:ptLst>
+      <dgm:cxnLst>
+        <dgm:cxn modelId="4" srcId="0" destId="1" srcOrd="0" destOrd="0"/>
+        <dgm:cxn modelId="5" srcId="0" destId="2" srcOrd="1" destOrd="0"/>
+      </dgm:cxnLst>
+      <dgm:bg/>
+      <dgm:whole/>
+    </dgm:dataModel>
+  </dgm:styleData>
+  <dgm:clrData>
+    <dgm:dataModel>
+      <dgm:ptLst>
+        <dgm:pt modelId="0" type="doc"/>
+        <dgm:pt modelId="1"/>
+        <dgm:pt modelId="2"/>
+        <dgm:pt modelId="3"/>
+        <dgm:pt modelId="4"/>
+      </dgm:ptLst>
+      <dgm:cxnLst>
+        <dgm:cxn modelId="5" srcId="0" destId="1" srcOrd="0" destOrd="0"/>
+        <dgm:cxn modelId="6" srcId="0" destId="2" srcOrd="1" destOrd="0"/>
+        <dgm:cxn modelId="7" srcId="0" destId="3" srcOrd="2" destOrd="0"/>
+        <dgm:cxn modelId="8" srcId="0" destId="4" srcOrd="3" destOrd="0"/>
+      </dgm:cxnLst>
+      <dgm:bg/>
+      <dgm:whole/>
+    </dgm:dataModel>
+  </dgm:clrData>
+  <dgm:layoutNode name="linear">
+    <dgm:varLst>
+      <dgm:dir/>
+      <dgm:animLvl val="lvl"/>
+      <dgm:resizeHandles val="exact"/>
+    </dgm:varLst>
+    <dgm:choose name="Name0">
+      <dgm:if name="Name1" func="var" arg="dir" op="equ" val="norm">
+        <dgm:alg type="lin">
+          <dgm:param type="linDir" val="fromT"/>
+          <dgm:param type="vertAlign" val="mid"/>
+          <dgm:param type="horzAlign" val="l"/>
+          <dgm:param type="nodeHorzAlign" val="l"/>
+        </dgm:alg>
+      </dgm:if>
+      <dgm:else name="Name2">
+        <dgm:alg type="lin">
+          <dgm:param type="linDir" val="fromT"/>
+          <dgm:param type="vertAlign" val="mid"/>
+          <dgm:param type="horzAlign" val="r"/>
+          <dgm:param type="nodeHorzAlign" val="r"/>
+        </dgm:alg>
+      </dgm:else>
+    </dgm:choose>
+    <dgm:shape xmlns:r="http://schemas.openxmlformats.org/officeDocument/2006/relationships" r:blip="">
+      <dgm:adjLst/>
+    </dgm:shape>
+    <dgm:presOf/>
+    <dgm:constrLst>
+      <dgm:constr type="w" for="ch" forName="parentLin" refType="w"/>
+      <dgm:constr type="h" for="ch" forName="parentLin" val="INF"/>
+      <dgm:constr type="w" for="des" forName="parentLeftMargin" refType="w" fact="0.05"/>
+      <dgm:constr type="w" for="des" forName="parentText" refType="w" fact="0.7"/>
+      <dgm:constr type="h" for="des" forName="parentText" refType="primFontSz" refFor="des" refForName="parentText" fact="0.82"/>
+      <dgm:constr type="h" for="ch" forName="negativeSpace" refType="primFontSz" refFor="des" refForName="parentText" fact="-0.41"/>
+      <dgm:constr type="h" for="ch" forName="negativeSpace" refType="h" refFor="des" refForName="parentText" op="lte" fact="-0.82"/>
+      <dgm:constr type="h" for="ch" forName="negativeSpace" refType="h" refFor="des" refForName="parentText" op="gte" fact="-0.82"/>
+      <dgm:constr type="w" for="ch" forName="childText" refType="w"/>
+      <dgm:constr type="h" for="ch" forName="childText" refType="primFontSz" refFor="des" refForName="parentText" fact="0.7"/>
+      <dgm:constr type="primFontSz" for="des" forName="parentText" val="65"/>
+      <dgm:constr type="primFontSz" for="ch" forName="childText" refType="primFontSz" refFor="des" refForName="parentText"/>
+      <dgm:constr type="tMarg" for="ch" forName="childText" refType="primFontSz" refFor="des" refForName="parentText" fact="1.64"/>
+      <dgm:constr type="tMarg" for="ch" forName="childText" refType="h" refFor="des" refForName="parentText" op="lte" fact="3.28"/>
+      <dgm:constr type="tMarg" for="ch" forName="childText" refType="h" refFor="des" refForName="parentText" op="gte" fact="3.28"/>
+      <dgm:constr type="lMarg" for="ch" forName="childText" refType="w" fact="0.22"/>
+      <dgm:constr type="rMarg" for="ch" forName="childText" refType="lMarg" refFor="ch" refForName="childText"/>
+      <dgm:constr type="lMarg" for="des" forName="parentText" refType="w" fact="0.075"/>
+      <dgm:constr type="rMarg" for="des" forName="parentText" refType="lMarg" refFor="des" refForName="parentText"/>
+      <dgm:constr type="h" for="ch" forName="spaceBetweenRectangles" refType="primFontSz" refFor="des" refForName="parentText" fact="0.15"/>
+    </dgm:constrLst>
+    <dgm:ruleLst>
+      <dgm:rule type="primFontSz" for="des" forName="parentText" val="5" fact="NaN" max="NaN"/>
+    </dgm:ruleLst>
+    <dgm:forEach name="Name3" axis="ch" ptType="node">
+      <dgm:layoutNode name="parentLin">
+        <dgm:choose name="Name4">
+          <dgm:if name="Name5" func="var" arg="dir" op="equ" val="norm">
+            <dgm:alg type="lin">
+              <dgm:param type="linDir" val="fromL"/>
+              <dgm:param type="horzAlign" val="l"/>
+              <dgm:param type="nodeHorzAlign" val="l"/>
+            </dgm:alg>
+          </dgm:if>
+          <dgm:else name="Name6">
+            <dgm:alg type="lin">
+              <dgm:param type="linDir" val="fromR"/>
+              <dgm:param type="horzAlign" val="r"/>
+              <dgm:param type="nodeHorzAlign" val="r"/>
+            </dgm:alg>
+          </dgm:else>
+        </dgm:choose>
+        <dgm:shape xmlns:r="http://schemas.openxmlformats.org/officeDocument/2006/relationships" r:blip="">
+          <dgm:adjLst/>
+        </dgm:shape>
+        <dgm:presOf/>
+        <dgm:constrLst/>
+        <dgm:ruleLst/>
+        <dgm:layoutNode name="parentLeftMargin">
+          <dgm:alg type="sp"/>
+          <dgm:shape xmlns:r="http://schemas.openxmlformats.org/officeDocument/2006/relationships" type="rect" r:blip="" hideGeom="1">
+            <dgm:adjLst/>
+          </dgm:shape>
+          <dgm:presOf axis="self"/>
+          <dgm:constrLst>
+            <dgm:constr type="h"/>
+          </dgm:constrLst>
+          <dgm:ruleLst/>
+        </dgm:layoutNode>
+        <dgm:layoutNode name="parentText" styleLbl="node1">
+          <dgm:varLst>
+            <dgm:chMax val="0"/>
+            <dgm:bulletEnabled val="1"/>
+          </dgm:varLst>
+          <dgm:choose name="Name7">
+            <dgm:if name="Name8" func="var" arg="dir" op="equ" val="norm">
+              <dgm:alg type="tx">
+                <dgm:param type="parTxLTRAlign" val="l"/>
+                <dgm:param type="parTxRTLAlign" val="l"/>
+              </dgm:alg>
+            </dgm:if>
+            <dgm:else name="Name9">
+              <dgm:alg type="tx">
+                <dgm:param type="parTxLTRAlign" val="r"/>
+                <dgm:param type="parTxRTLAlign" val="r"/>
+              </dgm:alg>
+            </dgm:else>
+          </dgm:choose>
+          <dgm:shape xmlns:r="http://schemas.openxmlformats.org/officeDocument/2006/relationships" type="roundRect" r:blip="">
+            <dgm:adjLst/>
+          </dgm:shape>
+          <dgm:presOf axis="self" ptType="node"/>
+          <dgm:constrLst>
+            <dgm:constr type="tMarg"/>
+            <dgm:constr type="bMarg"/>
+          </dgm:constrLst>
+          <dgm:ruleLst/>
+        </dgm:layoutNode>
+      </dgm:layoutNode>
+      <dgm:layoutNode name="negativeSpace">
+        <dgm:alg type="sp"/>
+        <dgm:shape xmlns:r="http://schemas.openxmlformats.org/officeDocument/2006/relationships" r:blip="">
+          <dgm:adjLst/>
+        </dgm:shape>
+        <dgm:presOf/>
+        <dgm:constrLst/>
+        <dgm:ruleLst/>
+      </dgm:layoutNode>
+      <dgm:layoutNode name="childText" styleLbl="conFgAcc1">
+        <dgm:varLst>
+          <dgm:bulletEnabled val="1"/>
+        </dgm:varLst>
+        <dgm:alg type="tx">
+          <dgm:param type="stBulletLvl" val="1"/>
+        </dgm:alg>
+        <dgm:shape xmlns:r="http://schemas.openxmlformats.org/officeDocument/2006/relationships" type="rect" r:blip="" zOrderOff="-2">
+          <dgm:adjLst/>
+        </dgm:shape>
+        <dgm:presOf axis="des" ptType="node"/>
+        <dgm:constrLst>
+          <dgm:constr type="secFontSz" refType="primFontSz"/>
+        </dgm:constrLst>
+        <dgm:ruleLst>
+          <dgm:rule type="h" val="INF" fact="NaN" max="NaN"/>
+        </dgm:ruleLst>
+      </dgm:layoutNode>
+      <dgm:forEach name="Name10" axis="followSib" ptType="sibTrans" cnt="1">
+        <dgm:layoutNode name="spaceBetweenRectangles">
+          <dgm:alg type="sp"/>
+          <dgm:shape xmlns:r="http://schemas.openxmlformats.org/officeDocument/2006/relationships" r:blip="">
+            <dgm:adjLst/>
+          </dgm:shape>
+          <dgm:presOf/>
+          <dgm:constrLst/>
+          <dgm:ruleLst/>
+        </dgm:layoutNode>
+      </dgm:forEach>
+    </dgm:forEach>
+  </dgm:layoutNode>
+</dgm:layoutDef>
+</file>
+
+<file path=ppt/diagrams/layout4.xml><?xml version="1.0" encoding="utf-8"?>
 <dgm:layoutDef xmlns:dgm="http://schemas.openxmlformats.org/drawingml/2006/diagram" xmlns:a="http://schemas.openxmlformats.org/drawingml/2006/main" uniqueId="urn:microsoft.com/office/officeart/2008/layout/LinedList">
   <dgm:title val=""/>
   <dgm:desc val=""/>
@@ -6657,7 +9917,7 @@
 </dgm:layoutDef>
 </file>
 
-<file path=ppt/diagrams/layout3.xml><?xml version="1.0" encoding="utf-8"?>
+<file path=ppt/diagrams/layout5.xml><?xml version="1.0" encoding="utf-8"?>
 <dgm:layoutDef xmlns:dgm="http://schemas.openxmlformats.org/drawingml/2006/diagram" xmlns:a="http://schemas.openxmlformats.org/drawingml/2006/main" uniqueId="urn:microsoft.com/office/officeart/2005/8/layout/default">
   <dgm:title val=""/>
   <dgm:desc val=""/>
@@ -8873,6 +12133,2074 @@
 </file>
 
 <file path=ppt/diagrams/quickStyle3.xml><?xml version="1.0" encoding="utf-8"?>
+<dgm:styleDef xmlns:dgm="http://schemas.openxmlformats.org/drawingml/2006/diagram" xmlns:a="http://schemas.openxmlformats.org/drawingml/2006/main" uniqueId="urn:microsoft.com/office/officeart/2005/8/quickstyle/simple4">
+  <dgm:title val=""/>
+  <dgm:desc val=""/>
+  <dgm:catLst>
+    <dgm:cat type="simple" pri="10400"/>
+  </dgm:catLst>
+  <dgm:scene3d>
+    <a:camera prst="orthographicFront"/>
+    <a:lightRig rig="threePt" dir="t"/>
+  </dgm:scene3d>
+  <dgm:styleLbl name="node0">
+    <dgm:scene3d>
+      <a:camera prst="orthographicFront"/>
+      <a:lightRig rig="threePt" dir="t"/>
+    </dgm:scene3d>
+    <dgm:sp3d/>
+    <dgm:txPr/>
+    <dgm:style>
+      <a:lnRef idx="0">
+        <a:scrgbClr r="0" g="0" b="0"/>
+      </a:lnRef>
+      <a:fillRef idx="3">
+        <a:scrgbClr r="0" g="0" b="0"/>
+      </a:fillRef>
+      <a:effectRef idx="2">
+        <a:scrgbClr r="0" g="0" b="0"/>
+      </a:effectRef>
+      <a:fontRef idx="minor">
+        <a:schemeClr val="lt1"/>
+      </a:fontRef>
+    </dgm:style>
+  </dgm:styleLbl>
+  <dgm:styleLbl name="lnNode1">
+    <dgm:scene3d>
+      <a:camera prst="orthographicFront"/>
+      <a:lightRig rig="threePt" dir="t"/>
+    </dgm:scene3d>
+    <dgm:sp3d/>
+    <dgm:txPr/>
+    <dgm:style>
+      <a:lnRef idx="1">
+        <a:scrgbClr r="0" g="0" b="0"/>
+      </a:lnRef>
+      <a:fillRef idx="3">
+        <a:scrgbClr r="0" g="0" b="0"/>
+      </a:fillRef>
+      <a:effectRef idx="2">
+        <a:scrgbClr r="0" g="0" b="0"/>
+      </a:effectRef>
+      <a:fontRef idx="minor">
+        <a:schemeClr val="lt1"/>
+      </a:fontRef>
+    </dgm:style>
+  </dgm:styleLbl>
+  <dgm:styleLbl name="vennNode1">
+    <dgm:scene3d>
+      <a:camera prst="orthographicFront"/>
+      <a:lightRig rig="threePt" dir="t"/>
+    </dgm:scene3d>
+    <dgm:sp3d/>
+    <dgm:txPr/>
+    <dgm:style>
+      <a:lnRef idx="0">
+        <a:scrgbClr r="0" g="0" b="0"/>
+      </a:lnRef>
+      <a:fillRef idx="3">
+        <a:scrgbClr r="0" g="0" b="0"/>
+      </a:fillRef>
+      <a:effectRef idx="0">
+        <a:scrgbClr r="0" g="0" b="0"/>
+      </a:effectRef>
+      <a:fontRef idx="minor">
+        <a:schemeClr val="tx1"/>
+      </a:fontRef>
+    </dgm:style>
+  </dgm:styleLbl>
+  <dgm:styleLbl name="alignNode1">
+    <dgm:scene3d>
+      <a:camera prst="orthographicFront"/>
+      <a:lightRig rig="threePt" dir="t"/>
+    </dgm:scene3d>
+    <dgm:sp3d/>
+    <dgm:txPr/>
+    <dgm:style>
+      <a:lnRef idx="1">
+        <a:scrgbClr r="0" g="0" b="0"/>
+      </a:lnRef>
+      <a:fillRef idx="3">
+        <a:scrgbClr r="0" g="0" b="0"/>
+      </a:fillRef>
+      <a:effectRef idx="2">
+        <a:scrgbClr r="0" g="0" b="0"/>
+      </a:effectRef>
+      <a:fontRef idx="minor">
+        <a:schemeClr val="lt1"/>
+      </a:fontRef>
+    </dgm:style>
+  </dgm:styleLbl>
+  <dgm:styleLbl name="node1">
+    <dgm:scene3d>
+      <a:camera prst="orthographicFront"/>
+      <a:lightRig rig="threePt" dir="t"/>
+    </dgm:scene3d>
+    <dgm:sp3d/>
+    <dgm:txPr/>
+    <dgm:style>
+      <a:lnRef idx="0">
+        <a:scrgbClr r="0" g="0" b="0"/>
+      </a:lnRef>
+      <a:fillRef idx="3">
+        <a:scrgbClr r="0" g="0" b="0"/>
+      </a:fillRef>
+      <a:effectRef idx="2">
+        <a:scrgbClr r="0" g="0" b="0"/>
+      </a:effectRef>
+      <a:fontRef idx="minor">
+        <a:schemeClr val="lt1"/>
+      </a:fontRef>
+    </dgm:style>
+  </dgm:styleLbl>
+  <dgm:styleLbl name="node2">
+    <dgm:scene3d>
+      <a:camera prst="orthographicFront"/>
+      <a:lightRig rig="threePt" dir="t"/>
+    </dgm:scene3d>
+    <dgm:sp3d/>
+    <dgm:txPr/>
+    <dgm:style>
+      <a:lnRef idx="0">
+        <a:scrgbClr r="0" g="0" b="0"/>
+      </a:lnRef>
+      <a:fillRef idx="3">
+        <a:scrgbClr r="0" g="0" b="0"/>
+      </a:fillRef>
+      <a:effectRef idx="2">
+        <a:scrgbClr r="0" g="0" b="0"/>
+      </a:effectRef>
+      <a:fontRef idx="minor">
+        <a:schemeClr val="lt1"/>
+      </a:fontRef>
+    </dgm:style>
+  </dgm:styleLbl>
+  <dgm:styleLbl name="node3">
+    <dgm:scene3d>
+      <a:camera prst="orthographicFront"/>
+      <a:lightRig rig="threePt" dir="t"/>
+    </dgm:scene3d>
+    <dgm:sp3d/>
+    <dgm:txPr/>
+    <dgm:style>
+      <a:lnRef idx="0">
+        <a:scrgbClr r="0" g="0" b="0"/>
+      </a:lnRef>
+      <a:fillRef idx="3">
+        <a:scrgbClr r="0" g="0" b="0"/>
+      </a:fillRef>
+      <a:effectRef idx="2">
+        <a:scrgbClr r="0" g="0" b="0"/>
+      </a:effectRef>
+      <a:fontRef idx="minor">
+        <a:schemeClr val="lt1"/>
+      </a:fontRef>
+    </dgm:style>
+  </dgm:styleLbl>
+  <dgm:styleLbl name="node4">
+    <dgm:scene3d>
+      <a:camera prst="orthographicFront"/>
+      <a:lightRig rig="threePt" dir="t"/>
+    </dgm:scene3d>
+    <dgm:sp3d/>
+    <dgm:txPr/>
+    <dgm:style>
+      <a:lnRef idx="0">
+        <a:scrgbClr r="0" g="0" b="0"/>
+      </a:lnRef>
+      <a:fillRef idx="3">
+        <a:scrgbClr r="0" g="0" b="0"/>
+      </a:fillRef>
+      <a:effectRef idx="2">
+        <a:scrgbClr r="0" g="0" b="0"/>
+      </a:effectRef>
+      <a:fontRef idx="minor">
+        <a:schemeClr val="lt1"/>
+      </a:fontRef>
+    </dgm:style>
+  </dgm:styleLbl>
+  <dgm:styleLbl name="fgImgPlace1">
+    <dgm:scene3d>
+      <a:camera prst="orthographicFront"/>
+      <a:lightRig rig="threePt" dir="t"/>
+    </dgm:scene3d>
+    <dgm:sp3d/>
+    <dgm:txPr/>
+    <dgm:style>
+      <a:lnRef idx="0">
+        <a:scrgbClr r="0" g="0" b="0"/>
+      </a:lnRef>
+      <a:fillRef idx="1">
+        <a:scrgbClr r="0" g="0" b="0"/>
+      </a:fillRef>
+      <a:effectRef idx="2">
+        <a:scrgbClr r="0" g="0" b="0"/>
+      </a:effectRef>
+      <a:fontRef idx="minor"/>
+    </dgm:style>
+  </dgm:styleLbl>
+  <dgm:styleLbl name="alignImgPlace1">
+    <dgm:scene3d>
+      <a:camera prst="orthographicFront"/>
+      <a:lightRig rig="threePt" dir="t"/>
+    </dgm:scene3d>
+    <dgm:sp3d/>
+    <dgm:txPr/>
+    <dgm:style>
+      <a:lnRef idx="0">
+        <a:scrgbClr r="0" g="0" b="0"/>
+      </a:lnRef>
+      <a:fillRef idx="1">
+        <a:scrgbClr r="0" g="0" b="0"/>
+      </a:fillRef>
+      <a:effectRef idx="2">
+        <a:scrgbClr r="0" g="0" b="0"/>
+      </a:effectRef>
+      <a:fontRef idx="minor"/>
+    </dgm:style>
+  </dgm:styleLbl>
+  <dgm:styleLbl name="bgImgPlace1">
+    <dgm:scene3d>
+      <a:camera prst="orthographicFront"/>
+      <a:lightRig rig="threePt" dir="t"/>
+    </dgm:scene3d>
+    <dgm:sp3d/>
+    <dgm:txPr/>
+    <dgm:style>
+      <a:lnRef idx="0">
+        <a:scrgbClr r="0" g="0" b="0"/>
+      </a:lnRef>
+      <a:fillRef idx="1">
+        <a:scrgbClr r="0" g="0" b="0"/>
+      </a:fillRef>
+      <a:effectRef idx="2">
+        <a:scrgbClr r="0" g="0" b="0"/>
+      </a:effectRef>
+      <a:fontRef idx="minor"/>
+    </dgm:style>
+  </dgm:styleLbl>
+  <dgm:styleLbl name="sibTrans2D1">
+    <dgm:scene3d>
+      <a:camera prst="orthographicFront"/>
+      <a:lightRig rig="threePt" dir="t"/>
+    </dgm:scene3d>
+    <dgm:sp3d/>
+    <dgm:txPr/>
+    <dgm:style>
+      <a:lnRef idx="0">
+        <a:scrgbClr r="0" g="0" b="0"/>
+      </a:lnRef>
+      <a:fillRef idx="3">
+        <a:scrgbClr r="0" g="0" b="0"/>
+      </a:fillRef>
+      <a:effectRef idx="2">
+        <a:scrgbClr r="0" g="0" b="0"/>
+      </a:effectRef>
+      <a:fontRef idx="minor">
+        <a:schemeClr val="lt1"/>
+      </a:fontRef>
+    </dgm:style>
+  </dgm:styleLbl>
+  <dgm:styleLbl name="fgSibTrans2D1">
+    <dgm:scene3d>
+      <a:camera prst="orthographicFront"/>
+      <a:lightRig rig="threePt" dir="t"/>
+    </dgm:scene3d>
+    <dgm:sp3d/>
+    <dgm:txPr/>
+    <dgm:style>
+      <a:lnRef idx="0">
+        <a:scrgbClr r="0" g="0" b="0"/>
+      </a:lnRef>
+      <a:fillRef idx="3">
+        <a:scrgbClr r="0" g="0" b="0"/>
+      </a:fillRef>
+      <a:effectRef idx="2">
+        <a:scrgbClr r="0" g="0" b="0"/>
+      </a:effectRef>
+      <a:fontRef idx="minor">
+        <a:schemeClr val="lt1"/>
+      </a:fontRef>
+    </dgm:style>
+  </dgm:styleLbl>
+  <dgm:styleLbl name="bgSibTrans2D1">
+    <dgm:scene3d>
+      <a:camera prst="orthographicFront"/>
+      <a:lightRig rig="threePt" dir="t"/>
+    </dgm:scene3d>
+    <dgm:sp3d/>
+    <dgm:txPr/>
+    <dgm:style>
+      <a:lnRef idx="0">
+        <a:scrgbClr r="0" g="0" b="0"/>
+      </a:lnRef>
+      <a:fillRef idx="3">
+        <a:scrgbClr r="0" g="0" b="0"/>
+      </a:fillRef>
+      <a:effectRef idx="2">
+        <a:scrgbClr r="0" g="0" b="0"/>
+      </a:effectRef>
+      <a:fontRef idx="minor">
+        <a:schemeClr val="lt1"/>
+      </a:fontRef>
+    </dgm:style>
+  </dgm:styleLbl>
+  <dgm:styleLbl name="sibTrans1D1">
+    <dgm:scene3d>
+      <a:camera prst="orthographicFront"/>
+      <a:lightRig rig="threePt" dir="t"/>
+    </dgm:scene3d>
+    <dgm:sp3d/>
+    <dgm:txPr/>
+    <dgm:style>
+      <a:lnRef idx="1">
+        <a:scrgbClr r="0" g="0" b="0"/>
+      </a:lnRef>
+      <a:fillRef idx="0">
+        <a:scrgbClr r="0" g="0" b="0"/>
+      </a:fillRef>
+      <a:effectRef idx="0">
+        <a:scrgbClr r="0" g="0" b="0"/>
+      </a:effectRef>
+      <a:fontRef idx="minor"/>
+    </dgm:style>
+  </dgm:styleLbl>
+  <dgm:styleLbl name="callout">
+    <dgm:scene3d>
+      <a:camera prst="orthographicFront"/>
+      <a:lightRig rig="threePt" dir="t"/>
+    </dgm:scene3d>
+    <dgm:sp3d/>
+    <dgm:txPr/>
+    <dgm:style>
+      <a:lnRef idx="2">
+        <a:scrgbClr r="0" g="0" b="0"/>
+      </a:lnRef>
+      <a:fillRef idx="1">
+        <a:scrgbClr r="0" g="0" b="0"/>
+      </a:fillRef>
+      <a:effectRef idx="1">
+        <a:scrgbClr r="0" g="0" b="0"/>
+      </a:effectRef>
+      <a:fontRef idx="minor"/>
+    </dgm:style>
+  </dgm:styleLbl>
+  <dgm:styleLbl name="asst0">
+    <dgm:scene3d>
+      <a:camera prst="orthographicFront"/>
+      <a:lightRig rig="threePt" dir="t"/>
+    </dgm:scene3d>
+    <dgm:sp3d/>
+    <dgm:txPr/>
+    <dgm:style>
+      <a:lnRef idx="0">
+        <a:scrgbClr r="0" g="0" b="0"/>
+      </a:lnRef>
+      <a:fillRef idx="3">
+        <a:scrgbClr r="0" g="0" b="0"/>
+      </a:fillRef>
+      <a:effectRef idx="2">
+        <a:scrgbClr r="0" g="0" b="0"/>
+      </a:effectRef>
+      <a:fontRef idx="minor">
+        <a:schemeClr val="lt1"/>
+      </a:fontRef>
+    </dgm:style>
+  </dgm:styleLbl>
+  <dgm:styleLbl name="asst1">
+    <dgm:scene3d>
+      <a:camera prst="orthographicFront"/>
+      <a:lightRig rig="threePt" dir="t"/>
+    </dgm:scene3d>
+    <dgm:sp3d/>
+    <dgm:txPr/>
+    <dgm:style>
+      <a:lnRef idx="0">
+        <a:scrgbClr r="0" g="0" b="0"/>
+      </a:lnRef>
+      <a:fillRef idx="3">
+        <a:scrgbClr r="0" g="0" b="0"/>
+      </a:fillRef>
+      <a:effectRef idx="2">
+        <a:scrgbClr r="0" g="0" b="0"/>
+      </a:effectRef>
+      <a:fontRef idx="minor">
+        <a:schemeClr val="lt1"/>
+      </a:fontRef>
+    </dgm:style>
+  </dgm:styleLbl>
+  <dgm:styleLbl name="asst2">
+    <dgm:scene3d>
+      <a:camera prst="orthographicFront"/>
+      <a:lightRig rig="threePt" dir="t"/>
+    </dgm:scene3d>
+    <dgm:sp3d/>
+    <dgm:txPr/>
+    <dgm:style>
+      <a:lnRef idx="0">
+        <a:scrgbClr r="0" g="0" b="0"/>
+      </a:lnRef>
+      <a:fillRef idx="3">
+        <a:scrgbClr r="0" g="0" b="0"/>
+      </a:fillRef>
+      <a:effectRef idx="2">
+        <a:scrgbClr r="0" g="0" b="0"/>
+      </a:effectRef>
+      <a:fontRef idx="minor">
+        <a:schemeClr val="lt1"/>
+      </a:fontRef>
+    </dgm:style>
+  </dgm:styleLbl>
+  <dgm:styleLbl name="asst3">
+    <dgm:scene3d>
+      <a:camera prst="orthographicFront"/>
+      <a:lightRig rig="threePt" dir="t"/>
+    </dgm:scene3d>
+    <dgm:sp3d/>
+    <dgm:txPr/>
+    <dgm:style>
+      <a:lnRef idx="0">
+        <a:scrgbClr r="0" g="0" b="0"/>
+      </a:lnRef>
+      <a:fillRef idx="3">
+        <a:scrgbClr r="0" g="0" b="0"/>
+      </a:fillRef>
+      <a:effectRef idx="2">
+        <a:scrgbClr r="0" g="0" b="0"/>
+      </a:effectRef>
+      <a:fontRef idx="minor">
+        <a:schemeClr val="lt1"/>
+      </a:fontRef>
+    </dgm:style>
+  </dgm:styleLbl>
+  <dgm:styleLbl name="asst4">
+    <dgm:scene3d>
+      <a:camera prst="orthographicFront"/>
+      <a:lightRig rig="threePt" dir="t"/>
+    </dgm:scene3d>
+    <dgm:sp3d/>
+    <dgm:txPr/>
+    <dgm:style>
+      <a:lnRef idx="0">
+        <a:scrgbClr r="0" g="0" b="0"/>
+      </a:lnRef>
+      <a:fillRef idx="3">
+        <a:scrgbClr r="0" g="0" b="0"/>
+      </a:fillRef>
+      <a:effectRef idx="2">
+        <a:scrgbClr r="0" g="0" b="0"/>
+      </a:effectRef>
+      <a:fontRef idx="minor">
+        <a:schemeClr val="lt1"/>
+      </a:fontRef>
+    </dgm:style>
+  </dgm:styleLbl>
+  <dgm:styleLbl name="parChTrans2D1">
+    <dgm:scene3d>
+      <a:camera prst="orthographicFront"/>
+      <a:lightRig rig="threePt" dir="t"/>
+    </dgm:scene3d>
+    <dgm:sp3d/>
+    <dgm:txPr/>
+    <dgm:style>
+      <a:lnRef idx="0">
+        <a:scrgbClr r="0" g="0" b="0"/>
+      </a:lnRef>
+      <a:fillRef idx="3">
+        <a:scrgbClr r="0" g="0" b="0"/>
+      </a:fillRef>
+      <a:effectRef idx="2">
+        <a:scrgbClr r="0" g="0" b="0"/>
+      </a:effectRef>
+      <a:fontRef idx="minor">
+        <a:schemeClr val="lt1"/>
+      </a:fontRef>
+    </dgm:style>
+  </dgm:styleLbl>
+  <dgm:styleLbl name="parChTrans2D2">
+    <dgm:scene3d>
+      <a:camera prst="orthographicFront"/>
+      <a:lightRig rig="threePt" dir="t"/>
+    </dgm:scene3d>
+    <dgm:sp3d/>
+    <dgm:txPr/>
+    <dgm:style>
+      <a:lnRef idx="0">
+        <a:scrgbClr r="0" g="0" b="0"/>
+      </a:lnRef>
+      <a:fillRef idx="3">
+        <a:scrgbClr r="0" g="0" b="0"/>
+      </a:fillRef>
+      <a:effectRef idx="2">
+        <a:scrgbClr r="0" g="0" b="0"/>
+      </a:effectRef>
+      <a:fontRef idx="minor">
+        <a:schemeClr val="lt1"/>
+      </a:fontRef>
+    </dgm:style>
+  </dgm:styleLbl>
+  <dgm:styleLbl name="parChTrans2D3">
+    <dgm:scene3d>
+      <a:camera prst="orthographicFront"/>
+      <a:lightRig rig="threePt" dir="t"/>
+    </dgm:scene3d>
+    <dgm:sp3d/>
+    <dgm:txPr/>
+    <dgm:style>
+      <a:lnRef idx="1">
+        <a:scrgbClr r="0" g="0" b="0"/>
+      </a:lnRef>
+      <a:fillRef idx="3">
+        <a:scrgbClr r="0" g="0" b="0"/>
+      </a:fillRef>
+      <a:effectRef idx="2">
+        <a:scrgbClr r="0" g="0" b="0"/>
+      </a:effectRef>
+      <a:fontRef idx="minor">
+        <a:schemeClr val="lt1"/>
+      </a:fontRef>
+    </dgm:style>
+  </dgm:styleLbl>
+  <dgm:styleLbl name="parChTrans2D4">
+    <dgm:scene3d>
+      <a:camera prst="orthographicFront"/>
+      <a:lightRig rig="threePt" dir="t"/>
+    </dgm:scene3d>
+    <dgm:sp3d/>
+    <dgm:txPr/>
+    <dgm:style>
+      <a:lnRef idx="1">
+        <a:scrgbClr r="0" g="0" b="0"/>
+      </a:lnRef>
+      <a:fillRef idx="3">
+        <a:scrgbClr r="0" g="0" b="0"/>
+      </a:fillRef>
+      <a:effectRef idx="2">
+        <a:scrgbClr r="0" g="0" b="0"/>
+      </a:effectRef>
+      <a:fontRef idx="minor">
+        <a:schemeClr val="lt1"/>
+      </a:fontRef>
+    </dgm:style>
+  </dgm:styleLbl>
+  <dgm:styleLbl name="parChTrans1D1">
+    <dgm:scene3d>
+      <a:camera prst="orthographicFront"/>
+      <a:lightRig rig="threePt" dir="t"/>
+    </dgm:scene3d>
+    <dgm:sp3d/>
+    <dgm:txPr/>
+    <dgm:style>
+      <a:lnRef idx="1">
+        <a:scrgbClr r="0" g="0" b="0"/>
+      </a:lnRef>
+      <a:fillRef idx="0">
+        <a:scrgbClr r="0" g="0" b="0"/>
+      </a:fillRef>
+      <a:effectRef idx="0">
+        <a:scrgbClr r="0" g="0" b="0"/>
+      </a:effectRef>
+      <a:fontRef idx="minor"/>
+    </dgm:style>
+  </dgm:styleLbl>
+  <dgm:styleLbl name="parChTrans1D2">
+    <dgm:scene3d>
+      <a:camera prst="orthographicFront"/>
+      <a:lightRig rig="threePt" dir="t"/>
+    </dgm:scene3d>
+    <dgm:sp3d/>
+    <dgm:txPr/>
+    <dgm:style>
+      <a:lnRef idx="1">
+        <a:scrgbClr r="0" g="0" b="0"/>
+      </a:lnRef>
+      <a:fillRef idx="0">
+        <a:scrgbClr r="0" g="0" b="0"/>
+      </a:fillRef>
+      <a:effectRef idx="0">
+        <a:scrgbClr r="0" g="0" b="0"/>
+      </a:effectRef>
+      <a:fontRef idx="minor"/>
+    </dgm:style>
+  </dgm:styleLbl>
+  <dgm:styleLbl name="parChTrans1D3">
+    <dgm:scene3d>
+      <a:camera prst="orthographicFront"/>
+      <a:lightRig rig="threePt" dir="t"/>
+    </dgm:scene3d>
+    <dgm:sp3d/>
+    <dgm:txPr/>
+    <dgm:style>
+      <a:lnRef idx="1">
+        <a:scrgbClr r="0" g="0" b="0"/>
+      </a:lnRef>
+      <a:fillRef idx="0">
+        <a:scrgbClr r="0" g="0" b="0"/>
+      </a:fillRef>
+      <a:effectRef idx="0">
+        <a:scrgbClr r="0" g="0" b="0"/>
+      </a:effectRef>
+      <a:fontRef idx="minor"/>
+    </dgm:style>
+  </dgm:styleLbl>
+  <dgm:styleLbl name="parChTrans1D4">
+    <dgm:scene3d>
+      <a:camera prst="orthographicFront"/>
+      <a:lightRig rig="threePt" dir="t"/>
+    </dgm:scene3d>
+    <dgm:sp3d/>
+    <dgm:txPr/>
+    <dgm:style>
+      <a:lnRef idx="1">
+        <a:scrgbClr r="0" g="0" b="0"/>
+      </a:lnRef>
+      <a:fillRef idx="0">
+        <a:scrgbClr r="0" g="0" b="0"/>
+      </a:fillRef>
+      <a:effectRef idx="0">
+        <a:scrgbClr r="0" g="0" b="0"/>
+      </a:effectRef>
+      <a:fontRef idx="minor"/>
+    </dgm:style>
+  </dgm:styleLbl>
+  <dgm:styleLbl name="fgAcc1">
+    <dgm:scene3d>
+      <a:camera prst="orthographicFront"/>
+      <a:lightRig rig="threePt" dir="t"/>
+    </dgm:scene3d>
+    <dgm:sp3d/>
+    <dgm:txPr/>
+    <dgm:style>
+      <a:lnRef idx="1">
+        <a:scrgbClr r="0" g="0" b="0"/>
+      </a:lnRef>
+      <a:fillRef idx="1">
+        <a:scrgbClr r="0" g="0" b="0"/>
+      </a:fillRef>
+      <a:effectRef idx="0">
+        <a:scrgbClr r="0" g="0" b="0"/>
+      </a:effectRef>
+      <a:fontRef idx="minor"/>
+    </dgm:style>
+  </dgm:styleLbl>
+  <dgm:styleLbl name="conFgAcc1">
+    <dgm:scene3d>
+      <a:camera prst="orthographicFront"/>
+      <a:lightRig rig="threePt" dir="t"/>
+    </dgm:scene3d>
+    <dgm:sp3d/>
+    <dgm:txPr/>
+    <dgm:style>
+      <a:lnRef idx="1">
+        <a:scrgbClr r="0" g="0" b="0"/>
+      </a:lnRef>
+      <a:fillRef idx="1">
+        <a:scrgbClr r="0" g="0" b="0"/>
+      </a:fillRef>
+      <a:effectRef idx="0">
+        <a:scrgbClr r="0" g="0" b="0"/>
+      </a:effectRef>
+      <a:fontRef idx="minor"/>
+    </dgm:style>
+  </dgm:styleLbl>
+  <dgm:styleLbl name="alignAcc1">
+    <dgm:scene3d>
+      <a:camera prst="orthographicFront"/>
+      <a:lightRig rig="threePt" dir="t"/>
+    </dgm:scene3d>
+    <dgm:sp3d/>
+    <dgm:txPr/>
+    <dgm:style>
+      <a:lnRef idx="1">
+        <a:scrgbClr r="0" g="0" b="0"/>
+      </a:lnRef>
+      <a:fillRef idx="1">
+        <a:scrgbClr r="0" g="0" b="0"/>
+      </a:fillRef>
+      <a:effectRef idx="0">
+        <a:scrgbClr r="0" g="0" b="0"/>
+      </a:effectRef>
+      <a:fontRef idx="minor"/>
+    </dgm:style>
+  </dgm:styleLbl>
+  <dgm:styleLbl name="trAlignAcc1">
+    <dgm:scene3d>
+      <a:camera prst="orthographicFront"/>
+      <a:lightRig rig="threePt" dir="t"/>
+    </dgm:scene3d>
+    <dgm:sp3d/>
+    <dgm:txPr/>
+    <dgm:style>
+      <a:lnRef idx="1">
+        <a:scrgbClr r="0" g="0" b="0"/>
+      </a:lnRef>
+      <a:fillRef idx="1">
+        <a:scrgbClr r="0" g="0" b="0"/>
+      </a:fillRef>
+      <a:effectRef idx="0">
+        <a:scrgbClr r="0" g="0" b="0"/>
+      </a:effectRef>
+      <a:fontRef idx="minor"/>
+    </dgm:style>
+  </dgm:styleLbl>
+  <dgm:styleLbl name="bgAcc1">
+    <dgm:scene3d>
+      <a:camera prst="orthographicFront"/>
+      <a:lightRig rig="threePt" dir="t"/>
+    </dgm:scene3d>
+    <dgm:sp3d/>
+    <dgm:txPr/>
+    <dgm:style>
+      <a:lnRef idx="1">
+        <a:scrgbClr r="0" g="0" b="0"/>
+      </a:lnRef>
+      <a:fillRef idx="1">
+        <a:scrgbClr r="0" g="0" b="0"/>
+      </a:fillRef>
+      <a:effectRef idx="0">
+        <a:scrgbClr r="0" g="0" b="0"/>
+      </a:effectRef>
+      <a:fontRef idx="minor"/>
+    </dgm:style>
+  </dgm:styleLbl>
+  <dgm:styleLbl name="solidFgAcc1">
+    <dgm:scene3d>
+      <a:camera prst="orthographicFront"/>
+      <a:lightRig rig="threePt" dir="t"/>
+    </dgm:scene3d>
+    <dgm:sp3d/>
+    <dgm:txPr/>
+    <dgm:style>
+      <a:lnRef idx="1">
+        <a:scrgbClr r="0" g="0" b="0"/>
+      </a:lnRef>
+      <a:fillRef idx="1">
+        <a:scrgbClr r="0" g="0" b="0"/>
+      </a:fillRef>
+      <a:effectRef idx="0">
+        <a:scrgbClr r="0" g="0" b="0"/>
+      </a:effectRef>
+      <a:fontRef idx="minor"/>
+    </dgm:style>
+  </dgm:styleLbl>
+  <dgm:styleLbl name="solidAlignAcc1">
+    <dgm:scene3d>
+      <a:camera prst="orthographicFront"/>
+      <a:lightRig rig="threePt" dir="t"/>
+    </dgm:scene3d>
+    <dgm:sp3d/>
+    <dgm:txPr/>
+    <dgm:style>
+      <a:lnRef idx="1">
+        <a:scrgbClr r="0" g="0" b="0"/>
+      </a:lnRef>
+      <a:fillRef idx="1">
+        <a:scrgbClr r="0" g="0" b="0"/>
+      </a:fillRef>
+      <a:effectRef idx="0">
+        <a:scrgbClr r="0" g="0" b="0"/>
+      </a:effectRef>
+      <a:fontRef idx="minor"/>
+    </dgm:style>
+  </dgm:styleLbl>
+  <dgm:styleLbl name="solidBgAcc1">
+    <dgm:scene3d>
+      <a:camera prst="orthographicFront"/>
+      <a:lightRig rig="threePt" dir="t"/>
+    </dgm:scene3d>
+    <dgm:sp3d/>
+    <dgm:txPr/>
+    <dgm:style>
+      <a:lnRef idx="1">
+        <a:scrgbClr r="0" g="0" b="0"/>
+      </a:lnRef>
+      <a:fillRef idx="1">
+        <a:scrgbClr r="0" g="0" b="0"/>
+      </a:fillRef>
+      <a:effectRef idx="0">
+        <a:scrgbClr r="0" g="0" b="0"/>
+      </a:effectRef>
+      <a:fontRef idx="minor"/>
+    </dgm:style>
+  </dgm:styleLbl>
+  <dgm:styleLbl name="fgAccFollowNode1">
+    <dgm:scene3d>
+      <a:camera prst="orthographicFront"/>
+      <a:lightRig rig="threePt" dir="t"/>
+    </dgm:scene3d>
+    <dgm:sp3d/>
+    <dgm:txPr/>
+    <dgm:style>
+      <a:lnRef idx="1">
+        <a:scrgbClr r="0" g="0" b="0"/>
+      </a:lnRef>
+      <a:fillRef idx="1">
+        <a:scrgbClr r="0" g="0" b="0"/>
+      </a:fillRef>
+      <a:effectRef idx="0">
+        <a:scrgbClr r="0" g="0" b="0"/>
+      </a:effectRef>
+      <a:fontRef idx="minor"/>
+    </dgm:style>
+  </dgm:styleLbl>
+  <dgm:styleLbl name="alignAccFollowNode1">
+    <dgm:scene3d>
+      <a:camera prst="orthographicFront"/>
+      <a:lightRig rig="threePt" dir="t"/>
+    </dgm:scene3d>
+    <dgm:sp3d/>
+    <dgm:txPr/>
+    <dgm:style>
+      <a:lnRef idx="1">
+        <a:scrgbClr r="0" g="0" b="0"/>
+      </a:lnRef>
+      <a:fillRef idx="1">
+        <a:scrgbClr r="0" g="0" b="0"/>
+      </a:fillRef>
+      <a:effectRef idx="0">
+        <a:scrgbClr r="0" g="0" b="0"/>
+      </a:effectRef>
+      <a:fontRef idx="minor"/>
+    </dgm:style>
+  </dgm:styleLbl>
+  <dgm:styleLbl name="bgAccFollowNode1">
+    <dgm:scene3d>
+      <a:camera prst="orthographicFront"/>
+      <a:lightRig rig="threePt" dir="t"/>
+    </dgm:scene3d>
+    <dgm:sp3d/>
+    <dgm:txPr/>
+    <dgm:style>
+      <a:lnRef idx="1">
+        <a:scrgbClr r="0" g="0" b="0"/>
+      </a:lnRef>
+      <a:fillRef idx="1">
+        <a:scrgbClr r="0" g="0" b="0"/>
+      </a:fillRef>
+      <a:effectRef idx="0">
+        <a:scrgbClr r="0" g="0" b="0"/>
+      </a:effectRef>
+      <a:fontRef idx="minor"/>
+    </dgm:style>
+  </dgm:styleLbl>
+  <dgm:styleLbl name="fgAcc0">
+    <dgm:scene3d>
+      <a:camera prst="orthographicFront"/>
+      <a:lightRig rig="threePt" dir="t"/>
+    </dgm:scene3d>
+    <dgm:sp3d/>
+    <dgm:txPr/>
+    <dgm:style>
+      <a:lnRef idx="1">
+        <a:scrgbClr r="0" g="0" b="0"/>
+      </a:lnRef>
+      <a:fillRef idx="1">
+        <a:scrgbClr r="0" g="0" b="0"/>
+      </a:fillRef>
+      <a:effectRef idx="0">
+        <a:scrgbClr r="0" g="0" b="0"/>
+      </a:effectRef>
+      <a:fontRef idx="minor"/>
+    </dgm:style>
+  </dgm:styleLbl>
+  <dgm:styleLbl name="fgAcc2">
+    <dgm:scene3d>
+      <a:camera prst="orthographicFront"/>
+      <a:lightRig rig="threePt" dir="t"/>
+    </dgm:scene3d>
+    <dgm:sp3d/>
+    <dgm:txPr/>
+    <dgm:style>
+      <a:lnRef idx="1">
+        <a:scrgbClr r="0" g="0" b="0"/>
+      </a:lnRef>
+      <a:fillRef idx="1">
+        <a:scrgbClr r="0" g="0" b="0"/>
+      </a:fillRef>
+      <a:effectRef idx="0">
+        <a:scrgbClr r="0" g="0" b="0"/>
+      </a:effectRef>
+      <a:fontRef idx="minor"/>
+    </dgm:style>
+  </dgm:styleLbl>
+  <dgm:styleLbl name="fgAcc3">
+    <dgm:scene3d>
+      <a:camera prst="orthographicFront"/>
+      <a:lightRig rig="threePt" dir="t"/>
+    </dgm:scene3d>
+    <dgm:sp3d/>
+    <dgm:txPr/>
+    <dgm:style>
+      <a:lnRef idx="1">
+        <a:scrgbClr r="0" g="0" b="0"/>
+      </a:lnRef>
+      <a:fillRef idx="1">
+        <a:scrgbClr r="0" g="0" b="0"/>
+      </a:fillRef>
+      <a:effectRef idx="0">
+        <a:scrgbClr r="0" g="0" b="0"/>
+      </a:effectRef>
+      <a:fontRef idx="minor"/>
+    </dgm:style>
+  </dgm:styleLbl>
+  <dgm:styleLbl name="fgAcc4">
+    <dgm:scene3d>
+      <a:camera prst="orthographicFront"/>
+      <a:lightRig rig="threePt" dir="t"/>
+    </dgm:scene3d>
+    <dgm:sp3d/>
+    <dgm:txPr/>
+    <dgm:style>
+      <a:lnRef idx="1">
+        <a:scrgbClr r="0" g="0" b="0"/>
+      </a:lnRef>
+      <a:fillRef idx="1">
+        <a:scrgbClr r="0" g="0" b="0"/>
+      </a:fillRef>
+      <a:effectRef idx="0">
+        <a:scrgbClr r="0" g="0" b="0"/>
+      </a:effectRef>
+      <a:fontRef idx="minor"/>
+    </dgm:style>
+  </dgm:styleLbl>
+  <dgm:styleLbl name="bgShp">
+    <dgm:scene3d>
+      <a:camera prst="orthographicFront"/>
+      <a:lightRig rig="threePt" dir="t"/>
+    </dgm:scene3d>
+    <dgm:sp3d/>
+    <dgm:txPr/>
+    <dgm:style>
+      <a:lnRef idx="0">
+        <a:scrgbClr r="0" g="0" b="0"/>
+      </a:lnRef>
+      <a:fillRef idx="1">
+        <a:scrgbClr r="0" g="0" b="0"/>
+      </a:fillRef>
+      <a:effectRef idx="2">
+        <a:scrgbClr r="0" g="0" b="0"/>
+      </a:effectRef>
+      <a:fontRef idx="minor"/>
+    </dgm:style>
+  </dgm:styleLbl>
+  <dgm:styleLbl name="dkBgShp">
+    <dgm:scene3d>
+      <a:camera prst="orthographicFront"/>
+      <a:lightRig rig="threePt" dir="t"/>
+    </dgm:scene3d>
+    <dgm:sp3d/>
+    <dgm:txPr/>
+    <dgm:style>
+      <a:lnRef idx="0">
+        <a:scrgbClr r="0" g="0" b="0"/>
+      </a:lnRef>
+      <a:fillRef idx="1">
+        <a:scrgbClr r="0" g="0" b="0"/>
+      </a:fillRef>
+      <a:effectRef idx="2">
+        <a:scrgbClr r="0" g="0" b="0"/>
+      </a:effectRef>
+      <a:fontRef idx="minor"/>
+    </dgm:style>
+  </dgm:styleLbl>
+  <dgm:styleLbl name="trBgShp">
+    <dgm:scene3d>
+      <a:camera prst="orthographicFront"/>
+      <a:lightRig rig="threePt" dir="t"/>
+    </dgm:scene3d>
+    <dgm:sp3d/>
+    <dgm:txPr/>
+    <dgm:style>
+      <a:lnRef idx="0">
+        <a:scrgbClr r="0" g="0" b="0"/>
+      </a:lnRef>
+      <a:fillRef idx="1">
+        <a:scrgbClr r="0" g="0" b="0"/>
+      </a:fillRef>
+      <a:effectRef idx="0">
+        <a:scrgbClr r="0" g="0" b="0"/>
+      </a:effectRef>
+      <a:fontRef idx="minor"/>
+    </dgm:style>
+  </dgm:styleLbl>
+  <dgm:styleLbl name="fgShp">
+    <dgm:scene3d>
+      <a:camera prst="orthographicFront"/>
+      <a:lightRig rig="threePt" dir="t"/>
+    </dgm:scene3d>
+    <dgm:sp3d/>
+    <dgm:txPr/>
+    <dgm:style>
+      <a:lnRef idx="0">
+        <a:scrgbClr r="0" g="0" b="0"/>
+      </a:lnRef>
+      <a:fillRef idx="3">
+        <a:scrgbClr r="0" g="0" b="0"/>
+      </a:fillRef>
+      <a:effectRef idx="2">
+        <a:scrgbClr r="0" g="0" b="0"/>
+      </a:effectRef>
+      <a:fontRef idx="minor"/>
+    </dgm:style>
+  </dgm:styleLbl>
+  <dgm:styleLbl name="revTx">
+    <dgm:scene3d>
+      <a:camera prst="orthographicFront"/>
+      <a:lightRig rig="threePt" dir="t"/>
+    </dgm:scene3d>
+    <dgm:sp3d/>
+    <dgm:txPr/>
+    <dgm:style>
+      <a:lnRef idx="0">
+        <a:scrgbClr r="0" g="0" b="0"/>
+      </a:lnRef>
+      <a:fillRef idx="0">
+        <a:scrgbClr r="0" g="0" b="0"/>
+      </a:fillRef>
+      <a:effectRef idx="0">
+        <a:scrgbClr r="0" g="0" b="0"/>
+      </a:effectRef>
+      <a:fontRef idx="minor"/>
+    </dgm:style>
+  </dgm:styleLbl>
+</dgm:styleDef>
+</file>
+
+<file path=ppt/diagrams/quickStyle4.xml><?xml version="1.0" encoding="utf-8"?>
+<dgm:styleDef xmlns:dgm="http://schemas.openxmlformats.org/drawingml/2006/diagram" xmlns:a="http://schemas.openxmlformats.org/drawingml/2006/main" uniqueId="urn:microsoft.com/office/officeart/2005/8/quickstyle/simple4">
+  <dgm:title val=""/>
+  <dgm:desc val=""/>
+  <dgm:catLst>
+    <dgm:cat type="simple" pri="10400"/>
+  </dgm:catLst>
+  <dgm:scene3d>
+    <a:camera prst="orthographicFront"/>
+    <a:lightRig rig="threePt" dir="t"/>
+  </dgm:scene3d>
+  <dgm:styleLbl name="node0">
+    <dgm:scene3d>
+      <a:camera prst="orthographicFront"/>
+      <a:lightRig rig="threePt" dir="t"/>
+    </dgm:scene3d>
+    <dgm:sp3d/>
+    <dgm:txPr/>
+    <dgm:style>
+      <a:lnRef idx="0">
+        <a:scrgbClr r="0" g="0" b="0"/>
+      </a:lnRef>
+      <a:fillRef idx="3">
+        <a:scrgbClr r="0" g="0" b="0"/>
+      </a:fillRef>
+      <a:effectRef idx="2">
+        <a:scrgbClr r="0" g="0" b="0"/>
+      </a:effectRef>
+      <a:fontRef idx="minor">
+        <a:schemeClr val="lt1"/>
+      </a:fontRef>
+    </dgm:style>
+  </dgm:styleLbl>
+  <dgm:styleLbl name="lnNode1">
+    <dgm:scene3d>
+      <a:camera prst="orthographicFront"/>
+      <a:lightRig rig="threePt" dir="t"/>
+    </dgm:scene3d>
+    <dgm:sp3d/>
+    <dgm:txPr/>
+    <dgm:style>
+      <a:lnRef idx="1">
+        <a:scrgbClr r="0" g="0" b="0"/>
+      </a:lnRef>
+      <a:fillRef idx="3">
+        <a:scrgbClr r="0" g="0" b="0"/>
+      </a:fillRef>
+      <a:effectRef idx="2">
+        <a:scrgbClr r="0" g="0" b="0"/>
+      </a:effectRef>
+      <a:fontRef idx="minor">
+        <a:schemeClr val="lt1"/>
+      </a:fontRef>
+    </dgm:style>
+  </dgm:styleLbl>
+  <dgm:styleLbl name="vennNode1">
+    <dgm:scene3d>
+      <a:camera prst="orthographicFront"/>
+      <a:lightRig rig="threePt" dir="t"/>
+    </dgm:scene3d>
+    <dgm:sp3d/>
+    <dgm:txPr/>
+    <dgm:style>
+      <a:lnRef idx="0">
+        <a:scrgbClr r="0" g="0" b="0"/>
+      </a:lnRef>
+      <a:fillRef idx="3">
+        <a:scrgbClr r="0" g="0" b="0"/>
+      </a:fillRef>
+      <a:effectRef idx="0">
+        <a:scrgbClr r="0" g="0" b="0"/>
+      </a:effectRef>
+      <a:fontRef idx="minor">
+        <a:schemeClr val="tx1"/>
+      </a:fontRef>
+    </dgm:style>
+  </dgm:styleLbl>
+  <dgm:styleLbl name="alignNode1">
+    <dgm:scene3d>
+      <a:camera prst="orthographicFront"/>
+      <a:lightRig rig="threePt" dir="t"/>
+    </dgm:scene3d>
+    <dgm:sp3d/>
+    <dgm:txPr/>
+    <dgm:style>
+      <a:lnRef idx="1">
+        <a:scrgbClr r="0" g="0" b="0"/>
+      </a:lnRef>
+      <a:fillRef idx="3">
+        <a:scrgbClr r="0" g="0" b="0"/>
+      </a:fillRef>
+      <a:effectRef idx="2">
+        <a:scrgbClr r="0" g="0" b="0"/>
+      </a:effectRef>
+      <a:fontRef idx="minor">
+        <a:schemeClr val="lt1"/>
+      </a:fontRef>
+    </dgm:style>
+  </dgm:styleLbl>
+  <dgm:styleLbl name="node1">
+    <dgm:scene3d>
+      <a:camera prst="orthographicFront"/>
+      <a:lightRig rig="threePt" dir="t"/>
+    </dgm:scene3d>
+    <dgm:sp3d/>
+    <dgm:txPr/>
+    <dgm:style>
+      <a:lnRef idx="0">
+        <a:scrgbClr r="0" g="0" b="0"/>
+      </a:lnRef>
+      <a:fillRef idx="3">
+        <a:scrgbClr r="0" g="0" b="0"/>
+      </a:fillRef>
+      <a:effectRef idx="2">
+        <a:scrgbClr r="0" g="0" b="0"/>
+      </a:effectRef>
+      <a:fontRef idx="minor">
+        <a:schemeClr val="lt1"/>
+      </a:fontRef>
+    </dgm:style>
+  </dgm:styleLbl>
+  <dgm:styleLbl name="node2">
+    <dgm:scene3d>
+      <a:camera prst="orthographicFront"/>
+      <a:lightRig rig="threePt" dir="t"/>
+    </dgm:scene3d>
+    <dgm:sp3d/>
+    <dgm:txPr/>
+    <dgm:style>
+      <a:lnRef idx="0">
+        <a:scrgbClr r="0" g="0" b="0"/>
+      </a:lnRef>
+      <a:fillRef idx="3">
+        <a:scrgbClr r="0" g="0" b="0"/>
+      </a:fillRef>
+      <a:effectRef idx="2">
+        <a:scrgbClr r="0" g="0" b="0"/>
+      </a:effectRef>
+      <a:fontRef idx="minor">
+        <a:schemeClr val="lt1"/>
+      </a:fontRef>
+    </dgm:style>
+  </dgm:styleLbl>
+  <dgm:styleLbl name="node3">
+    <dgm:scene3d>
+      <a:camera prst="orthographicFront"/>
+      <a:lightRig rig="threePt" dir="t"/>
+    </dgm:scene3d>
+    <dgm:sp3d/>
+    <dgm:txPr/>
+    <dgm:style>
+      <a:lnRef idx="0">
+        <a:scrgbClr r="0" g="0" b="0"/>
+      </a:lnRef>
+      <a:fillRef idx="3">
+        <a:scrgbClr r="0" g="0" b="0"/>
+      </a:fillRef>
+      <a:effectRef idx="2">
+        <a:scrgbClr r="0" g="0" b="0"/>
+      </a:effectRef>
+      <a:fontRef idx="minor">
+        <a:schemeClr val="lt1"/>
+      </a:fontRef>
+    </dgm:style>
+  </dgm:styleLbl>
+  <dgm:styleLbl name="node4">
+    <dgm:scene3d>
+      <a:camera prst="orthographicFront"/>
+      <a:lightRig rig="threePt" dir="t"/>
+    </dgm:scene3d>
+    <dgm:sp3d/>
+    <dgm:txPr/>
+    <dgm:style>
+      <a:lnRef idx="0">
+        <a:scrgbClr r="0" g="0" b="0"/>
+      </a:lnRef>
+      <a:fillRef idx="3">
+        <a:scrgbClr r="0" g="0" b="0"/>
+      </a:fillRef>
+      <a:effectRef idx="2">
+        <a:scrgbClr r="0" g="0" b="0"/>
+      </a:effectRef>
+      <a:fontRef idx="minor">
+        <a:schemeClr val="lt1"/>
+      </a:fontRef>
+    </dgm:style>
+  </dgm:styleLbl>
+  <dgm:styleLbl name="fgImgPlace1">
+    <dgm:scene3d>
+      <a:camera prst="orthographicFront"/>
+      <a:lightRig rig="threePt" dir="t"/>
+    </dgm:scene3d>
+    <dgm:sp3d/>
+    <dgm:txPr/>
+    <dgm:style>
+      <a:lnRef idx="0">
+        <a:scrgbClr r="0" g="0" b="0"/>
+      </a:lnRef>
+      <a:fillRef idx="1">
+        <a:scrgbClr r="0" g="0" b="0"/>
+      </a:fillRef>
+      <a:effectRef idx="2">
+        <a:scrgbClr r="0" g="0" b="0"/>
+      </a:effectRef>
+      <a:fontRef idx="minor"/>
+    </dgm:style>
+  </dgm:styleLbl>
+  <dgm:styleLbl name="alignImgPlace1">
+    <dgm:scene3d>
+      <a:camera prst="orthographicFront"/>
+      <a:lightRig rig="threePt" dir="t"/>
+    </dgm:scene3d>
+    <dgm:sp3d/>
+    <dgm:txPr/>
+    <dgm:style>
+      <a:lnRef idx="0">
+        <a:scrgbClr r="0" g="0" b="0"/>
+      </a:lnRef>
+      <a:fillRef idx="1">
+        <a:scrgbClr r="0" g="0" b="0"/>
+      </a:fillRef>
+      <a:effectRef idx="2">
+        <a:scrgbClr r="0" g="0" b="0"/>
+      </a:effectRef>
+      <a:fontRef idx="minor"/>
+    </dgm:style>
+  </dgm:styleLbl>
+  <dgm:styleLbl name="bgImgPlace1">
+    <dgm:scene3d>
+      <a:camera prst="orthographicFront"/>
+      <a:lightRig rig="threePt" dir="t"/>
+    </dgm:scene3d>
+    <dgm:sp3d/>
+    <dgm:txPr/>
+    <dgm:style>
+      <a:lnRef idx="0">
+        <a:scrgbClr r="0" g="0" b="0"/>
+      </a:lnRef>
+      <a:fillRef idx="1">
+        <a:scrgbClr r="0" g="0" b="0"/>
+      </a:fillRef>
+      <a:effectRef idx="2">
+        <a:scrgbClr r="0" g="0" b="0"/>
+      </a:effectRef>
+      <a:fontRef idx="minor"/>
+    </dgm:style>
+  </dgm:styleLbl>
+  <dgm:styleLbl name="sibTrans2D1">
+    <dgm:scene3d>
+      <a:camera prst="orthographicFront"/>
+      <a:lightRig rig="threePt" dir="t"/>
+    </dgm:scene3d>
+    <dgm:sp3d/>
+    <dgm:txPr/>
+    <dgm:style>
+      <a:lnRef idx="0">
+        <a:scrgbClr r="0" g="0" b="0"/>
+      </a:lnRef>
+      <a:fillRef idx="3">
+        <a:scrgbClr r="0" g="0" b="0"/>
+      </a:fillRef>
+      <a:effectRef idx="2">
+        <a:scrgbClr r="0" g="0" b="0"/>
+      </a:effectRef>
+      <a:fontRef idx="minor">
+        <a:schemeClr val="lt1"/>
+      </a:fontRef>
+    </dgm:style>
+  </dgm:styleLbl>
+  <dgm:styleLbl name="fgSibTrans2D1">
+    <dgm:scene3d>
+      <a:camera prst="orthographicFront"/>
+      <a:lightRig rig="threePt" dir="t"/>
+    </dgm:scene3d>
+    <dgm:sp3d/>
+    <dgm:txPr/>
+    <dgm:style>
+      <a:lnRef idx="0">
+        <a:scrgbClr r="0" g="0" b="0"/>
+      </a:lnRef>
+      <a:fillRef idx="3">
+        <a:scrgbClr r="0" g="0" b="0"/>
+      </a:fillRef>
+      <a:effectRef idx="2">
+        <a:scrgbClr r="0" g="0" b="0"/>
+      </a:effectRef>
+      <a:fontRef idx="minor">
+        <a:schemeClr val="lt1"/>
+      </a:fontRef>
+    </dgm:style>
+  </dgm:styleLbl>
+  <dgm:styleLbl name="bgSibTrans2D1">
+    <dgm:scene3d>
+      <a:camera prst="orthographicFront"/>
+      <a:lightRig rig="threePt" dir="t"/>
+    </dgm:scene3d>
+    <dgm:sp3d/>
+    <dgm:txPr/>
+    <dgm:style>
+      <a:lnRef idx="0">
+        <a:scrgbClr r="0" g="0" b="0"/>
+      </a:lnRef>
+      <a:fillRef idx="3">
+        <a:scrgbClr r="0" g="0" b="0"/>
+      </a:fillRef>
+      <a:effectRef idx="2">
+        <a:scrgbClr r="0" g="0" b="0"/>
+      </a:effectRef>
+      <a:fontRef idx="minor">
+        <a:schemeClr val="lt1"/>
+      </a:fontRef>
+    </dgm:style>
+  </dgm:styleLbl>
+  <dgm:styleLbl name="sibTrans1D1">
+    <dgm:scene3d>
+      <a:camera prst="orthographicFront"/>
+      <a:lightRig rig="threePt" dir="t"/>
+    </dgm:scene3d>
+    <dgm:sp3d/>
+    <dgm:txPr/>
+    <dgm:style>
+      <a:lnRef idx="1">
+        <a:scrgbClr r="0" g="0" b="0"/>
+      </a:lnRef>
+      <a:fillRef idx="0">
+        <a:scrgbClr r="0" g="0" b="0"/>
+      </a:fillRef>
+      <a:effectRef idx="0">
+        <a:scrgbClr r="0" g="0" b="0"/>
+      </a:effectRef>
+      <a:fontRef idx="minor"/>
+    </dgm:style>
+  </dgm:styleLbl>
+  <dgm:styleLbl name="callout">
+    <dgm:scene3d>
+      <a:camera prst="orthographicFront"/>
+      <a:lightRig rig="threePt" dir="t"/>
+    </dgm:scene3d>
+    <dgm:sp3d/>
+    <dgm:txPr/>
+    <dgm:style>
+      <a:lnRef idx="2">
+        <a:scrgbClr r="0" g="0" b="0"/>
+      </a:lnRef>
+      <a:fillRef idx="1">
+        <a:scrgbClr r="0" g="0" b="0"/>
+      </a:fillRef>
+      <a:effectRef idx="1">
+        <a:scrgbClr r="0" g="0" b="0"/>
+      </a:effectRef>
+      <a:fontRef idx="minor"/>
+    </dgm:style>
+  </dgm:styleLbl>
+  <dgm:styleLbl name="asst0">
+    <dgm:scene3d>
+      <a:camera prst="orthographicFront"/>
+      <a:lightRig rig="threePt" dir="t"/>
+    </dgm:scene3d>
+    <dgm:sp3d/>
+    <dgm:txPr/>
+    <dgm:style>
+      <a:lnRef idx="0">
+        <a:scrgbClr r="0" g="0" b="0"/>
+      </a:lnRef>
+      <a:fillRef idx="3">
+        <a:scrgbClr r="0" g="0" b="0"/>
+      </a:fillRef>
+      <a:effectRef idx="2">
+        <a:scrgbClr r="0" g="0" b="0"/>
+      </a:effectRef>
+      <a:fontRef idx="minor">
+        <a:schemeClr val="lt1"/>
+      </a:fontRef>
+    </dgm:style>
+  </dgm:styleLbl>
+  <dgm:styleLbl name="asst1">
+    <dgm:scene3d>
+      <a:camera prst="orthographicFront"/>
+      <a:lightRig rig="threePt" dir="t"/>
+    </dgm:scene3d>
+    <dgm:sp3d/>
+    <dgm:txPr/>
+    <dgm:style>
+      <a:lnRef idx="0">
+        <a:scrgbClr r="0" g="0" b="0"/>
+      </a:lnRef>
+      <a:fillRef idx="3">
+        <a:scrgbClr r="0" g="0" b="0"/>
+      </a:fillRef>
+      <a:effectRef idx="2">
+        <a:scrgbClr r="0" g="0" b="0"/>
+      </a:effectRef>
+      <a:fontRef idx="minor">
+        <a:schemeClr val="lt1"/>
+      </a:fontRef>
+    </dgm:style>
+  </dgm:styleLbl>
+  <dgm:styleLbl name="asst2">
+    <dgm:scene3d>
+      <a:camera prst="orthographicFront"/>
+      <a:lightRig rig="threePt" dir="t"/>
+    </dgm:scene3d>
+    <dgm:sp3d/>
+    <dgm:txPr/>
+    <dgm:style>
+      <a:lnRef idx="0">
+        <a:scrgbClr r="0" g="0" b="0"/>
+      </a:lnRef>
+      <a:fillRef idx="3">
+        <a:scrgbClr r="0" g="0" b="0"/>
+      </a:fillRef>
+      <a:effectRef idx="2">
+        <a:scrgbClr r="0" g="0" b="0"/>
+      </a:effectRef>
+      <a:fontRef idx="minor">
+        <a:schemeClr val="lt1"/>
+      </a:fontRef>
+    </dgm:style>
+  </dgm:styleLbl>
+  <dgm:styleLbl name="asst3">
+    <dgm:scene3d>
+      <a:camera prst="orthographicFront"/>
+      <a:lightRig rig="threePt" dir="t"/>
+    </dgm:scene3d>
+    <dgm:sp3d/>
+    <dgm:txPr/>
+    <dgm:style>
+      <a:lnRef idx="0">
+        <a:scrgbClr r="0" g="0" b="0"/>
+      </a:lnRef>
+      <a:fillRef idx="3">
+        <a:scrgbClr r="0" g="0" b="0"/>
+      </a:fillRef>
+      <a:effectRef idx="2">
+        <a:scrgbClr r="0" g="0" b="0"/>
+      </a:effectRef>
+      <a:fontRef idx="minor">
+        <a:schemeClr val="lt1"/>
+      </a:fontRef>
+    </dgm:style>
+  </dgm:styleLbl>
+  <dgm:styleLbl name="asst4">
+    <dgm:scene3d>
+      <a:camera prst="orthographicFront"/>
+      <a:lightRig rig="threePt" dir="t"/>
+    </dgm:scene3d>
+    <dgm:sp3d/>
+    <dgm:txPr/>
+    <dgm:style>
+      <a:lnRef idx="0">
+        <a:scrgbClr r="0" g="0" b="0"/>
+      </a:lnRef>
+      <a:fillRef idx="3">
+        <a:scrgbClr r="0" g="0" b="0"/>
+      </a:fillRef>
+      <a:effectRef idx="2">
+        <a:scrgbClr r="0" g="0" b="0"/>
+      </a:effectRef>
+      <a:fontRef idx="minor">
+        <a:schemeClr val="lt1"/>
+      </a:fontRef>
+    </dgm:style>
+  </dgm:styleLbl>
+  <dgm:styleLbl name="parChTrans2D1">
+    <dgm:scene3d>
+      <a:camera prst="orthographicFront"/>
+      <a:lightRig rig="threePt" dir="t"/>
+    </dgm:scene3d>
+    <dgm:sp3d/>
+    <dgm:txPr/>
+    <dgm:style>
+      <a:lnRef idx="0">
+        <a:scrgbClr r="0" g="0" b="0"/>
+      </a:lnRef>
+      <a:fillRef idx="3">
+        <a:scrgbClr r="0" g="0" b="0"/>
+      </a:fillRef>
+      <a:effectRef idx="2">
+        <a:scrgbClr r="0" g="0" b="0"/>
+      </a:effectRef>
+      <a:fontRef idx="minor">
+        <a:schemeClr val="lt1"/>
+      </a:fontRef>
+    </dgm:style>
+  </dgm:styleLbl>
+  <dgm:styleLbl name="parChTrans2D2">
+    <dgm:scene3d>
+      <a:camera prst="orthographicFront"/>
+      <a:lightRig rig="threePt" dir="t"/>
+    </dgm:scene3d>
+    <dgm:sp3d/>
+    <dgm:txPr/>
+    <dgm:style>
+      <a:lnRef idx="0">
+        <a:scrgbClr r="0" g="0" b="0"/>
+      </a:lnRef>
+      <a:fillRef idx="3">
+        <a:scrgbClr r="0" g="0" b="0"/>
+      </a:fillRef>
+      <a:effectRef idx="2">
+        <a:scrgbClr r="0" g="0" b="0"/>
+      </a:effectRef>
+      <a:fontRef idx="minor">
+        <a:schemeClr val="lt1"/>
+      </a:fontRef>
+    </dgm:style>
+  </dgm:styleLbl>
+  <dgm:styleLbl name="parChTrans2D3">
+    <dgm:scene3d>
+      <a:camera prst="orthographicFront"/>
+      <a:lightRig rig="threePt" dir="t"/>
+    </dgm:scene3d>
+    <dgm:sp3d/>
+    <dgm:txPr/>
+    <dgm:style>
+      <a:lnRef idx="1">
+        <a:scrgbClr r="0" g="0" b="0"/>
+      </a:lnRef>
+      <a:fillRef idx="3">
+        <a:scrgbClr r="0" g="0" b="0"/>
+      </a:fillRef>
+      <a:effectRef idx="2">
+        <a:scrgbClr r="0" g="0" b="0"/>
+      </a:effectRef>
+      <a:fontRef idx="minor">
+        <a:schemeClr val="lt1"/>
+      </a:fontRef>
+    </dgm:style>
+  </dgm:styleLbl>
+  <dgm:styleLbl name="parChTrans2D4">
+    <dgm:scene3d>
+      <a:camera prst="orthographicFront"/>
+      <a:lightRig rig="threePt" dir="t"/>
+    </dgm:scene3d>
+    <dgm:sp3d/>
+    <dgm:txPr/>
+    <dgm:style>
+      <a:lnRef idx="1">
+        <a:scrgbClr r="0" g="0" b="0"/>
+      </a:lnRef>
+      <a:fillRef idx="3">
+        <a:scrgbClr r="0" g="0" b="0"/>
+      </a:fillRef>
+      <a:effectRef idx="2">
+        <a:scrgbClr r="0" g="0" b="0"/>
+      </a:effectRef>
+      <a:fontRef idx="minor">
+        <a:schemeClr val="lt1"/>
+      </a:fontRef>
+    </dgm:style>
+  </dgm:styleLbl>
+  <dgm:styleLbl name="parChTrans1D1">
+    <dgm:scene3d>
+      <a:camera prst="orthographicFront"/>
+      <a:lightRig rig="threePt" dir="t"/>
+    </dgm:scene3d>
+    <dgm:sp3d/>
+    <dgm:txPr/>
+    <dgm:style>
+      <a:lnRef idx="1">
+        <a:scrgbClr r="0" g="0" b="0"/>
+      </a:lnRef>
+      <a:fillRef idx="0">
+        <a:scrgbClr r="0" g="0" b="0"/>
+      </a:fillRef>
+      <a:effectRef idx="0">
+        <a:scrgbClr r="0" g="0" b="0"/>
+      </a:effectRef>
+      <a:fontRef idx="minor"/>
+    </dgm:style>
+  </dgm:styleLbl>
+  <dgm:styleLbl name="parChTrans1D2">
+    <dgm:scene3d>
+      <a:camera prst="orthographicFront"/>
+      <a:lightRig rig="threePt" dir="t"/>
+    </dgm:scene3d>
+    <dgm:sp3d/>
+    <dgm:txPr/>
+    <dgm:style>
+      <a:lnRef idx="1">
+        <a:scrgbClr r="0" g="0" b="0"/>
+      </a:lnRef>
+      <a:fillRef idx="0">
+        <a:scrgbClr r="0" g="0" b="0"/>
+      </a:fillRef>
+      <a:effectRef idx="0">
+        <a:scrgbClr r="0" g="0" b="0"/>
+      </a:effectRef>
+      <a:fontRef idx="minor"/>
+    </dgm:style>
+  </dgm:styleLbl>
+  <dgm:styleLbl name="parChTrans1D3">
+    <dgm:scene3d>
+      <a:camera prst="orthographicFront"/>
+      <a:lightRig rig="threePt" dir="t"/>
+    </dgm:scene3d>
+    <dgm:sp3d/>
+    <dgm:txPr/>
+    <dgm:style>
+      <a:lnRef idx="1">
+        <a:scrgbClr r="0" g="0" b="0"/>
+      </a:lnRef>
+      <a:fillRef idx="0">
+        <a:scrgbClr r="0" g="0" b="0"/>
+      </a:fillRef>
+      <a:effectRef idx="0">
+        <a:scrgbClr r="0" g="0" b="0"/>
+      </a:effectRef>
+      <a:fontRef idx="minor"/>
+    </dgm:style>
+  </dgm:styleLbl>
+  <dgm:styleLbl name="parChTrans1D4">
+    <dgm:scene3d>
+      <a:camera prst="orthographicFront"/>
+      <a:lightRig rig="threePt" dir="t"/>
+    </dgm:scene3d>
+    <dgm:sp3d/>
+    <dgm:txPr/>
+    <dgm:style>
+      <a:lnRef idx="1">
+        <a:scrgbClr r="0" g="0" b="0"/>
+      </a:lnRef>
+      <a:fillRef idx="0">
+        <a:scrgbClr r="0" g="0" b="0"/>
+      </a:fillRef>
+      <a:effectRef idx="0">
+        <a:scrgbClr r="0" g="0" b="0"/>
+      </a:effectRef>
+      <a:fontRef idx="minor"/>
+    </dgm:style>
+  </dgm:styleLbl>
+  <dgm:styleLbl name="fgAcc1">
+    <dgm:scene3d>
+      <a:camera prst="orthographicFront"/>
+      <a:lightRig rig="threePt" dir="t"/>
+    </dgm:scene3d>
+    <dgm:sp3d/>
+    <dgm:txPr/>
+    <dgm:style>
+      <a:lnRef idx="1">
+        <a:scrgbClr r="0" g="0" b="0"/>
+      </a:lnRef>
+      <a:fillRef idx="1">
+        <a:scrgbClr r="0" g="0" b="0"/>
+      </a:fillRef>
+      <a:effectRef idx="0">
+        <a:scrgbClr r="0" g="0" b="0"/>
+      </a:effectRef>
+      <a:fontRef idx="minor"/>
+    </dgm:style>
+  </dgm:styleLbl>
+  <dgm:styleLbl name="conFgAcc1">
+    <dgm:scene3d>
+      <a:camera prst="orthographicFront"/>
+      <a:lightRig rig="threePt" dir="t"/>
+    </dgm:scene3d>
+    <dgm:sp3d/>
+    <dgm:txPr/>
+    <dgm:style>
+      <a:lnRef idx="1">
+        <a:scrgbClr r="0" g="0" b="0"/>
+      </a:lnRef>
+      <a:fillRef idx="1">
+        <a:scrgbClr r="0" g="0" b="0"/>
+      </a:fillRef>
+      <a:effectRef idx="0">
+        <a:scrgbClr r="0" g="0" b="0"/>
+      </a:effectRef>
+      <a:fontRef idx="minor"/>
+    </dgm:style>
+  </dgm:styleLbl>
+  <dgm:styleLbl name="alignAcc1">
+    <dgm:scene3d>
+      <a:camera prst="orthographicFront"/>
+      <a:lightRig rig="threePt" dir="t"/>
+    </dgm:scene3d>
+    <dgm:sp3d/>
+    <dgm:txPr/>
+    <dgm:style>
+      <a:lnRef idx="1">
+        <a:scrgbClr r="0" g="0" b="0"/>
+      </a:lnRef>
+      <a:fillRef idx="1">
+        <a:scrgbClr r="0" g="0" b="0"/>
+      </a:fillRef>
+      <a:effectRef idx="0">
+        <a:scrgbClr r="0" g="0" b="0"/>
+      </a:effectRef>
+      <a:fontRef idx="minor"/>
+    </dgm:style>
+  </dgm:styleLbl>
+  <dgm:styleLbl name="trAlignAcc1">
+    <dgm:scene3d>
+      <a:camera prst="orthographicFront"/>
+      <a:lightRig rig="threePt" dir="t"/>
+    </dgm:scene3d>
+    <dgm:sp3d/>
+    <dgm:txPr/>
+    <dgm:style>
+      <a:lnRef idx="1">
+        <a:scrgbClr r="0" g="0" b="0"/>
+      </a:lnRef>
+      <a:fillRef idx="1">
+        <a:scrgbClr r="0" g="0" b="0"/>
+      </a:fillRef>
+      <a:effectRef idx="0">
+        <a:scrgbClr r="0" g="0" b="0"/>
+      </a:effectRef>
+      <a:fontRef idx="minor"/>
+    </dgm:style>
+  </dgm:styleLbl>
+  <dgm:styleLbl name="bgAcc1">
+    <dgm:scene3d>
+      <a:camera prst="orthographicFront"/>
+      <a:lightRig rig="threePt" dir="t"/>
+    </dgm:scene3d>
+    <dgm:sp3d/>
+    <dgm:txPr/>
+    <dgm:style>
+      <a:lnRef idx="1">
+        <a:scrgbClr r="0" g="0" b="0"/>
+      </a:lnRef>
+      <a:fillRef idx="1">
+        <a:scrgbClr r="0" g="0" b="0"/>
+      </a:fillRef>
+      <a:effectRef idx="0">
+        <a:scrgbClr r="0" g="0" b="0"/>
+      </a:effectRef>
+      <a:fontRef idx="minor"/>
+    </dgm:style>
+  </dgm:styleLbl>
+  <dgm:styleLbl name="solidFgAcc1">
+    <dgm:scene3d>
+      <a:camera prst="orthographicFront"/>
+      <a:lightRig rig="threePt" dir="t"/>
+    </dgm:scene3d>
+    <dgm:sp3d/>
+    <dgm:txPr/>
+    <dgm:style>
+      <a:lnRef idx="1">
+        <a:scrgbClr r="0" g="0" b="0"/>
+      </a:lnRef>
+      <a:fillRef idx="1">
+        <a:scrgbClr r="0" g="0" b="0"/>
+      </a:fillRef>
+      <a:effectRef idx="0">
+        <a:scrgbClr r="0" g="0" b="0"/>
+      </a:effectRef>
+      <a:fontRef idx="minor"/>
+    </dgm:style>
+  </dgm:styleLbl>
+  <dgm:styleLbl name="solidAlignAcc1">
+    <dgm:scene3d>
+      <a:camera prst="orthographicFront"/>
+      <a:lightRig rig="threePt" dir="t"/>
+    </dgm:scene3d>
+    <dgm:sp3d/>
+    <dgm:txPr/>
+    <dgm:style>
+      <a:lnRef idx="1">
+        <a:scrgbClr r="0" g="0" b="0"/>
+      </a:lnRef>
+      <a:fillRef idx="1">
+        <a:scrgbClr r="0" g="0" b="0"/>
+      </a:fillRef>
+      <a:effectRef idx="0">
+        <a:scrgbClr r="0" g="0" b="0"/>
+      </a:effectRef>
+      <a:fontRef idx="minor"/>
+    </dgm:style>
+  </dgm:styleLbl>
+  <dgm:styleLbl name="solidBgAcc1">
+    <dgm:scene3d>
+      <a:camera prst="orthographicFront"/>
+      <a:lightRig rig="threePt" dir="t"/>
+    </dgm:scene3d>
+    <dgm:sp3d/>
+    <dgm:txPr/>
+    <dgm:style>
+      <a:lnRef idx="1">
+        <a:scrgbClr r="0" g="0" b="0"/>
+      </a:lnRef>
+      <a:fillRef idx="1">
+        <a:scrgbClr r="0" g="0" b="0"/>
+      </a:fillRef>
+      <a:effectRef idx="0">
+        <a:scrgbClr r="0" g="0" b="0"/>
+      </a:effectRef>
+      <a:fontRef idx="minor"/>
+    </dgm:style>
+  </dgm:styleLbl>
+  <dgm:styleLbl name="fgAccFollowNode1">
+    <dgm:scene3d>
+      <a:camera prst="orthographicFront"/>
+      <a:lightRig rig="threePt" dir="t"/>
+    </dgm:scene3d>
+    <dgm:sp3d/>
+    <dgm:txPr/>
+    <dgm:style>
+      <a:lnRef idx="1">
+        <a:scrgbClr r="0" g="0" b="0"/>
+      </a:lnRef>
+      <a:fillRef idx="1">
+        <a:scrgbClr r="0" g="0" b="0"/>
+      </a:fillRef>
+      <a:effectRef idx="0">
+        <a:scrgbClr r="0" g="0" b="0"/>
+      </a:effectRef>
+      <a:fontRef idx="minor"/>
+    </dgm:style>
+  </dgm:styleLbl>
+  <dgm:styleLbl name="alignAccFollowNode1">
+    <dgm:scene3d>
+      <a:camera prst="orthographicFront"/>
+      <a:lightRig rig="threePt" dir="t"/>
+    </dgm:scene3d>
+    <dgm:sp3d/>
+    <dgm:txPr/>
+    <dgm:style>
+      <a:lnRef idx="1">
+        <a:scrgbClr r="0" g="0" b="0"/>
+      </a:lnRef>
+      <a:fillRef idx="1">
+        <a:scrgbClr r="0" g="0" b="0"/>
+      </a:fillRef>
+      <a:effectRef idx="0">
+        <a:scrgbClr r="0" g="0" b="0"/>
+      </a:effectRef>
+      <a:fontRef idx="minor"/>
+    </dgm:style>
+  </dgm:styleLbl>
+  <dgm:styleLbl name="bgAccFollowNode1">
+    <dgm:scene3d>
+      <a:camera prst="orthographicFront"/>
+      <a:lightRig rig="threePt" dir="t"/>
+    </dgm:scene3d>
+    <dgm:sp3d/>
+    <dgm:txPr/>
+    <dgm:style>
+      <a:lnRef idx="1">
+        <a:scrgbClr r="0" g="0" b="0"/>
+      </a:lnRef>
+      <a:fillRef idx="1">
+        <a:scrgbClr r="0" g="0" b="0"/>
+      </a:fillRef>
+      <a:effectRef idx="0">
+        <a:scrgbClr r="0" g="0" b="0"/>
+      </a:effectRef>
+      <a:fontRef idx="minor"/>
+    </dgm:style>
+  </dgm:styleLbl>
+  <dgm:styleLbl name="fgAcc0">
+    <dgm:scene3d>
+      <a:camera prst="orthographicFront"/>
+      <a:lightRig rig="threePt" dir="t"/>
+    </dgm:scene3d>
+    <dgm:sp3d/>
+    <dgm:txPr/>
+    <dgm:style>
+      <a:lnRef idx="1">
+        <a:scrgbClr r="0" g="0" b="0"/>
+      </a:lnRef>
+      <a:fillRef idx="1">
+        <a:scrgbClr r="0" g="0" b="0"/>
+      </a:fillRef>
+      <a:effectRef idx="0">
+        <a:scrgbClr r="0" g="0" b="0"/>
+      </a:effectRef>
+      <a:fontRef idx="minor"/>
+    </dgm:style>
+  </dgm:styleLbl>
+  <dgm:styleLbl name="fgAcc2">
+    <dgm:scene3d>
+      <a:camera prst="orthographicFront"/>
+      <a:lightRig rig="threePt" dir="t"/>
+    </dgm:scene3d>
+    <dgm:sp3d/>
+    <dgm:txPr/>
+    <dgm:style>
+      <a:lnRef idx="1">
+        <a:scrgbClr r="0" g="0" b="0"/>
+      </a:lnRef>
+      <a:fillRef idx="1">
+        <a:scrgbClr r="0" g="0" b="0"/>
+      </a:fillRef>
+      <a:effectRef idx="0">
+        <a:scrgbClr r="0" g="0" b="0"/>
+      </a:effectRef>
+      <a:fontRef idx="minor"/>
+    </dgm:style>
+  </dgm:styleLbl>
+  <dgm:styleLbl name="fgAcc3">
+    <dgm:scene3d>
+      <a:camera prst="orthographicFront"/>
+      <a:lightRig rig="threePt" dir="t"/>
+    </dgm:scene3d>
+    <dgm:sp3d/>
+    <dgm:txPr/>
+    <dgm:style>
+      <a:lnRef idx="1">
+        <a:scrgbClr r="0" g="0" b="0"/>
+      </a:lnRef>
+      <a:fillRef idx="1">
+        <a:scrgbClr r="0" g="0" b="0"/>
+      </a:fillRef>
+      <a:effectRef idx="0">
+        <a:scrgbClr r="0" g="0" b="0"/>
+      </a:effectRef>
+      <a:fontRef idx="minor"/>
+    </dgm:style>
+  </dgm:styleLbl>
+  <dgm:styleLbl name="fgAcc4">
+    <dgm:scene3d>
+      <a:camera prst="orthographicFront"/>
+      <a:lightRig rig="threePt" dir="t"/>
+    </dgm:scene3d>
+    <dgm:sp3d/>
+    <dgm:txPr/>
+    <dgm:style>
+      <a:lnRef idx="1">
+        <a:scrgbClr r="0" g="0" b="0"/>
+      </a:lnRef>
+      <a:fillRef idx="1">
+        <a:scrgbClr r="0" g="0" b="0"/>
+      </a:fillRef>
+      <a:effectRef idx="0">
+        <a:scrgbClr r="0" g="0" b="0"/>
+      </a:effectRef>
+      <a:fontRef idx="minor"/>
+    </dgm:style>
+  </dgm:styleLbl>
+  <dgm:styleLbl name="bgShp">
+    <dgm:scene3d>
+      <a:camera prst="orthographicFront"/>
+      <a:lightRig rig="threePt" dir="t"/>
+    </dgm:scene3d>
+    <dgm:sp3d/>
+    <dgm:txPr/>
+    <dgm:style>
+      <a:lnRef idx="0">
+        <a:scrgbClr r="0" g="0" b="0"/>
+      </a:lnRef>
+      <a:fillRef idx="1">
+        <a:scrgbClr r="0" g="0" b="0"/>
+      </a:fillRef>
+      <a:effectRef idx="2">
+        <a:scrgbClr r="0" g="0" b="0"/>
+      </a:effectRef>
+      <a:fontRef idx="minor"/>
+    </dgm:style>
+  </dgm:styleLbl>
+  <dgm:styleLbl name="dkBgShp">
+    <dgm:scene3d>
+      <a:camera prst="orthographicFront"/>
+      <a:lightRig rig="threePt" dir="t"/>
+    </dgm:scene3d>
+    <dgm:sp3d/>
+    <dgm:txPr/>
+    <dgm:style>
+      <a:lnRef idx="0">
+        <a:scrgbClr r="0" g="0" b="0"/>
+      </a:lnRef>
+      <a:fillRef idx="1">
+        <a:scrgbClr r="0" g="0" b="0"/>
+      </a:fillRef>
+      <a:effectRef idx="2">
+        <a:scrgbClr r="0" g="0" b="0"/>
+      </a:effectRef>
+      <a:fontRef idx="minor"/>
+    </dgm:style>
+  </dgm:styleLbl>
+  <dgm:styleLbl name="trBgShp">
+    <dgm:scene3d>
+      <a:camera prst="orthographicFront"/>
+      <a:lightRig rig="threePt" dir="t"/>
+    </dgm:scene3d>
+    <dgm:sp3d/>
+    <dgm:txPr/>
+    <dgm:style>
+      <a:lnRef idx="0">
+        <a:scrgbClr r="0" g="0" b="0"/>
+      </a:lnRef>
+      <a:fillRef idx="1">
+        <a:scrgbClr r="0" g="0" b="0"/>
+      </a:fillRef>
+      <a:effectRef idx="0">
+        <a:scrgbClr r="0" g="0" b="0"/>
+      </a:effectRef>
+      <a:fontRef idx="minor"/>
+    </dgm:style>
+  </dgm:styleLbl>
+  <dgm:styleLbl name="fgShp">
+    <dgm:scene3d>
+      <a:camera prst="orthographicFront"/>
+      <a:lightRig rig="threePt" dir="t"/>
+    </dgm:scene3d>
+    <dgm:sp3d/>
+    <dgm:txPr/>
+    <dgm:style>
+      <a:lnRef idx="0">
+        <a:scrgbClr r="0" g="0" b="0"/>
+      </a:lnRef>
+      <a:fillRef idx="3">
+        <a:scrgbClr r="0" g="0" b="0"/>
+      </a:fillRef>
+      <a:effectRef idx="2">
+        <a:scrgbClr r="0" g="0" b="0"/>
+      </a:effectRef>
+      <a:fontRef idx="minor"/>
+    </dgm:style>
+  </dgm:styleLbl>
+  <dgm:styleLbl name="revTx">
+    <dgm:scene3d>
+      <a:camera prst="orthographicFront"/>
+      <a:lightRig rig="threePt" dir="t"/>
+    </dgm:scene3d>
+    <dgm:sp3d/>
+    <dgm:txPr/>
+    <dgm:style>
+      <a:lnRef idx="0">
+        <a:scrgbClr r="0" g="0" b="0"/>
+      </a:lnRef>
+      <a:fillRef idx="0">
+        <a:scrgbClr r="0" g="0" b="0"/>
+      </a:fillRef>
+      <a:effectRef idx="0">
+        <a:scrgbClr r="0" g="0" b="0"/>
+      </a:effectRef>
+      <a:fontRef idx="minor"/>
+    </dgm:style>
+  </dgm:styleLbl>
+</dgm:styleDef>
+</file>
+
+<file path=ppt/diagrams/quickStyle5.xml><?xml version="1.0" encoding="utf-8"?>
 <dgm:styleDef xmlns:dgm="http://schemas.openxmlformats.org/drawingml/2006/diagram" xmlns:a="http://schemas.openxmlformats.org/drawingml/2006/main" uniqueId="urn:microsoft.com/office/officeart/2005/8/quickstyle/simple4">
   <dgm:title val=""/>
   <dgm:desc val=""/>
@@ -18813,15 +24141,7 @@
           <a:p>
             <a:r>
               <a:rPr lang="en-US" dirty="0" smtClean="0"/>
-              <a:t>Reverse Engineering (</a:t>
-            </a:r>
-            <a:r>
-              <a:rPr lang="en-US" dirty="0" smtClean="0"/>
-              <a:t>SE4920</a:t>
-            </a:r>
-            <a:r>
-              <a:rPr lang="en-US" dirty="0" smtClean="0"/>
-              <a:t>) Final Project</a:t>
+              <a:t>Reverse Engineering (SE4920) Final Project</a:t>
             </a:r>
           </a:p>
           <a:p>
@@ -18879,8 +24199,8 @@
           <a:lstStyle/>
           <a:p>
             <a:r>
-              <a:rPr lang="en-US" dirty="0" smtClean="0"/>
-              <a:t>Functional Blocks</a:t>
+              <a:rPr lang="en-US" dirty="0"/>
+              <a:t>What Do I Know?</a:t>
             </a:r>
             <a:endParaRPr lang="en-US" dirty="0"/>
           </a:p>
@@ -18958,6 +24278,162 @@
           <a:p>
             <a:r>
               <a:rPr lang="en-US" dirty="0" smtClean="0"/>
+              <a:t>What Do I Think I Will Learn?</a:t>
+            </a:r>
+            <a:endParaRPr lang="en-US" dirty="0"/>
+          </a:p>
+        </p:txBody>
+      </p:sp>
+      <p:graphicFrame>
+        <p:nvGraphicFramePr>
+          <p:cNvPr id="4" name="Content Placeholder 3"/>
+          <p:cNvGraphicFramePr>
+            <a:graphicFrameLocks noGrp="1"/>
+          </p:cNvGraphicFramePr>
+          <p:nvPr>
+            <p:ph idx="1"/>
+            <p:extLst>
+              <p:ext uri="{D42A27DB-BD31-4B8C-83A1-F6EECF244321}">
+                <p14:modId xmlns:p14="http://schemas.microsoft.com/office/powerpoint/2010/main" val="1725778622"/>
+              </p:ext>
+            </p:extLst>
+          </p:nvPr>
+        </p:nvGraphicFramePr>
+        <p:xfrm>
+          <a:off x="838200" y="2038388"/>
+          <a:ext cx="7467600" cy="3951337"/>
+        </p:xfrm>
+        <a:graphic>
+          <a:graphicData uri="http://schemas.openxmlformats.org/drawingml/2006/diagram">
+            <dgm:relIds xmlns:dgm="http://schemas.openxmlformats.org/drawingml/2006/diagram" xmlns:r="http://schemas.openxmlformats.org/officeDocument/2006/relationships" r:dm="rId2" r:lo="rId3" r:qs="rId4" r:cs="rId5"/>
+          </a:graphicData>
+        </a:graphic>
+      </p:graphicFrame>
+    </p:spTree>
+    <p:extLst>
+      <p:ext uri="{BB962C8B-B14F-4D97-AF65-F5344CB8AC3E}">
+        <p14:creationId xmlns:p14="http://schemas.microsoft.com/office/powerpoint/2010/main" val="3153971880"/>
+      </p:ext>
+    </p:extLst>
+  </p:cSld>
+  <p:clrMapOvr>
+    <a:masterClrMapping/>
+  </p:clrMapOvr>
+</p:sld>
+</file>
+
+<file path=ppt/slides/slide4.xml><?xml version="1.0" encoding="utf-8"?>
+<p:sld xmlns:a="http://schemas.openxmlformats.org/drawingml/2006/main" xmlns:r="http://schemas.openxmlformats.org/officeDocument/2006/relationships" xmlns:p="http://schemas.openxmlformats.org/presentationml/2006/main">
+  <p:cSld>
+    <p:spTree>
+      <p:nvGrpSpPr>
+        <p:cNvPr id="1" name=""/>
+        <p:cNvGrpSpPr/>
+        <p:nvPr/>
+      </p:nvGrpSpPr>
+      <p:grpSpPr>
+        <a:xfrm>
+          <a:off x="0" y="0"/>
+          <a:ext cx="0" cy="0"/>
+          <a:chOff x="0" y="0"/>
+          <a:chExt cx="0" cy="0"/>
+        </a:xfrm>
+      </p:grpSpPr>
+      <p:sp>
+        <p:nvSpPr>
+          <p:cNvPr id="2" name="Title 1"/>
+          <p:cNvSpPr>
+            <a:spLocks noGrp="1"/>
+          </p:cNvSpPr>
+          <p:nvPr>
+            <p:ph type="title"/>
+          </p:nvPr>
+        </p:nvSpPr>
+        <p:spPr/>
+        <p:txBody>
+          <a:bodyPr/>
+          <a:lstStyle/>
+          <a:p>
+            <a:r>
+              <a:rPr lang="en-US" dirty="0" smtClean="0"/>
+              <a:t>After Questions</a:t>
+            </a:r>
+            <a:endParaRPr lang="en-US" dirty="0"/>
+          </a:p>
+        </p:txBody>
+      </p:sp>
+      <p:graphicFrame>
+        <p:nvGraphicFramePr>
+          <p:cNvPr id="4" name="Content Placeholder 3"/>
+          <p:cNvGraphicFramePr>
+            <a:graphicFrameLocks noGrp="1"/>
+          </p:cNvGraphicFramePr>
+          <p:nvPr>
+            <p:ph idx="1"/>
+            <p:extLst>
+              <p:ext uri="{D42A27DB-BD31-4B8C-83A1-F6EECF244321}">
+                <p14:modId xmlns:p14="http://schemas.microsoft.com/office/powerpoint/2010/main" val="2601334838"/>
+              </p:ext>
+            </p:extLst>
+          </p:nvPr>
+        </p:nvGraphicFramePr>
+        <p:xfrm>
+          <a:off x="838200" y="2038388"/>
+          <a:ext cx="7467600" cy="3951337"/>
+        </p:xfrm>
+        <a:graphic>
+          <a:graphicData uri="http://schemas.openxmlformats.org/drawingml/2006/diagram">
+            <dgm:relIds xmlns:dgm="http://schemas.openxmlformats.org/drawingml/2006/diagram" xmlns:r="http://schemas.openxmlformats.org/officeDocument/2006/relationships" r:dm="rId2" r:lo="rId3" r:qs="rId4" r:cs="rId5"/>
+          </a:graphicData>
+        </a:graphic>
+      </p:graphicFrame>
+    </p:spTree>
+    <p:extLst>
+      <p:ext uri="{BB962C8B-B14F-4D97-AF65-F5344CB8AC3E}">
+        <p14:creationId xmlns:p14="http://schemas.microsoft.com/office/powerpoint/2010/main" val="3793094176"/>
+      </p:ext>
+    </p:extLst>
+  </p:cSld>
+  <p:clrMapOvr>
+    <a:masterClrMapping/>
+  </p:clrMapOvr>
+</p:sld>
+</file>
+
+<file path=ppt/slides/slide5.xml><?xml version="1.0" encoding="utf-8"?>
+<p:sld xmlns:a="http://schemas.openxmlformats.org/drawingml/2006/main" xmlns:r="http://schemas.openxmlformats.org/officeDocument/2006/relationships" xmlns:p="http://schemas.openxmlformats.org/presentationml/2006/main">
+  <p:cSld>
+    <p:spTree>
+      <p:nvGrpSpPr>
+        <p:cNvPr id="1" name=""/>
+        <p:cNvGrpSpPr/>
+        <p:nvPr/>
+      </p:nvGrpSpPr>
+      <p:grpSpPr>
+        <a:xfrm>
+          <a:off x="0" y="0"/>
+          <a:ext cx="0" cy="0"/>
+          <a:chOff x="0" y="0"/>
+          <a:chExt cx="0" cy="0"/>
+        </a:xfrm>
+      </p:grpSpPr>
+      <p:sp>
+        <p:nvSpPr>
+          <p:cNvPr id="2" name="Title 1"/>
+          <p:cNvSpPr>
+            <a:spLocks noGrp="1"/>
+          </p:cNvSpPr>
+          <p:nvPr>
+            <p:ph type="title"/>
+          </p:nvPr>
+        </p:nvSpPr>
+        <p:spPr/>
+        <p:txBody>
+          <a:bodyPr/>
+          <a:lstStyle/>
+          <a:p>
+            <a:r>
+              <a:rPr lang="en-US" dirty="0" smtClean="0"/>
               <a:t>Outstanding Questions</a:t>
             </a:r>
             <a:endParaRPr lang="en-US" dirty="0"/>
@@ -19002,7 +24478,7 @@
 </p:sld>
 </file>
 
-<file path=ppt/slides/slide4.xml><?xml version="1.0" encoding="utf-8"?>
+<file path=ppt/slides/slide6.xml><?xml version="1.0" encoding="utf-8"?>
 <p:sld xmlns:a="http://schemas.openxmlformats.org/drawingml/2006/main" xmlns:r="http://schemas.openxmlformats.org/officeDocument/2006/relationships" xmlns:p="http://schemas.openxmlformats.org/presentationml/2006/main">
   <p:cSld>
     <p:spTree>
